--- a/Document/Presentation.pptx
+++ b/Document/Presentation.pptx
@@ -5,10 +5,12 @@
     <p:sldMasterId id="2147483648" r:id="rId1"/>
   </p:sldMasterIdLst>
   <p:notesMasterIdLst>
-    <p:notesMasterId r:id="rId3"/>
+    <p:notesMasterId r:id="rId5"/>
   </p:notesMasterIdLst>
   <p:sldIdLst>
     <p:sldId id="256" r:id="rId2"/>
+    <p:sldId id="257" r:id="rId3"/>
+    <p:sldId id="258" r:id="rId4"/>
   </p:sldIdLst>
   <p:sldSz cx="9144000" cy="6858000" type="screen4x3"/>
   <p:notesSz cx="6858000" cy="9144000"/>
@@ -3607,27 +3609,58 @@
             <p:ph type="subTitle" idx="1"/>
           </p:nvPr>
         </p:nvSpPr>
-        <p:spPr/>
-        <p:txBody>
-          <a:bodyPr/>
-          <a:lstStyle/>
-          <a:p>
+        <p:spPr>
+          <a:xfrm>
+            <a:off x="2416628" y="3886200"/>
+            <a:ext cx="6400800" cy="1752600"/>
+          </a:xfrm>
+        </p:spPr>
+        <p:txBody>
+          <a:bodyPr/>
+          <a:lstStyle/>
+          <a:p>
+            <a:pPr algn="r"/>
             <a:r>
               <a:rPr lang="en-US" dirty="0"/>
-              <a:t>Erik Bauman</a:t>
-            </a:r>
-          </a:p>
-          <a:p>
+              <a:t>Erick Bauman</a:t>
+            </a:r>
+          </a:p>
+          <a:p>
+            <a:pPr algn="r"/>
             <a:r>
               <a:rPr lang="en-US" dirty="0"/>
               <a:t>Tristan Duckworth</a:t>
             </a:r>
           </a:p>
           <a:p>
-            <a:r>
-              <a:rPr lang="en-US"/>
+            <a:pPr algn="r"/>
+            <a:r>
+              <a:rPr lang="en-US" dirty="0"/>
               <a:t>Shamila Wickramasuriya</a:t>
             </a:r>
+          </a:p>
+        </p:txBody>
+      </p:sp>
+      <p:sp>
+        <p:nvSpPr>
+          <p:cNvPr id="4" name="Date Placeholder 3"/>
+          <p:cNvSpPr>
+            <a:spLocks noGrp="1"/>
+          </p:cNvSpPr>
+          <p:nvPr>
+            <p:ph type="dt" sz="half" idx="10"/>
+          </p:nvPr>
+        </p:nvSpPr>
+        <p:spPr/>
+        <p:txBody>
+          <a:bodyPr/>
+          <a:lstStyle/>
+          <a:p>
+            <a:fld id="{7E5193C8-7A68-449C-8791-1C9B35186869}" type="datetime1">
+              <a:rPr lang="en-US" smtClean="0"/>
+              <a:t>12/2/2016</a:t>
+            </a:fld>
+            <a:endParaRPr lang="en-US"/>
           </a:p>
         </p:txBody>
       </p:sp>
@@ -3635,6 +3668,164 @@
     <p:extLst>
       <p:ext uri="{BB962C8B-B14F-4D97-AF65-F5344CB8AC3E}">
         <p14:creationId xmlns:p14="http://schemas.microsoft.com/office/powerpoint/2010/main" val="1273440740"/>
+      </p:ext>
+    </p:extLst>
+  </p:cSld>
+  <p:clrMapOvr>
+    <a:masterClrMapping/>
+  </p:clrMapOvr>
+</p:sld>
+</file>
+
+<file path=ppt/slides/slide2.xml><?xml version="1.0" encoding="utf-8"?>
+<p:sld xmlns:a="http://schemas.openxmlformats.org/drawingml/2006/main" xmlns:r="http://schemas.openxmlformats.org/officeDocument/2006/relationships" xmlns:p="http://schemas.openxmlformats.org/presentationml/2006/main">
+  <p:cSld>
+    <p:spTree>
+      <p:nvGrpSpPr>
+        <p:cNvPr id="1" name=""/>
+        <p:cNvGrpSpPr/>
+        <p:nvPr/>
+      </p:nvGrpSpPr>
+      <p:grpSpPr>
+        <a:xfrm>
+          <a:off x="0" y="0"/>
+          <a:ext cx="0" cy="0"/>
+          <a:chOff x="0" y="0"/>
+          <a:chExt cx="0" cy="0"/>
+        </a:xfrm>
+      </p:grpSpPr>
+      <p:sp>
+        <p:nvSpPr>
+          <p:cNvPr id="2" name="Title 1"/>
+          <p:cNvSpPr>
+            <a:spLocks noGrp="1"/>
+          </p:cNvSpPr>
+          <p:nvPr>
+            <p:ph type="title"/>
+          </p:nvPr>
+        </p:nvSpPr>
+        <p:spPr>
+          <a:xfrm>
+            <a:off x="2024743" y="97357"/>
+            <a:ext cx="5262464" cy="639762"/>
+          </a:xfrm>
+        </p:spPr>
+        <p:txBody>
+          <a:bodyPr>
+            <a:normAutofit fontScale="90000"/>
+          </a:bodyPr>
+          <a:lstStyle/>
+          <a:p>
+            <a:pPr algn="l"/>
+            <a:r>
+              <a:rPr lang="en-US" dirty="0"/>
+              <a:t>Project Motivation</a:t>
+            </a:r>
+          </a:p>
+        </p:txBody>
+      </p:sp>
+      <p:sp>
+        <p:nvSpPr>
+          <p:cNvPr id="3" name="Content Placeholder 2"/>
+          <p:cNvSpPr>
+            <a:spLocks noGrp="1"/>
+          </p:cNvSpPr>
+          <p:nvPr>
+            <p:ph idx="1"/>
+          </p:nvPr>
+        </p:nvSpPr>
+        <p:spPr/>
+        <p:txBody>
+          <a:bodyPr/>
+          <a:lstStyle/>
+          <a:p>
+            <a:endParaRPr lang="en-US" dirty="0"/>
+          </a:p>
+        </p:txBody>
+      </p:sp>
+    </p:spTree>
+    <p:extLst>
+      <p:ext uri="{BB962C8B-B14F-4D97-AF65-F5344CB8AC3E}">
+        <p14:creationId xmlns:p14="http://schemas.microsoft.com/office/powerpoint/2010/main" val="973435478"/>
+      </p:ext>
+    </p:extLst>
+  </p:cSld>
+  <p:clrMapOvr>
+    <a:masterClrMapping/>
+  </p:clrMapOvr>
+</p:sld>
+</file>
+
+<file path=ppt/slides/slide3.xml><?xml version="1.0" encoding="utf-8"?>
+<p:sld xmlns:a="http://schemas.openxmlformats.org/drawingml/2006/main" xmlns:r="http://schemas.openxmlformats.org/officeDocument/2006/relationships" xmlns:p="http://schemas.openxmlformats.org/presentationml/2006/main">
+  <p:cSld>
+    <p:spTree>
+      <p:nvGrpSpPr>
+        <p:cNvPr id="1" name=""/>
+        <p:cNvGrpSpPr/>
+        <p:nvPr/>
+      </p:nvGrpSpPr>
+      <p:grpSpPr>
+        <a:xfrm>
+          <a:off x="0" y="0"/>
+          <a:ext cx="0" cy="0"/>
+          <a:chOff x="0" y="0"/>
+          <a:chExt cx="0" cy="0"/>
+        </a:xfrm>
+      </p:grpSpPr>
+      <p:sp>
+        <p:nvSpPr>
+          <p:cNvPr id="2" name="Title 1"/>
+          <p:cNvSpPr>
+            <a:spLocks noGrp="1"/>
+          </p:cNvSpPr>
+          <p:nvPr>
+            <p:ph type="title"/>
+          </p:nvPr>
+        </p:nvSpPr>
+        <p:spPr>
+          <a:xfrm>
+            <a:off x="2024743" y="97357"/>
+            <a:ext cx="5262464" cy="639762"/>
+          </a:xfrm>
+        </p:spPr>
+        <p:txBody>
+          <a:bodyPr>
+            <a:normAutofit fontScale="90000"/>
+          </a:bodyPr>
+          <a:lstStyle/>
+          <a:p>
+            <a:pPr algn="l"/>
+            <a:r>
+              <a:rPr lang="en-US" dirty="0"/>
+              <a:t>Example</a:t>
+            </a:r>
+          </a:p>
+        </p:txBody>
+      </p:sp>
+      <p:sp>
+        <p:nvSpPr>
+          <p:cNvPr id="3" name="Content Placeholder 2"/>
+          <p:cNvSpPr>
+            <a:spLocks noGrp="1"/>
+          </p:cNvSpPr>
+          <p:nvPr>
+            <p:ph idx="1"/>
+          </p:nvPr>
+        </p:nvSpPr>
+        <p:spPr/>
+        <p:txBody>
+          <a:bodyPr/>
+          <a:lstStyle/>
+          <a:p>
+            <a:endParaRPr lang="en-US" dirty="0"/>
+          </a:p>
+        </p:txBody>
+      </p:sp>
+    </p:spTree>
+    <p:extLst>
+      <p:ext uri="{BB962C8B-B14F-4D97-AF65-F5344CB8AC3E}">
+        <p14:creationId xmlns:p14="http://schemas.microsoft.com/office/powerpoint/2010/main" val="3087471823"/>
       </p:ext>
     </p:extLst>
   </p:cSld>

--- a/Document/Presentation.pptx
+++ b/Document/Presentation.pptx
@@ -5,12 +5,17 @@
     <p:sldMasterId id="2147483648" r:id="rId1"/>
   </p:sldMasterIdLst>
   <p:notesMasterIdLst>
-    <p:notesMasterId r:id="rId5"/>
+    <p:notesMasterId r:id="rId10"/>
   </p:notesMasterIdLst>
   <p:sldIdLst>
     <p:sldId id="256" r:id="rId2"/>
     <p:sldId id="257" r:id="rId3"/>
-    <p:sldId id="258" r:id="rId4"/>
+    <p:sldId id="259" r:id="rId4"/>
+    <p:sldId id="263" r:id="rId5"/>
+    <p:sldId id="260" r:id="rId6"/>
+    <p:sldId id="261" r:id="rId7"/>
+    <p:sldId id="258" r:id="rId8"/>
+    <p:sldId id="262" r:id="rId9"/>
   </p:sldIdLst>
   <p:sldSz cx="9144000" cy="6858000" type="screen4x3"/>
   <p:notesSz cx="6858000" cy="9144000"/>
@@ -210,7 +215,7 @@
           <a:p>
             <a:fld id="{DC2E9FED-4A5A-440E-9ADD-96E04009DFF9}" type="datetimeFigureOut">
               <a:rPr lang="en-US" smtClean="0"/>
-              <a:t>12/2/2016</a:t>
+              <a:t>2016-12-06</a:t>
             </a:fld>
             <a:endParaRPr lang="en-US"/>
           </a:p>
@@ -735,7 +740,7 @@
             <a:fld id="{9ED4560C-E380-1943-B5D7-49A23CA338C0}" type="datetimeFigureOut">
               <a:rPr lang="en-US" smtClean="0"/>
               <a:pPr/>
-              <a:t>12/2/2016</a:t>
+              <a:t>2016-12-06</a:t>
             </a:fld>
             <a:endParaRPr lang="en-US"/>
           </a:p>
@@ -905,7 +910,7 @@
             <a:fld id="{9ED4560C-E380-1943-B5D7-49A23CA338C0}" type="datetimeFigureOut">
               <a:rPr lang="en-US" smtClean="0"/>
               <a:pPr/>
-              <a:t>12/2/2016</a:t>
+              <a:t>2016-12-06</a:t>
             </a:fld>
             <a:endParaRPr lang="en-US"/>
           </a:p>
@@ -1085,7 +1090,7 @@
             <a:fld id="{9ED4560C-E380-1943-B5D7-49A23CA338C0}" type="datetimeFigureOut">
               <a:rPr lang="en-US" smtClean="0"/>
               <a:pPr/>
-              <a:t>12/2/2016</a:t>
+              <a:t>2016-12-06</a:t>
             </a:fld>
             <a:endParaRPr lang="en-US"/>
           </a:p>
@@ -1255,7 +1260,7 @@
             <a:fld id="{9ED4560C-E380-1943-B5D7-49A23CA338C0}" type="datetimeFigureOut">
               <a:rPr lang="en-US" smtClean="0"/>
               <a:pPr/>
-              <a:t>12/2/2016</a:t>
+              <a:t>2016-12-06</a:t>
             </a:fld>
             <a:endParaRPr lang="en-US"/>
           </a:p>
@@ -1502,7 +1507,7 @@
             <a:fld id="{9ED4560C-E380-1943-B5D7-49A23CA338C0}" type="datetimeFigureOut">
               <a:rPr lang="en-US" smtClean="0"/>
               <a:pPr/>
-              <a:t>12/2/2016</a:t>
+              <a:t>2016-12-06</a:t>
             </a:fld>
             <a:endParaRPr lang="en-US"/>
           </a:p>
@@ -1789,7 +1794,7 @@
             <a:fld id="{9ED4560C-E380-1943-B5D7-49A23CA338C0}" type="datetimeFigureOut">
               <a:rPr lang="en-US" smtClean="0"/>
               <a:pPr/>
-              <a:t>12/2/2016</a:t>
+              <a:t>2016-12-06</a:t>
             </a:fld>
             <a:endParaRPr lang="en-US"/>
           </a:p>
@@ -2210,7 +2215,7 @@
             <a:fld id="{9ED4560C-E380-1943-B5D7-49A23CA338C0}" type="datetimeFigureOut">
               <a:rPr lang="en-US" smtClean="0"/>
               <a:pPr/>
-              <a:t>12/2/2016</a:t>
+              <a:t>2016-12-06</a:t>
             </a:fld>
             <a:endParaRPr lang="en-US"/>
           </a:p>
@@ -2329,7 +2334,7 @@
             <a:fld id="{9ED4560C-E380-1943-B5D7-49A23CA338C0}" type="datetimeFigureOut">
               <a:rPr lang="en-US" smtClean="0"/>
               <a:pPr/>
-              <a:t>12/2/2016</a:t>
+              <a:t>2016-12-06</a:t>
             </a:fld>
             <a:endParaRPr lang="en-US"/>
           </a:p>
@@ -2426,7 +2431,7 @@
             <a:fld id="{9ED4560C-E380-1943-B5D7-49A23CA338C0}" type="datetimeFigureOut">
               <a:rPr lang="en-US" smtClean="0"/>
               <a:pPr/>
-              <a:t>12/2/2016</a:t>
+              <a:t>2016-12-06</a:t>
             </a:fld>
             <a:endParaRPr lang="en-US"/>
           </a:p>
@@ -2703,7 +2708,7 @@
             <a:fld id="{9ED4560C-E380-1943-B5D7-49A23CA338C0}" type="datetimeFigureOut">
               <a:rPr lang="en-US" smtClean="0"/>
               <a:pPr/>
-              <a:t>12/2/2016</a:t>
+              <a:t>2016-12-06</a:t>
             </a:fld>
             <a:endParaRPr lang="en-US"/>
           </a:p>
@@ -2957,7 +2962,7 @@
             <a:fld id="{9ED4560C-E380-1943-B5D7-49A23CA338C0}" type="datetimeFigureOut">
               <a:rPr lang="en-US" smtClean="0"/>
               <a:pPr/>
-              <a:t>12/2/2016</a:t>
+              <a:t>2016-12-06</a:t>
             </a:fld>
             <a:endParaRPr lang="en-US"/>
           </a:p>
@@ -3170,7 +3175,7 @@
             <a:fld id="{9ED4560C-E380-1943-B5D7-49A23CA338C0}" type="datetimeFigureOut">
               <a:rPr lang="en-US" smtClean="0"/>
               <a:pPr/>
-              <a:t>12/2/2016</a:t>
+              <a:t>2016-12-06</a:t>
             </a:fld>
             <a:endParaRPr lang="en-US"/>
           </a:p>
@@ -3658,7 +3663,7 @@
           <a:p>
             <a:fld id="{7E5193C8-7A68-449C-8791-1C9B35186869}" type="datetime1">
               <a:rPr lang="en-US" smtClean="0"/>
-              <a:t>12/2/2016</a:t>
+              <a:t>2016-12-06</a:t>
             </a:fld>
             <a:endParaRPr lang="en-US"/>
           </a:p>
@@ -3718,8 +3723,12 @@
           <a:p>
             <a:pPr algn="l"/>
             <a:r>
-              <a:rPr lang="en-US" dirty="0"/>
-              <a:t>Project Motivation</a:t>
+              <a:rPr lang="en-US" dirty="0">
+                <a:solidFill>
+                  <a:schemeClr val="bg1"/>
+                </a:solidFill>
+              </a:rPr>
+              <a:t>Motivation</a:t>
             </a:r>
           </a:p>
         </p:txBody>
@@ -3797,7 +3806,579 @@
           <a:p>
             <a:pPr algn="l"/>
             <a:r>
+              <a:rPr lang="en-US" dirty="0">
+                <a:solidFill>
+                  <a:schemeClr val="bg1"/>
+                </a:solidFill>
+              </a:rPr>
+              <a:t>Background</a:t>
+            </a:r>
+          </a:p>
+        </p:txBody>
+      </p:sp>
+      <p:sp>
+        <p:nvSpPr>
+          <p:cNvPr id="3" name="Content Placeholder 2"/>
+          <p:cNvSpPr>
+            <a:spLocks noGrp="1"/>
+          </p:cNvSpPr>
+          <p:nvPr>
+            <p:ph idx="1"/>
+          </p:nvPr>
+        </p:nvSpPr>
+        <p:spPr/>
+        <p:txBody>
+          <a:bodyPr>
+            <a:normAutofit fontScale="92500" lnSpcReduction="20000"/>
+          </a:bodyPr>
+          <a:lstStyle/>
+          <a:p>
+            <a:r>
               <a:rPr lang="en-US" dirty="0"/>
+              <a:t>Featherweight Java (Igarashi 2001)</a:t>
+            </a:r>
+          </a:p>
+          <a:p>
+            <a:pPr lvl="1"/>
+            <a:r>
+              <a:rPr lang="en-US" dirty="0"/>
+              <a:t>“A minimal core calculus for Java and GJ”</a:t>
+            </a:r>
+          </a:p>
+          <a:p>
+            <a:pPr lvl="1"/>
+            <a:r>
+              <a:rPr lang="en-US" dirty="0"/>
+              <a:t>Omits: </a:t>
+            </a:r>
+            <a:r>
+              <a:rPr lang="en-US" dirty="0"/>
+              <a:t>assignment, interfaces, overloading, messages to </a:t>
+            </a:r>
+            <a:r>
+              <a:rPr lang="en-US" dirty="0">
+                <a:latin typeface="Courier New" panose="02070309020205020404" pitchFamily="49" charset="0"/>
+                <a:cs typeface="Courier New" panose="02070309020205020404" pitchFamily="49" charset="0"/>
+              </a:rPr>
+              <a:t>super</a:t>
+            </a:r>
+            <a:r>
+              <a:rPr lang="en-US" dirty="0"/>
+              <a:t>, null pointers, base types (</a:t>
+            </a:r>
+            <a:r>
+              <a:rPr lang="en-US" dirty="0" err="1">
+                <a:latin typeface="Courier New" panose="02070309020205020404" pitchFamily="49" charset="0"/>
+                <a:cs typeface="Courier New" panose="02070309020205020404" pitchFamily="49" charset="0"/>
+              </a:rPr>
+              <a:t>int</a:t>
+            </a:r>
+            <a:r>
+              <a:rPr lang="en-US" dirty="0"/>
+              <a:t>, </a:t>
+            </a:r>
+            <a:r>
+              <a:rPr lang="en-US" dirty="0">
+                <a:latin typeface="Courier New" panose="02070309020205020404" pitchFamily="49" charset="0"/>
+                <a:cs typeface="Courier New" panose="02070309020205020404" pitchFamily="49" charset="0"/>
+              </a:rPr>
+              <a:t>bool</a:t>
+            </a:r>
+            <a:r>
+              <a:rPr lang="en-US" dirty="0"/>
+              <a:t>, etc.), abstract method declarations, shadowing of superclass fields by subclass fields, access control (</a:t>
+            </a:r>
+            <a:r>
+              <a:rPr lang="en-US" dirty="0">
+                <a:latin typeface="Courier New" panose="02070309020205020404" pitchFamily="49" charset="0"/>
+                <a:cs typeface="Courier New" panose="02070309020205020404" pitchFamily="49" charset="0"/>
+              </a:rPr>
+              <a:t>public</a:t>
+            </a:r>
+            <a:r>
+              <a:rPr lang="en-US" dirty="0"/>
+              <a:t>, </a:t>
+            </a:r>
+            <a:r>
+              <a:rPr lang="en-US" dirty="0">
+                <a:latin typeface="Courier New" panose="02070309020205020404" pitchFamily="49" charset="0"/>
+                <a:cs typeface="Courier New" panose="02070309020205020404" pitchFamily="49" charset="0"/>
+              </a:rPr>
+              <a:t>private</a:t>
+            </a:r>
+            <a:r>
+              <a:rPr lang="en-US" dirty="0"/>
+              <a:t>, etc.), and exceptions</a:t>
+            </a:r>
+          </a:p>
+          <a:p>
+            <a:pPr lvl="1"/>
+            <a:r>
+              <a:rPr lang="en-US" dirty="0"/>
+              <a:t>Includes: mutually recursive class definitions, object creation, field access, method invocation, method override, method recursion through </a:t>
+            </a:r>
+            <a:r>
+              <a:rPr lang="en-US" dirty="0">
+                <a:latin typeface="Courier New" panose="02070309020205020404" pitchFamily="49" charset="0"/>
+                <a:cs typeface="Courier New" panose="02070309020205020404" pitchFamily="49" charset="0"/>
+              </a:rPr>
+              <a:t>this</a:t>
+            </a:r>
+            <a:r>
+              <a:rPr lang="en-US" dirty="0"/>
+              <a:t>, subtyping, and casting</a:t>
+            </a:r>
+            <a:br>
+              <a:rPr lang="en-US" dirty="0"/>
+            </a:br>
+            <a:endParaRPr lang="en-US" dirty="0"/>
+          </a:p>
+        </p:txBody>
+      </p:sp>
+    </p:spTree>
+    <p:extLst>
+      <p:ext uri="{BB962C8B-B14F-4D97-AF65-F5344CB8AC3E}">
+        <p14:creationId xmlns:p14="http://schemas.microsoft.com/office/powerpoint/2010/main" val="3566154295"/>
+      </p:ext>
+    </p:extLst>
+  </p:cSld>
+  <p:clrMapOvr>
+    <a:masterClrMapping/>
+  </p:clrMapOvr>
+</p:sld>
+</file>
+
+<file path=ppt/slides/slide4.xml><?xml version="1.0" encoding="utf-8"?>
+<p:sld xmlns:a="http://schemas.openxmlformats.org/drawingml/2006/main" xmlns:r="http://schemas.openxmlformats.org/officeDocument/2006/relationships" xmlns:p="http://schemas.openxmlformats.org/presentationml/2006/main">
+  <p:cSld>
+    <p:spTree>
+      <p:nvGrpSpPr>
+        <p:cNvPr id="1" name=""/>
+        <p:cNvGrpSpPr/>
+        <p:nvPr/>
+      </p:nvGrpSpPr>
+      <p:grpSpPr>
+        <a:xfrm>
+          <a:off x="0" y="0"/>
+          <a:ext cx="0" cy="0"/>
+          <a:chOff x="0" y="0"/>
+          <a:chExt cx="0" cy="0"/>
+        </a:xfrm>
+      </p:grpSpPr>
+      <p:sp>
+        <p:nvSpPr>
+          <p:cNvPr id="2" name="Title 1"/>
+          <p:cNvSpPr>
+            <a:spLocks noGrp="1"/>
+          </p:cNvSpPr>
+          <p:nvPr>
+            <p:ph type="title"/>
+          </p:nvPr>
+        </p:nvSpPr>
+        <p:spPr>
+          <a:xfrm>
+            <a:off x="2024743" y="97357"/>
+            <a:ext cx="5262464" cy="639762"/>
+          </a:xfrm>
+        </p:spPr>
+        <p:txBody>
+          <a:bodyPr>
+            <a:normAutofit fontScale="90000"/>
+          </a:bodyPr>
+          <a:lstStyle/>
+          <a:p>
+            <a:pPr algn="l"/>
+            <a:r>
+              <a:rPr lang="en-US" dirty="0">
+                <a:solidFill>
+                  <a:schemeClr val="bg1"/>
+                </a:solidFill>
+              </a:rPr>
+              <a:t>Background</a:t>
+            </a:r>
+          </a:p>
+        </p:txBody>
+      </p:sp>
+      <p:sp>
+        <p:nvSpPr>
+          <p:cNvPr id="3" name="Content Placeholder 2"/>
+          <p:cNvSpPr>
+            <a:spLocks noGrp="1"/>
+          </p:cNvSpPr>
+          <p:nvPr>
+            <p:ph idx="1"/>
+          </p:nvPr>
+        </p:nvSpPr>
+        <p:spPr/>
+        <p:txBody>
+          <a:bodyPr>
+            <a:normAutofit fontScale="92500" lnSpcReduction="20000"/>
+          </a:bodyPr>
+          <a:lstStyle/>
+          <a:p>
+            <a:r>
+              <a:rPr lang="en-US" dirty="0"/>
+              <a:t>Featherweight Java (Igarashi 2001) </a:t>
+            </a:r>
+            <a:r>
+              <a:rPr lang="en-US" dirty="0">
+                <a:solidFill>
+                  <a:srgbClr val="FF0000"/>
+                </a:solidFill>
+              </a:rPr>
+              <a:t>(no casting)</a:t>
+            </a:r>
+          </a:p>
+          <a:p>
+            <a:pPr lvl="1"/>
+            <a:r>
+              <a:rPr lang="en-US" dirty="0"/>
+              <a:t>“A minimal core calculus for Java and GJ”</a:t>
+            </a:r>
+          </a:p>
+          <a:p>
+            <a:pPr lvl="1"/>
+            <a:r>
+              <a:rPr lang="en-US" dirty="0"/>
+              <a:t>Omits: </a:t>
+            </a:r>
+            <a:r>
+              <a:rPr lang="en-US" dirty="0"/>
+              <a:t>assignment, interfaces, overloading, messages to </a:t>
+            </a:r>
+            <a:r>
+              <a:rPr lang="en-US" dirty="0">
+                <a:latin typeface="Courier New" panose="02070309020205020404" pitchFamily="49" charset="0"/>
+                <a:cs typeface="Courier New" panose="02070309020205020404" pitchFamily="49" charset="0"/>
+              </a:rPr>
+              <a:t>super</a:t>
+            </a:r>
+            <a:r>
+              <a:rPr lang="en-US" dirty="0"/>
+              <a:t>, null pointers, base types (</a:t>
+            </a:r>
+            <a:r>
+              <a:rPr lang="en-US" dirty="0" err="1">
+                <a:latin typeface="Courier New" panose="02070309020205020404" pitchFamily="49" charset="0"/>
+                <a:cs typeface="Courier New" panose="02070309020205020404" pitchFamily="49" charset="0"/>
+              </a:rPr>
+              <a:t>int</a:t>
+            </a:r>
+            <a:r>
+              <a:rPr lang="en-US" dirty="0"/>
+              <a:t>, </a:t>
+            </a:r>
+            <a:r>
+              <a:rPr lang="en-US" dirty="0">
+                <a:latin typeface="Courier New" panose="02070309020205020404" pitchFamily="49" charset="0"/>
+                <a:cs typeface="Courier New" panose="02070309020205020404" pitchFamily="49" charset="0"/>
+              </a:rPr>
+              <a:t>bool</a:t>
+            </a:r>
+            <a:r>
+              <a:rPr lang="en-US" dirty="0"/>
+              <a:t>, etc.), abstract method declarations, shadowing of superclass fields by subclass fields, access control (</a:t>
+            </a:r>
+            <a:r>
+              <a:rPr lang="en-US" dirty="0">
+                <a:latin typeface="Courier New" panose="02070309020205020404" pitchFamily="49" charset="0"/>
+                <a:cs typeface="Courier New" panose="02070309020205020404" pitchFamily="49" charset="0"/>
+              </a:rPr>
+              <a:t>public</a:t>
+            </a:r>
+            <a:r>
+              <a:rPr lang="en-US" dirty="0"/>
+              <a:t>, </a:t>
+            </a:r>
+            <a:r>
+              <a:rPr lang="en-US" dirty="0">
+                <a:latin typeface="Courier New" panose="02070309020205020404" pitchFamily="49" charset="0"/>
+                <a:cs typeface="Courier New" panose="02070309020205020404" pitchFamily="49" charset="0"/>
+              </a:rPr>
+              <a:t>private</a:t>
+            </a:r>
+            <a:r>
+              <a:rPr lang="en-US" dirty="0"/>
+              <a:t>, etc.), and exceptions</a:t>
+            </a:r>
+          </a:p>
+          <a:p>
+            <a:pPr lvl="1"/>
+            <a:r>
+              <a:rPr lang="en-US" dirty="0"/>
+              <a:t>Includes: mutually recursive class definitions, object creation, field access, method invocation</a:t>
+            </a:r>
+            <a:r>
+              <a:rPr lang="en-US" strike="sngStrike" dirty="0">
+                <a:solidFill>
+                  <a:srgbClr val="FF0000"/>
+                </a:solidFill>
+              </a:rPr>
+              <a:t>, method override</a:t>
+            </a:r>
+            <a:r>
+              <a:rPr lang="en-US" dirty="0"/>
+              <a:t>,</a:t>
+            </a:r>
+            <a:r>
+              <a:rPr lang="en-US" dirty="0">
+                <a:solidFill>
+                  <a:srgbClr val="FF0000"/>
+                </a:solidFill>
+              </a:rPr>
+              <a:t> </a:t>
+            </a:r>
+            <a:r>
+              <a:rPr lang="en-US" dirty="0"/>
+              <a:t>method recursion through </a:t>
+            </a:r>
+            <a:r>
+              <a:rPr lang="en-US" dirty="0">
+                <a:latin typeface="Courier New" panose="02070309020205020404" pitchFamily="49" charset="0"/>
+                <a:cs typeface="Courier New" panose="02070309020205020404" pitchFamily="49" charset="0"/>
+              </a:rPr>
+              <a:t>this</a:t>
+            </a:r>
+            <a:r>
+              <a:rPr lang="en-US" strike="sngStrike" dirty="0">
+                <a:solidFill>
+                  <a:srgbClr val="FF0000"/>
+                </a:solidFill>
+              </a:rPr>
+              <a:t>, subtyping, and casting</a:t>
+            </a:r>
+            <a:br>
+              <a:rPr lang="en-US" dirty="0"/>
+            </a:br>
+            <a:endParaRPr lang="en-US" dirty="0"/>
+          </a:p>
+        </p:txBody>
+      </p:sp>
+    </p:spTree>
+    <p:extLst>
+      <p:ext uri="{BB962C8B-B14F-4D97-AF65-F5344CB8AC3E}">
+        <p14:creationId xmlns:p14="http://schemas.microsoft.com/office/powerpoint/2010/main" val="64831200"/>
+      </p:ext>
+    </p:extLst>
+  </p:cSld>
+  <p:clrMapOvr>
+    <a:masterClrMapping/>
+  </p:clrMapOvr>
+</p:sld>
+</file>
+
+<file path=ppt/slides/slide5.xml><?xml version="1.0" encoding="utf-8"?>
+<p:sld xmlns:a="http://schemas.openxmlformats.org/drawingml/2006/main" xmlns:r="http://schemas.openxmlformats.org/officeDocument/2006/relationships" xmlns:p="http://schemas.openxmlformats.org/presentationml/2006/main">
+  <p:cSld>
+    <p:spTree>
+      <p:nvGrpSpPr>
+        <p:cNvPr id="1" name=""/>
+        <p:cNvGrpSpPr/>
+        <p:nvPr/>
+      </p:nvGrpSpPr>
+      <p:grpSpPr>
+        <a:xfrm>
+          <a:off x="0" y="0"/>
+          <a:ext cx="0" cy="0"/>
+          <a:chOff x="0" y="0"/>
+          <a:chExt cx="0" cy="0"/>
+        </a:xfrm>
+      </p:grpSpPr>
+      <p:sp>
+        <p:nvSpPr>
+          <p:cNvPr id="2" name="Title 1"/>
+          <p:cNvSpPr>
+            <a:spLocks noGrp="1"/>
+          </p:cNvSpPr>
+          <p:nvPr>
+            <p:ph type="title"/>
+          </p:nvPr>
+        </p:nvSpPr>
+        <p:spPr>
+          <a:xfrm>
+            <a:off x="2024743" y="97357"/>
+            <a:ext cx="5262464" cy="639762"/>
+          </a:xfrm>
+        </p:spPr>
+        <p:txBody>
+          <a:bodyPr>
+            <a:normAutofit fontScale="90000"/>
+          </a:bodyPr>
+          <a:lstStyle/>
+          <a:p>
+            <a:pPr algn="l"/>
+            <a:r>
+              <a:rPr lang="en-US" dirty="0">
+                <a:solidFill>
+                  <a:schemeClr val="bg1"/>
+                </a:solidFill>
+              </a:rPr>
+              <a:t>Objectives</a:t>
+            </a:r>
+          </a:p>
+        </p:txBody>
+      </p:sp>
+      <p:sp>
+        <p:nvSpPr>
+          <p:cNvPr id="3" name="Content Placeholder 2"/>
+          <p:cNvSpPr>
+            <a:spLocks noGrp="1"/>
+          </p:cNvSpPr>
+          <p:nvPr>
+            <p:ph idx="1"/>
+          </p:nvPr>
+        </p:nvSpPr>
+        <p:spPr/>
+        <p:txBody>
+          <a:bodyPr/>
+          <a:lstStyle/>
+          <a:p>
+            <a:endParaRPr lang="en-US" dirty="0"/>
+          </a:p>
+        </p:txBody>
+      </p:sp>
+    </p:spTree>
+    <p:extLst>
+      <p:ext uri="{BB962C8B-B14F-4D97-AF65-F5344CB8AC3E}">
+        <p14:creationId xmlns:p14="http://schemas.microsoft.com/office/powerpoint/2010/main" val="3710877300"/>
+      </p:ext>
+    </p:extLst>
+  </p:cSld>
+  <p:clrMapOvr>
+    <a:masterClrMapping/>
+  </p:clrMapOvr>
+</p:sld>
+</file>
+
+<file path=ppt/slides/slide6.xml><?xml version="1.0" encoding="utf-8"?>
+<p:sld xmlns:a="http://schemas.openxmlformats.org/drawingml/2006/main" xmlns:r="http://schemas.openxmlformats.org/officeDocument/2006/relationships" xmlns:p="http://schemas.openxmlformats.org/presentationml/2006/main">
+  <p:cSld>
+    <p:spTree>
+      <p:nvGrpSpPr>
+        <p:cNvPr id="1" name=""/>
+        <p:cNvGrpSpPr/>
+        <p:nvPr/>
+      </p:nvGrpSpPr>
+      <p:grpSpPr>
+        <a:xfrm>
+          <a:off x="0" y="0"/>
+          <a:ext cx="0" cy="0"/>
+          <a:chOff x="0" y="0"/>
+          <a:chExt cx="0" cy="0"/>
+        </a:xfrm>
+      </p:grpSpPr>
+      <p:sp>
+        <p:nvSpPr>
+          <p:cNvPr id="2" name="Title 1"/>
+          <p:cNvSpPr>
+            <a:spLocks noGrp="1"/>
+          </p:cNvSpPr>
+          <p:nvPr>
+            <p:ph type="title"/>
+          </p:nvPr>
+        </p:nvSpPr>
+        <p:spPr>
+          <a:xfrm>
+            <a:off x="2024743" y="97357"/>
+            <a:ext cx="5262464" cy="639762"/>
+          </a:xfrm>
+        </p:spPr>
+        <p:txBody>
+          <a:bodyPr>
+            <a:normAutofit fontScale="90000"/>
+          </a:bodyPr>
+          <a:lstStyle/>
+          <a:p>
+            <a:pPr algn="l"/>
+            <a:r>
+              <a:rPr lang="en-US" dirty="0">
+                <a:solidFill>
+                  <a:schemeClr val="bg1"/>
+                </a:solidFill>
+              </a:rPr>
+              <a:t>Evaluator</a:t>
+            </a:r>
+          </a:p>
+        </p:txBody>
+      </p:sp>
+      <p:sp>
+        <p:nvSpPr>
+          <p:cNvPr id="3" name="Content Placeholder 2"/>
+          <p:cNvSpPr>
+            <a:spLocks noGrp="1"/>
+          </p:cNvSpPr>
+          <p:nvPr>
+            <p:ph idx="1"/>
+          </p:nvPr>
+        </p:nvSpPr>
+        <p:spPr/>
+        <p:txBody>
+          <a:bodyPr/>
+          <a:lstStyle/>
+          <a:p>
+            <a:endParaRPr lang="en-US" dirty="0"/>
+          </a:p>
+        </p:txBody>
+      </p:sp>
+    </p:spTree>
+    <p:extLst>
+      <p:ext uri="{BB962C8B-B14F-4D97-AF65-F5344CB8AC3E}">
+        <p14:creationId xmlns:p14="http://schemas.microsoft.com/office/powerpoint/2010/main" val="4177885040"/>
+      </p:ext>
+    </p:extLst>
+  </p:cSld>
+  <p:clrMapOvr>
+    <a:masterClrMapping/>
+  </p:clrMapOvr>
+</p:sld>
+</file>
+
+<file path=ppt/slides/slide7.xml><?xml version="1.0" encoding="utf-8"?>
+<p:sld xmlns:a="http://schemas.openxmlformats.org/drawingml/2006/main" xmlns:r="http://schemas.openxmlformats.org/officeDocument/2006/relationships" xmlns:p="http://schemas.openxmlformats.org/presentationml/2006/main">
+  <p:cSld>
+    <p:spTree>
+      <p:nvGrpSpPr>
+        <p:cNvPr id="1" name=""/>
+        <p:cNvGrpSpPr/>
+        <p:nvPr/>
+      </p:nvGrpSpPr>
+      <p:grpSpPr>
+        <a:xfrm>
+          <a:off x="0" y="0"/>
+          <a:ext cx="0" cy="0"/>
+          <a:chOff x="0" y="0"/>
+          <a:chExt cx="0" cy="0"/>
+        </a:xfrm>
+      </p:grpSpPr>
+      <p:sp>
+        <p:nvSpPr>
+          <p:cNvPr id="2" name="Title 1"/>
+          <p:cNvSpPr>
+            <a:spLocks noGrp="1"/>
+          </p:cNvSpPr>
+          <p:nvPr>
+            <p:ph type="title"/>
+          </p:nvPr>
+        </p:nvSpPr>
+        <p:spPr>
+          <a:xfrm>
+            <a:off x="2024743" y="97357"/>
+            <a:ext cx="5262464" cy="639762"/>
+          </a:xfrm>
+        </p:spPr>
+        <p:txBody>
+          <a:bodyPr>
+            <a:normAutofit fontScale="90000"/>
+          </a:bodyPr>
+          <a:lstStyle/>
+          <a:p>
+            <a:pPr algn="l"/>
+            <a:r>
+              <a:rPr lang="en-US" dirty="0">
+                <a:solidFill>
+                  <a:schemeClr val="bg1"/>
+                </a:solidFill>
+              </a:rPr>
               <a:t>Example</a:t>
             </a:r>
           </a:p>
@@ -3826,6 +4407,89 @@
     <p:extLst>
       <p:ext uri="{BB962C8B-B14F-4D97-AF65-F5344CB8AC3E}">
         <p14:creationId xmlns:p14="http://schemas.microsoft.com/office/powerpoint/2010/main" val="3087471823"/>
+      </p:ext>
+    </p:extLst>
+  </p:cSld>
+  <p:clrMapOvr>
+    <a:masterClrMapping/>
+  </p:clrMapOvr>
+</p:sld>
+</file>
+
+<file path=ppt/slides/slide8.xml><?xml version="1.0" encoding="utf-8"?>
+<p:sld xmlns:a="http://schemas.openxmlformats.org/drawingml/2006/main" xmlns:r="http://schemas.openxmlformats.org/officeDocument/2006/relationships" xmlns:p="http://schemas.openxmlformats.org/presentationml/2006/main">
+  <p:cSld>
+    <p:spTree>
+      <p:nvGrpSpPr>
+        <p:cNvPr id="1" name=""/>
+        <p:cNvGrpSpPr/>
+        <p:nvPr/>
+      </p:nvGrpSpPr>
+      <p:grpSpPr>
+        <a:xfrm>
+          <a:off x="0" y="0"/>
+          <a:ext cx="0" cy="0"/>
+          <a:chOff x="0" y="0"/>
+          <a:chExt cx="0" cy="0"/>
+        </a:xfrm>
+      </p:grpSpPr>
+      <p:sp>
+        <p:nvSpPr>
+          <p:cNvPr id="2" name="Title 1"/>
+          <p:cNvSpPr>
+            <a:spLocks noGrp="1"/>
+          </p:cNvSpPr>
+          <p:nvPr>
+            <p:ph type="title"/>
+          </p:nvPr>
+        </p:nvSpPr>
+        <p:spPr>
+          <a:xfrm>
+            <a:off x="2024743" y="97357"/>
+            <a:ext cx="5262464" cy="639762"/>
+          </a:xfrm>
+        </p:spPr>
+        <p:txBody>
+          <a:bodyPr>
+            <a:normAutofit fontScale="90000"/>
+          </a:bodyPr>
+          <a:lstStyle/>
+          <a:p>
+            <a:pPr algn="l"/>
+            <a:r>
+              <a:rPr lang="en-US" dirty="0">
+                <a:solidFill>
+                  <a:schemeClr val="bg1"/>
+                </a:solidFill>
+              </a:rPr>
+              <a:t>Difficulties</a:t>
+            </a:r>
+          </a:p>
+        </p:txBody>
+      </p:sp>
+      <p:sp>
+        <p:nvSpPr>
+          <p:cNvPr id="3" name="Content Placeholder 2"/>
+          <p:cNvSpPr>
+            <a:spLocks noGrp="1"/>
+          </p:cNvSpPr>
+          <p:nvPr>
+            <p:ph idx="1"/>
+          </p:nvPr>
+        </p:nvSpPr>
+        <p:spPr/>
+        <p:txBody>
+          <a:bodyPr/>
+          <a:lstStyle/>
+          <a:p>
+            <a:endParaRPr lang="en-US" dirty="0"/>
+          </a:p>
+        </p:txBody>
+      </p:sp>
+    </p:spTree>
+    <p:extLst>
+      <p:ext uri="{BB962C8B-B14F-4D97-AF65-F5344CB8AC3E}">
+        <p14:creationId xmlns:p14="http://schemas.microsoft.com/office/powerpoint/2010/main" val="2708905503"/>
       </p:ext>
     </p:extLst>
   </p:cSld>

--- a/Document/Presentation.pptx
+++ b/Document/Presentation.pptx
@@ -5,36 +5,37 @@
     <p:sldMasterId id="2147483648" r:id="rId1"/>
   </p:sldMasterIdLst>
   <p:notesMasterIdLst>
-    <p:notesMasterId r:id="rId29"/>
+    <p:notesMasterId r:id="rId30"/>
   </p:notesMasterIdLst>
   <p:sldIdLst>
     <p:sldId id="256" r:id="rId2"/>
     <p:sldId id="257" r:id="rId3"/>
     <p:sldId id="264" r:id="rId4"/>
-    <p:sldId id="265" r:id="rId5"/>
-    <p:sldId id="259" r:id="rId6"/>
-    <p:sldId id="263" r:id="rId7"/>
+    <p:sldId id="259" r:id="rId5"/>
+    <p:sldId id="263" r:id="rId6"/>
+    <p:sldId id="265" r:id="rId7"/>
     <p:sldId id="279" r:id="rId8"/>
     <p:sldId id="266" r:id="rId9"/>
     <p:sldId id="277" r:id="rId10"/>
     <p:sldId id="260" r:id="rId11"/>
     <p:sldId id="261" r:id="rId12"/>
     <p:sldId id="278" r:id="rId13"/>
-    <p:sldId id="258" r:id="rId14"/>
-    <p:sldId id="280" r:id="rId15"/>
-    <p:sldId id="267" r:id="rId16"/>
-    <p:sldId id="268" r:id="rId17"/>
-    <p:sldId id="269" r:id="rId18"/>
-    <p:sldId id="270" r:id="rId19"/>
-    <p:sldId id="271" r:id="rId20"/>
-    <p:sldId id="272" r:id="rId21"/>
-    <p:sldId id="273" r:id="rId22"/>
-    <p:sldId id="274" r:id="rId23"/>
-    <p:sldId id="281" r:id="rId24"/>
-    <p:sldId id="283" r:id="rId25"/>
-    <p:sldId id="282" r:id="rId26"/>
-    <p:sldId id="262" r:id="rId27"/>
-    <p:sldId id="276" r:id="rId28"/>
+    <p:sldId id="284" r:id="rId14"/>
+    <p:sldId id="258" r:id="rId15"/>
+    <p:sldId id="280" r:id="rId16"/>
+    <p:sldId id="267" r:id="rId17"/>
+    <p:sldId id="268" r:id="rId18"/>
+    <p:sldId id="269" r:id="rId19"/>
+    <p:sldId id="270" r:id="rId20"/>
+    <p:sldId id="271" r:id="rId21"/>
+    <p:sldId id="272" r:id="rId22"/>
+    <p:sldId id="273" r:id="rId23"/>
+    <p:sldId id="274" r:id="rId24"/>
+    <p:sldId id="281" r:id="rId25"/>
+    <p:sldId id="283" r:id="rId26"/>
+    <p:sldId id="282" r:id="rId27"/>
+    <p:sldId id="262" r:id="rId28"/>
+    <p:sldId id="276" r:id="rId29"/>
   </p:sldIdLst>
   <p:sldSz cx="9144000" cy="6858000" type="screen4x3"/>
   <p:notesSz cx="6858000" cy="9144000"/>
@@ -234,7 +235,7 @@
           <a:p>
             <a:fld id="{DC2E9FED-4A5A-440E-9ADD-96E04009DFF9}" type="datetimeFigureOut">
               <a:rPr lang="en-US" smtClean="0"/>
-              <a:t>2016-12-06</a:t>
+              <a:t>2016-12-07</a:t>
             </a:fld>
             <a:endParaRPr lang="en-US"/>
           </a:p>
@@ -667,7 +668,6 @@
               <a:rPr lang="en-US" dirty="0"/>
               <a:t>))).</a:t>
             </a:r>
-            <a:endParaRPr lang="en-US" dirty="0"/>
           </a:p>
         </p:txBody>
       </p:sp>
@@ -688,7 +688,7 @@
           <a:p>
             <a:fld id="{FC7E8E53-FB47-4CBB-8CE0-B6A37821A0A1}" type="slidenum">
               <a:rPr lang="en-US" smtClean="0"/>
-              <a:t>15</a:t>
+              <a:t>16</a:t>
             </a:fld>
             <a:endParaRPr lang="en-US"/>
           </a:p>
@@ -795,7 +795,6 @@
               <a:rPr lang="en-US" dirty="0"/>
               <a:t>))).</a:t>
             </a:r>
-            <a:endParaRPr lang="en-US" dirty="0"/>
           </a:p>
         </p:txBody>
       </p:sp>
@@ -816,7 +815,7 @@
           <a:p>
             <a:fld id="{FC7E8E53-FB47-4CBB-8CE0-B6A37821A0A1}" type="slidenum">
               <a:rPr lang="en-US" smtClean="0"/>
-              <a:t>16</a:t>
+              <a:t>17</a:t>
             </a:fld>
             <a:endParaRPr lang="en-US"/>
           </a:p>
@@ -923,7 +922,6 @@
               <a:rPr lang="en-US" dirty="0"/>
               <a:t>))).</a:t>
             </a:r>
-            <a:endParaRPr lang="en-US" dirty="0"/>
           </a:p>
         </p:txBody>
       </p:sp>
@@ -944,7 +942,7 @@
           <a:p>
             <a:fld id="{FC7E8E53-FB47-4CBB-8CE0-B6A37821A0A1}" type="slidenum">
               <a:rPr lang="en-US" smtClean="0"/>
-              <a:t>17</a:t>
+              <a:t>18</a:t>
             </a:fld>
             <a:endParaRPr lang="en-US"/>
           </a:p>
@@ -1051,7 +1049,6 @@
               <a:rPr lang="en-US" dirty="0"/>
               <a:t>))).</a:t>
             </a:r>
-            <a:endParaRPr lang="en-US" dirty="0"/>
           </a:p>
         </p:txBody>
       </p:sp>
@@ -1072,7 +1069,7 @@
           <a:p>
             <a:fld id="{FC7E8E53-FB47-4CBB-8CE0-B6A37821A0A1}" type="slidenum">
               <a:rPr lang="en-US" smtClean="0"/>
-              <a:t>18</a:t>
+              <a:t>19</a:t>
             </a:fld>
             <a:endParaRPr lang="en-US"/>
           </a:p>
@@ -1179,7 +1176,6 @@
               <a:rPr lang="en-US" dirty="0"/>
               <a:t>))).</a:t>
             </a:r>
-            <a:endParaRPr lang="en-US" dirty="0"/>
           </a:p>
         </p:txBody>
       </p:sp>
@@ -1200,7 +1196,7 @@
           <a:p>
             <a:fld id="{FC7E8E53-FB47-4CBB-8CE0-B6A37821A0A1}" type="slidenum">
               <a:rPr lang="en-US" smtClean="0"/>
-              <a:t>19</a:t>
+              <a:t>20</a:t>
             </a:fld>
             <a:endParaRPr lang="en-US"/>
           </a:p>
@@ -1307,6 +1303,19 @@
               <a:rPr lang="en-US" dirty="0"/>
               <a:t>))).</a:t>
             </a:r>
+          </a:p>
+          <a:p>
+            <a:endParaRPr lang="en-US" dirty="0"/>
+          </a:p>
+          <a:p>
+            <a:r>
+              <a:rPr lang="en-US" dirty="0"/>
+              <a:t>Constructor is defined by the superclass and the</a:t>
+            </a:r>
+            <a:r>
+              <a:rPr lang="en-US" baseline="0" dirty="0"/>
+              <a:t> fields of the class</a:t>
+            </a:r>
             <a:endParaRPr lang="en-US" dirty="0"/>
           </a:p>
         </p:txBody>
@@ -1328,7 +1337,7 @@
           <a:p>
             <a:fld id="{FC7E8E53-FB47-4CBB-8CE0-B6A37821A0A1}" type="slidenum">
               <a:rPr lang="en-US" smtClean="0"/>
-              <a:t>20</a:t>
+              <a:t>21</a:t>
             </a:fld>
             <a:endParaRPr lang="en-US"/>
           </a:p>
@@ -1435,7 +1444,6 @@
               <a:rPr lang="en-US" dirty="0"/>
               <a:t>))).</a:t>
             </a:r>
-            <a:endParaRPr lang="en-US" dirty="0"/>
           </a:p>
         </p:txBody>
       </p:sp>
@@ -1456,7 +1464,7 @@
           <a:p>
             <a:fld id="{FC7E8E53-FB47-4CBB-8CE0-B6A37821A0A1}" type="slidenum">
               <a:rPr lang="en-US" smtClean="0"/>
-              <a:t>21</a:t>
+              <a:t>22</a:t>
             </a:fld>
             <a:endParaRPr lang="en-US"/>
           </a:p>
@@ -1563,7 +1571,6 @@
               <a:rPr lang="en-US" dirty="0"/>
               <a:t>))).</a:t>
             </a:r>
-            <a:endParaRPr lang="en-US" dirty="0"/>
           </a:p>
         </p:txBody>
       </p:sp>
@@ -1584,7 +1591,7 @@
           <a:p>
             <a:fld id="{FC7E8E53-FB47-4CBB-8CE0-B6A37821A0A1}" type="slidenum">
               <a:rPr lang="en-US" smtClean="0"/>
-              <a:t>22</a:t>
+              <a:t>23</a:t>
             </a:fld>
             <a:endParaRPr lang="en-US"/>
           </a:p>
@@ -1691,7 +1698,6 @@
               <a:rPr lang="en-US" dirty="0"/>
               <a:t>))).</a:t>
             </a:r>
-            <a:endParaRPr lang="en-US" dirty="0"/>
           </a:p>
         </p:txBody>
       </p:sp>
@@ -1712,7 +1718,7 @@
           <a:p>
             <a:fld id="{FC7E8E53-FB47-4CBB-8CE0-B6A37821A0A1}" type="slidenum">
               <a:rPr lang="en-US" smtClean="0"/>
-              <a:t>23</a:t>
+              <a:t>24</a:t>
             </a:fld>
             <a:endParaRPr lang="en-US"/>
           </a:p>
@@ -1819,7 +1825,6 @@
               <a:rPr lang="en-US" dirty="0"/>
               <a:t>))).</a:t>
             </a:r>
-            <a:endParaRPr lang="en-US" dirty="0"/>
           </a:p>
         </p:txBody>
       </p:sp>
@@ -1840,7 +1845,7 @@
           <a:p>
             <a:fld id="{FC7E8E53-FB47-4CBB-8CE0-B6A37821A0A1}" type="slidenum">
               <a:rPr lang="en-US" smtClean="0"/>
-              <a:t>24</a:t>
+              <a:t>25</a:t>
             </a:fld>
             <a:endParaRPr lang="en-US"/>
           </a:p>
@@ -2054,7 +2059,6 @@
               <a:rPr lang="en-US" dirty="0"/>
               <a:t>))).</a:t>
             </a:r>
-            <a:endParaRPr lang="en-US" dirty="0"/>
           </a:p>
         </p:txBody>
       </p:sp>
@@ -2075,7 +2079,7 @@
           <a:p>
             <a:fld id="{FC7E8E53-FB47-4CBB-8CE0-B6A37821A0A1}" type="slidenum">
               <a:rPr lang="en-US" smtClean="0"/>
-              <a:t>25</a:t>
+              <a:t>26</a:t>
             </a:fld>
             <a:endParaRPr lang="en-US"/>
           </a:p>
@@ -2167,7 +2171,7 @@
           <a:p>
             <a:fld id="{FC7E8E53-FB47-4CBB-8CE0-B6A37821A0A1}" type="slidenum">
               <a:rPr lang="en-US" smtClean="0"/>
-              <a:t>26</a:t>
+              <a:t>27</a:t>
             </a:fld>
             <a:endParaRPr lang="en-US"/>
           </a:p>
@@ -2436,7 +2440,7 @@
           <a:p>
             <a:fld id="{FC7E8E53-FB47-4CBB-8CE0-B6A37821A0A1}" type="slidenum">
               <a:rPr lang="en-US" smtClean="0"/>
-              <a:t>4</a:t>
+              <a:t>6</a:t>
             </a:fld>
             <a:endParaRPr lang="en-US"/>
           </a:p>
@@ -2983,7 +2987,6 @@
               <a:rPr lang="en-US" dirty="0"/>
               <a:t>))).</a:t>
             </a:r>
-            <a:endParaRPr lang="en-US" dirty="0"/>
           </a:p>
         </p:txBody>
       </p:sp>
@@ -3004,7 +3007,7 @@
           <a:p>
             <a:fld id="{FC7E8E53-FB47-4CBB-8CE0-B6A37821A0A1}" type="slidenum">
               <a:rPr lang="en-US" smtClean="0"/>
-              <a:t>13</a:t>
+              <a:t>14</a:t>
             </a:fld>
             <a:endParaRPr lang="en-US"/>
           </a:p>
@@ -3111,7 +3114,6 @@
               <a:rPr lang="en-US" dirty="0"/>
               <a:t>))).</a:t>
             </a:r>
-            <a:endParaRPr lang="en-US" dirty="0"/>
           </a:p>
         </p:txBody>
       </p:sp>
@@ -3132,7 +3134,7 @@
           <a:p>
             <a:fld id="{FC7E8E53-FB47-4CBB-8CE0-B6A37821A0A1}" type="slidenum">
               <a:rPr lang="en-US" smtClean="0"/>
-              <a:t>14</a:t>
+              <a:t>15</a:t>
             </a:fld>
             <a:endParaRPr lang="en-US"/>
           </a:p>
@@ -3331,7 +3333,7 @@
             <a:fld id="{9ED4560C-E380-1943-B5D7-49A23CA338C0}" type="datetimeFigureOut">
               <a:rPr lang="en-US" smtClean="0"/>
               <a:pPr/>
-              <a:t>2016-12-06</a:t>
+              <a:t>2016-12-07</a:t>
             </a:fld>
             <a:endParaRPr lang="en-US"/>
           </a:p>
@@ -3501,7 +3503,7 @@
             <a:fld id="{9ED4560C-E380-1943-B5D7-49A23CA338C0}" type="datetimeFigureOut">
               <a:rPr lang="en-US" smtClean="0"/>
               <a:pPr/>
-              <a:t>2016-12-06</a:t>
+              <a:t>2016-12-07</a:t>
             </a:fld>
             <a:endParaRPr lang="en-US"/>
           </a:p>
@@ -3681,7 +3683,7 @@
             <a:fld id="{9ED4560C-E380-1943-B5D7-49A23CA338C0}" type="datetimeFigureOut">
               <a:rPr lang="en-US" smtClean="0"/>
               <a:pPr/>
-              <a:t>2016-12-06</a:t>
+              <a:t>2016-12-07</a:t>
             </a:fld>
             <a:endParaRPr lang="en-US"/>
           </a:p>
@@ -3851,7 +3853,7 @@
             <a:fld id="{9ED4560C-E380-1943-B5D7-49A23CA338C0}" type="datetimeFigureOut">
               <a:rPr lang="en-US" smtClean="0"/>
               <a:pPr/>
-              <a:t>2016-12-06</a:t>
+              <a:t>2016-12-07</a:t>
             </a:fld>
             <a:endParaRPr lang="en-US"/>
           </a:p>
@@ -4098,7 +4100,7 @@
             <a:fld id="{9ED4560C-E380-1943-B5D7-49A23CA338C0}" type="datetimeFigureOut">
               <a:rPr lang="en-US" smtClean="0"/>
               <a:pPr/>
-              <a:t>2016-12-06</a:t>
+              <a:t>2016-12-07</a:t>
             </a:fld>
             <a:endParaRPr lang="en-US"/>
           </a:p>
@@ -4385,7 +4387,7 @@
             <a:fld id="{9ED4560C-E380-1943-B5D7-49A23CA338C0}" type="datetimeFigureOut">
               <a:rPr lang="en-US" smtClean="0"/>
               <a:pPr/>
-              <a:t>2016-12-06</a:t>
+              <a:t>2016-12-07</a:t>
             </a:fld>
             <a:endParaRPr lang="en-US"/>
           </a:p>
@@ -4806,7 +4808,7 @@
             <a:fld id="{9ED4560C-E380-1943-B5D7-49A23CA338C0}" type="datetimeFigureOut">
               <a:rPr lang="en-US" smtClean="0"/>
               <a:pPr/>
-              <a:t>2016-12-06</a:t>
+              <a:t>2016-12-07</a:t>
             </a:fld>
             <a:endParaRPr lang="en-US"/>
           </a:p>
@@ -4925,7 +4927,7 @@
             <a:fld id="{9ED4560C-E380-1943-B5D7-49A23CA338C0}" type="datetimeFigureOut">
               <a:rPr lang="en-US" smtClean="0"/>
               <a:pPr/>
-              <a:t>2016-12-06</a:t>
+              <a:t>2016-12-07</a:t>
             </a:fld>
             <a:endParaRPr lang="en-US"/>
           </a:p>
@@ -5022,7 +5024,7 @@
             <a:fld id="{9ED4560C-E380-1943-B5D7-49A23CA338C0}" type="datetimeFigureOut">
               <a:rPr lang="en-US" smtClean="0"/>
               <a:pPr/>
-              <a:t>2016-12-06</a:t>
+              <a:t>2016-12-07</a:t>
             </a:fld>
             <a:endParaRPr lang="en-US"/>
           </a:p>
@@ -5299,7 +5301,7 @@
             <a:fld id="{9ED4560C-E380-1943-B5D7-49A23CA338C0}" type="datetimeFigureOut">
               <a:rPr lang="en-US" smtClean="0"/>
               <a:pPr/>
-              <a:t>2016-12-06</a:t>
+              <a:t>2016-12-07</a:t>
             </a:fld>
             <a:endParaRPr lang="en-US"/>
           </a:p>
@@ -5553,7 +5555,7 @@
             <a:fld id="{9ED4560C-E380-1943-B5D7-49A23CA338C0}" type="datetimeFigureOut">
               <a:rPr lang="en-US" smtClean="0"/>
               <a:pPr/>
-              <a:t>2016-12-06</a:t>
+              <a:t>2016-12-07</a:t>
             </a:fld>
             <a:endParaRPr lang="en-US"/>
           </a:p>
@@ -5766,7 +5768,7 @@
             <a:fld id="{9ED4560C-E380-1943-B5D7-49A23CA338C0}" type="datetimeFigureOut">
               <a:rPr lang="en-US" smtClean="0"/>
               <a:pPr/>
-              <a:t>2016-12-06</a:t>
+              <a:t>2016-12-07</a:t>
             </a:fld>
             <a:endParaRPr lang="en-US"/>
           </a:p>
@@ -6254,7 +6256,7 @@
           <a:p>
             <a:fld id="{7E5193C8-7A68-449C-8791-1C9B35186869}" type="datetime1">
               <a:rPr lang="en-US" smtClean="0"/>
-              <a:t>2016-12-06</a:t>
+              <a:t>2016-12-07</a:t>
             </a:fld>
             <a:endParaRPr lang="en-US"/>
           </a:p>
@@ -7301,10 +7303,6 @@
               </a:rPr>
               <a:t> (EE e) (EE e')</a:t>
             </a:r>
-            <a:endParaRPr lang="en-US" sz="1200" dirty="0">
-              <a:latin typeface="Courier New" panose="02070309020205020404" pitchFamily="49" charset="0"/>
-              <a:cs typeface="Courier New" panose="02070309020205020404" pitchFamily="49" charset="0"/>
-            </a:endParaRPr>
           </a:p>
         </p:txBody>
       </p:sp>
@@ -8184,10 +8182,6 @@
               </a:rPr>
               <a:t>  end.</a:t>
             </a:r>
-            <a:endParaRPr lang="en-US" sz="1200" dirty="0">
-              <a:latin typeface="Courier New" panose="02070309020205020404" pitchFamily="49" charset="0"/>
-              <a:cs typeface="Courier New" panose="02070309020205020404" pitchFamily="49" charset="0"/>
-            </a:endParaRPr>
           </a:p>
         </p:txBody>
       </p:sp>
@@ -8250,21 +8244,21 @@
                   <a:schemeClr val="bg1"/>
                 </a:solidFill>
               </a:rPr>
-              <a:t>Example</a:t>
+              <a:t>Theorem Statement</a:t>
             </a:r>
           </a:p>
         </p:txBody>
       </p:sp>
       <p:sp>
         <p:nvSpPr>
-          <p:cNvPr id="9" name="Rectangle 8"/>
+          <p:cNvPr id="5" name="Rectangle 4"/>
           <p:cNvSpPr/>
           <p:nvPr/>
         </p:nvSpPr>
         <p:spPr>
           <a:xfrm>
-            <a:off x="209549" y="1089869"/>
-            <a:ext cx="8220075" cy="5632311"/>
+            <a:off x="552450" y="3141742"/>
+            <a:ext cx="7553326" cy="1200329"/>
           </a:xfrm>
           <a:prstGeom prst="rect">
             <a:avLst/>
@@ -8277,334 +8271,115 @@
           <a:lstStyle/>
           <a:p>
             <a:r>
-              <a:rPr lang="en-US" sz="2000" dirty="0">
-                <a:latin typeface="Courier New" panose="02070309020205020404" pitchFamily="49" charset="0"/>
-                <a:cs typeface="Courier New" panose="02070309020205020404" pitchFamily="49" charset="0"/>
-              </a:rPr>
-              <a:t>class C extends Object {</a:t>
-            </a:r>
-          </a:p>
-          <a:p>
-            <a:r>
-              <a:rPr lang="en-US" sz="2000" dirty="0">
-                <a:latin typeface="Courier New" panose="02070309020205020404" pitchFamily="49" charset="0"/>
-                <a:cs typeface="Courier New" panose="02070309020205020404" pitchFamily="49" charset="0"/>
-              </a:rPr>
-              <a:t>	C() {}</a:t>
-            </a:r>
-          </a:p>
-          <a:p>
-            <a:r>
-              <a:rPr lang="en-US" sz="2000" dirty="0">
-                <a:latin typeface="Courier New" panose="02070309020205020404" pitchFamily="49" charset="0"/>
-                <a:cs typeface="Courier New" panose="02070309020205020404" pitchFamily="49" charset="0"/>
-              </a:rPr>
-              <a:t>}</a:t>
-            </a:r>
-          </a:p>
-          <a:p>
-            <a:r>
-              <a:rPr lang="en-US" sz="2000" dirty="0">
-                <a:latin typeface="Courier New" panose="02070309020205020404" pitchFamily="49" charset="0"/>
-                <a:cs typeface="Courier New" panose="02070309020205020404" pitchFamily="49" charset="0"/>
-              </a:rPr>
-              <a:t>class D extends Object {</a:t>
-            </a:r>
-          </a:p>
-          <a:p>
-            <a:r>
-              <a:rPr lang="en-US" sz="2000" dirty="0">
-                <a:latin typeface="Courier New" panose="02070309020205020404" pitchFamily="49" charset="0"/>
-                <a:cs typeface="Courier New" panose="02070309020205020404" pitchFamily="49" charset="0"/>
-              </a:rPr>
-              <a:t>	D() {}</a:t>
-            </a:r>
-          </a:p>
-          <a:p>
-            <a:r>
-              <a:rPr lang="en-US" sz="2000" dirty="0">
-                <a:latin typeface="Courier New" panose="02070309020205020404" pitchFamily="49" charset="0"/>
-                <a:cs typeface="Courier New" panose="02070309020205020404" pitchFamily="49" charset="0"/>
-              </a:rPr>
-              <a:t>}</a:t>
-            </a:r>
-          </a:p>
-          <a:p>
-            <a:r>
-              <a:rPr lang="en-US" sz="2000" dirty="0">
-                <a:latin typeface="Courier New" panose="02070309020205020404" pitchFamily="49" charset="0"/>
-                <a:cs typeface="Courier New" panose="02070309020205020404" pitchFamily="49" charset="0"/>
-              </a:rPr>
-              <a:t>class Pair extends Object {</a:t>
-            </a:r>
-          </a:p>
-          <a:p>
-            <a:r>
-              <a:rPr lang="en-US" sz="2000" dirty="0">
-                <a:latin typeface="Courier New" panose="02070309020205020404" pitchFamily="49" charset="0"/>
-                <a:cs typeface="Courier New" panose="02070309020205020404" pitchFamily="49" charset="0"/>
-              </a:rPr>
-              <a:t>	Object </a:t>
-            </a:r>
-            <a:r>
-              <a:rPr lang="en-US" sz="2000" dirty="0" err="1">
-                <a:latin typeface="Courier New" panose="02070309020205020404" pitchFamily="49" charset="0"/>
-                <a:cs typeface="Courier New" panose="02070309020205020404" pitchFamily="49" charset="0"/>
-              </a:rPr>
-              <a:t>myFst</a:t>
-            </a:r>
-            <a:r>
-              <a:rPr lang="en-US" sz="2000" dirty="0">
-                <a:latin typeface="Courier New" panose="02070309020205020404" pitchFamily="49" charset="0"/>
-                <a:cs typeface="Courier New" panose="02070309020205020404" pitchFamily="49" charset="0"/>
-              </a:rPr>
-              <a:t>;</a:t>
-            </a:r>
-          </a:p>
-          <a:p>
-            <a:r>
-              <a:rPr lang="en-US" sz="2000" dirty="0">
-                <a:latin typeface="Courier New" panose="02070309020205020404" pitchFamily="49" charset="0"/>
-                <a:cs typeface="Courier New" panose="02070309020205020404" pitchFamily="49" charset="0"/>
-              </a:rPr>
-              <a:t>	Object </a:t>
-            </a:r>
-            <a:r>
-              <a:rPr lang="en-US" sz="2000" dirty="0" err="1">
-                <a:latin typeface="Courier New" panose="02070309020205020404" pitchFamily="49" charset="0"/>
-                <a:cs typeface="Courier New" panose="02070309020205020404" pitchFamily="49" charset="0"/>
-              </a:rPr>
-              <a:t>mySnd</a:t>
-            </a:r>
-            <a:r>
-              <a:rPr lang="en-US" sz="2000" dirty="0">
-                <a:latin typeface="Courier New" panose="02070309020205020404" pitchFamily="49" charset="0"/>
-                <a:cs typeface="Courier New" panose="02070309020205020404" pitchFamily="49" charset="0"/>
-              </a:rPr>
-              <a:t>;</a:t>
-            </a:r>
-          </a:p>
-          <a:p>
-            <a:r>
-              <a:rPr lang="en-US" sz="2000" dirty="0">
-                <a:latin typeface="Courier New" panose="02070309020205020404" pitchFamily="49" charset="0"/>
-                <a:cs typeface="Courier New" panose="02070309020205020404" pitchFamily="49" charset="0"/>
-              </a:rPr>
-              <a:t>	Pair(Object </a:t>
-            </a:r>
-            <a:r>
-              <a:rPr lang="en-US" sz="2000" dirty="0" err="1">
-                <a:latin typeface="Courier New" panose="02070309020205020404" pitchFamily="49" charset="0"/>
-                <a:cs typeface="Courier New" panose="02070309020205020404" pitchFamily="49" charset="0"/>
-              </a:rPr>
-              <a:t>myFst</a:t>
-            </a:r>
-            <a:r>
-              <a:rPr lang="en-US" sz="2000" dirty="0">
-                <a:latin typeface="Courier New" panose="02070309020205020404" pitchFamily="49" charset="0"/>
-                <a:cs typeface="Courier New" panose="02070309020205020404" pitchFamily="49" charset="0"/>
-              </a:rPr>
-              <a:t>, Object </a:t>
-            </a:r>
-            <a:r>
-              <a:rPr lang="en-US" sz="2000" dirty="0" err="1">
-                <a:latin typeface="Courier New" panose="02070309020205020404" pitchFamily="49" charset="0"/>
-                <a:cs typeface="Courier New" panose="02070309020205020404" pitchFamily="49" charset="0"/>
-              </a:rPr>
-              <a:t>mySnd</a:t>
-            </a:r>
-            <a:r>
-              <a:rPr lang="en-US" sz="2000" dirty="0">
-                <a:latin typeface="Courier New" panose="02070309020205020404" pitchFamily="49" charset="0"/>
-                <a:cs typeface="Courier New" panose="02070309020205020404" pitchFamily="49" charset="0"/>
-              </a:rPr>
-              <a:t>) {</a:t>
-            </a:r>
-          </a:p>
-          <a:p>
-            <a:r>
-              <a:rPr lang="en-US" sz="2000" dirty="0">
-                <a:latin typeface="Courier New" panose="02070309020205020404" pitchFamily="49" charset="0"/>
-                <a:cs typeface="Courier New" panose="02070309020205020404" pitchFamily="49" charset="0"/>
-              </a:rPr>
-              <a:t>		super();</a:t>
-            </a:r>
-          </a:p>
-          <a:p>
-            <a:r>
-              <a:rPr lang="en-US" sz="2000" dirty="0">
-                <a:latin typeface="Courier New" panose="02070309020205020404" pitchFamily="49" charset="0"/>
-                <a:cs typeface="Courier New" panose="02070309020205020404" pitchFamily="49" charset="0"/>
-              </a:rPr>
-              <a:t>		</a:t>
-            </a:r>
-            <a:r>
-              <a:rPr lang="en-US" sz="2000" dirty="0" err="1">
-                <a:latin typeface="Courier New" panose="02070309020205020404" pitchFamily="49" charset="0"/>
-                <a:cs typeface="Courier New" panose="02070309020205020404" pitchFamily="49" charset="0"/>
-              </a:rPr>
-              <a:t>this.myFst</a:t>
-            </a:r>
-            <a:r>
-              <a:rPr lang="en-US" sz="2000" dirty="0">
-                <a:latin typeface="Courier New" panose="02070309020205020404" pitchFamily="49" charset="0"/>
-                <a:cs typeface="Courier New" panose="02070309020205020404" pitchFamily="49" charset="0"/>
-              </a:rPr>
-              <a:t> = </a:t>
-            </a:r>
-            <a:r>
-              <a:rPr lang="en-US" sz="2000" dirty="0" err="1">
-                <a:latin typeface="Courier New" panose="02070309020205020404" pitchFamily="49" charset="0"/>
-                <a:cs typeface="Courier New" panose="02070309020205020404" pitchFamily="49" charset="0"/>
-              </a:rPr>
-              <a:t>myFst</a:t>
-            </a:r>
-            <a:r>
-              <a:rPr lang="en-US" sz="2000" dirty="0">
-                <a:latin typeface="Courier New" panose="02070309020205020404" pitchFamily="49" charset="0"/>
-                <a:cs typeface="Courier New" panose="02070309020205020404" pitchFamily="49" charset="0"/>
-              </a:rPr>
-              <a:t>;</a:t>
-            </a:r>
-          </a:p>
-          <a:p>
-            <a:r>
-              <a:rPr lang="en-US" sz="2000" dirty="0">
-                <a:latin typeface="Courier New" panose="02070309020205020404" pitchFamily="49" charset="0"/>
-                <a:cs typeface="Courier New" panose="02070309020205020404" pitchFamily="49" charset="0"/>
-              </a:rPr>
-              <a:t>		</a:t>
-            </a:r>
-            <a:r>
-              <a:rPr lang="en-US" sz="2000" dirty="0" err="1">
-                <a:latin typeface="Courier New" panose="02070309020205020404" pitchFamily="49" charset="0"/>
-                <a:cs typeface="Courier New" panose="02070309020205020404" pitchFamily="49" charset="0"/>
-              </a:rPr>
-              <a:t>this.mySnd</a:t>
-            </a:r>
-            <a:r>
-              <a:rPr lang="en-US" sz="2000" dirty="0">
-                <a:latin typeface="Courier New" panose="02070309020205020404" pitchFamily="49" charset="0"/>
-                <a:cs typeface="Courier New" panose="02070309020205020404" pitchFamily="49" charset="0"/>
-              </a:rPr>
-              <a:t> = </a:t>
-            </a:r>
-            <a:r>
-              <a:rPr lang="en-US" sz="2000" dirty="0" err="1">
-                <a:latin typeface="Courier New" panose="02070309020205020404" pitchFamily="49" charset="0"/>
-                <a:cs typeface="Courier New" panose="02070309020205020404" pitchFamily="49" charset="0"/>
-              </a:rPr>
-              <a:t>mySnd</a:t>
-            </a:r>
-            <a:r>
-              <a:rPr lang="en-US" sz="2000" dirty="0">
-                <a:latin typeface="Courier New" panose="02070309020205020404" pitchFamily="49" charset="0"/>
-                <a:cs typeface="Courier New" panose="02070309020205020404" pitchFamily="49" charset="0"/>
-              </a:rPr>
-              <a:t>;</a:t>
-            </a:r>
-          </a:p>
-          <a:p>
-            <a:r>
-              <a:rPr lang="en-US" sz="2000" dirty="0">
-                <a:latin typeface="Courier New" panose="02070309020205020404" pitchFamily="49" charset="0"/>
-                <a:cs typeface="Courier New" panose="02070309020205020404" pitchFamily="49" charset="0"/>
-              </a:rPr>
-              <a:t>	}</a:t>
-            </a:r>
-          </a:p>
-          <a:p>
-            <a:r>
-              <a:rPr lang="en-US" sz="2000" dirty="0">
-                <a:latin typeface="Courier New" panose="02070309020205020404" pitchFamily="49" charset="0"/>
-                <a:cs typeface="Courier New" panose="02070309020205020404" pitchFamily="49" charset="0"/>
-              </a:rPr>
-              <a:t>	Pair </a:t>
-            </a:r>
-            <a:r>
-              <a:rPr lang="en-US" sz="2000" dirty="0" err="1">
-                <a:latin typeface="Courier New" panose="02070309020205020404" pitchFamily="49" charset="0"/>
-                <a:cs typeface="Courier New" panose="02070309020205020404" pitchFamily="49" charset="0"/>
-              </a:rPr>
-              <a:t>setFst</a:t>
-            </a:r>
-            <a:r>
-              <a:rPr lang="en-US" sz="2000" dirty="0">
-                <a:latin typeface="Courier New" panose="02070309020205020404" pitchFamily="49" charset="0"/>
-                <a:cs typeface="Courier New" panose="02070309020205020404" pitchFamily="49" charset="0"/>
-              </a:rPr>
-              <a:t>(Object </a:t>
-            </a:r>
-            <a:r>
-              <a:rPr lang="en-US" sz="2000" dirty="0" err="1">
-                <a:latin typeface="Courier New" panose="02070309020205020404" pitchFamily="49" charset="0"/>
-                <a:cs typeface="Courier New" panose="02070309020205020404" pitchFamily="49" charset="0"/>
-              </a:rPr>
-              <a:t>newFst</a:t>
-            </a:r>
-            <a:r>
-              <a:rPr lang="en-US" sz="2000" dirty="0">
-                <a:latin typeface="Courier New" panose="02070309020205020404" pitchFamily="49" charset="0"/>
-                <a:cs typeface="Courier New" panose="02070309020205020404" pitchFamily="49" charset="0"/>
-              </a:rPr>
-              <a:t>) {</a:t>
-            </a:r>
-          </a:p>
-          <a:p>
-            <a:r>
-              <a:rPr lang="en-US" sz="2000" dirty="0">
-                <a:latin typeface="Courier New" panose="02070309020205020404" pitchFamily="49" charset="0"/>
-                <a:cs typeface="Courier New" panose="02070309020205020404" pitchFamily="49" charset="0"/>
-              </a:rPr>
-              <a:t>		return new Pair(</a:t>
-            </a:r>
-            <a:r>
-              <a:rPr lang="en-US" sz="2000" dirty="0" err="1">
-                <a:latin typeface="Courier New" panose="02070309020205020404" pitchFamily="49" charset="0"/>
-                <a:cs typeface="Courier New" panose="02070309020205020404" pitchFamily="49" charset="0"/>
-              </a:rPr>
-              <a:t>newFst</a:t>
-            </a:r>
-            <a:r>
-              <a:rPr lang="en-US" sz="2000" dirty="0">
-                <a:latin typeface="Courier New" panose="02070309020205020404" pitchFamily="49" charset="0"/>
-                <a:cs typeface="Courier New" panose="02070309020205020404" pitchFamily="49" charset="0"/>
-              </a:rPr>
-              <a:t>, </a:t>
-            </a:r>
-            <a:r>
-              <a:rPr lang="en-US" sz="2000" dirty="0" err="1">
-                <a:latin typeface="Courier New" panose="02070309020205020404" pitchFamily="49" charset="0"/>
-                <a:cs typeface="Courier New" panose="02070309020205020404" pitchFamily="49" charset="0"/>
-              </a:rPr>
-              <a:t>this.mySnd</a:t>
-            </a:r>
-            <a:r>
-              <a:rPr lang="en-US" sz="2000" dirty="0">
-                <a:latin typeface="Courier New" panose="02070309020205020404" pitchFamily="49" charset="0"/>
-                <a:cs typeface="Courier New" panose="02070309020205020404" pitchFamily="49" charset="0"/>
-              </a:rPr>
-              <a:t>);</a:t>
-            </a:r>
-          </a:p>
-          <a:p>
-            <a:r>
-              <a:rPr lang="en-US" sz="2000" dirty="0">
-                <a:latin typeface="Courier New" panose="02070309020205020404" pitchFamily="49" charset="0"/>
-                <a:cs typeface="Courier New" panose="02070309020205020404" pitchFamily="49" charset="0"/>
-              </a:rPr>
-              <a:t>	}</a:t>
-            </a:r>
-          </a:p>
-          <a:p>
-            <a:r>
-              <a:rPr lang="en-US" sz="2000" dirty="0">
-                <a:latin typeface="Courier New" panose="02070309020205020404" pitchFamily="49" charset="0"/>
-                <a:cs typeface="Courier New" panose="02070309020205020404" pitchFamily="49" charset="0"/>
-              </a:rPr>
-              <a:t>}</a:t>
-            </a:r>
-            <a:endParaRPr lang="en-US" sz="2000" dirty="0">
+              <a:rPr lang="en-US" sz="2400" dirty="0">
+                <a:latin typeface="Courier New" panose="02070309020205020404" pitchFamily="49" charset="0"/>
+                <a:cs typeface="Courier New" panose="02070309020205020404" pitchFamily="49" charset="0"/>
+              </a:rPr>
+              <a:t>Theorem </a:t>
+            </a:r>
+            <a:r>
+              <a:rPr lang="en-US" sz="2400" dirty="0" err="1">
+                <a:latin typeface="Courier New" panose="02070309020205020404" pitchFamily="49" charset="0"/>
+                <a:cs typeface="Courier New" panose="02070309020205020404" pitchFamily="49" charset="0"/>
+              </a:rPr>
+              <a:t>feval_sound</a:t>
+            </a:r>
+            <a:r>
+              <a:rPr lang="en-US" sz="2400" dirty="0">
+                <a:latin typeface="Courier New" panose="02070309020205020404" pitchFamily="49" charset="0"/>
+                <a:cs typeface="Courier New" panose="02070309020205020404" pitchFamily="49" charset="0"/>
+              </a:rPr>
+              <a:t>:</a:t>
+            </a:r>
+          </a:p>
+          <a:p>
+            <a:r>
+              <a:rPr lang="en-US" sz="2400" dirty="0">
+                <a:latin typeface="Courier New" panose="02070309020205020404" pitchFamily="49" charset="0"/>
+                <a:cs typeface="Courier New" panose="02070309020205020404" pitchFamily="49" charset="0"/>
+              </a:rPr>
+              <a:t>  </a:t>
+            </a:r>
+            <a:r>
+              <a:rPr lang="en-US" sz="2400" dirty="0" err="1">
+                <a:latin typeface="Courier New" panose="02070309020205020404" pitchFamily="49" charset="0"/>
+                <a:cs typeface="Courier New" panose="02070309020205020404" pitchFamily="49" charset="0"/>
+              </a:rPr>
+              <a:t>forall</a:t>
+            </a:r>
+            <a:r>
+              <a:rPr lang="en-US" sz="2400" dirty="0">
+                <a:latin typeface="Courier New" panose="02070309020205020404" pitchFamily="49" charset="0"/>
+                <a:cs typeface="Courier New" panose="02070309020205020404" pitchFamily="49" charset="0"/>
+              </a:rPr>
+              <a:t> (e1 e2:exp) (</a:t>
+            </a:r>
+            <a:r>
+              <a:rPr lang="en-US" sz="2400" dirty="0" err="1">
+                <a:latin typeface="Courier New" panose="02070309020205020404" pitchFamily="49" charset="0"/>
+                <a:cs typeface="Courier New" panose="02070309020205020404" pitchFamily="49" charset="0"/>
+              </a:rPr>
+              <a:t>ct:ctable</a:t>
+            </a:r>
+            <a:r>
+              <a:rPr lang="en-US" sz="2400" dirty="0">
+                <a:latin typeface="Courier New" panose="02070309020205020404" pitchFamily="49" charset="0"/>
+                <a:cs typeface="Courier New" panose="02070309020205020404" pitchFamily="49" charset="0"/>
+              </a:rPr>
+              <a:t>),</a:t>
+            </a:r>
+          </a:p>
+          <a:p>
+            <a:r>
+              <a:rPr lang="en-US" sz="2400" dirty="0">
+                <a:latin typeface="Courier New" panose="02070309020205020404" pitchFamily="49" charset="0"/>
+                <a:cs typeface="Courier New" panose="02070309020205020404" pitchFamily="49" charset="0"/>
+              </a:rPr>
+              <a:t>    </a:t>
+            </a:r>
+            <a:r>
+              <a:rPr lang="en-US" sz="2400" dirty="0" err="1">
+                <a:latin typeface="Courier New" panose="02070309020205020404" pitchFamily="49" charset="0"/>
+                <a:cs typeface="Courier New" panose="02070309020205020404" pitchFamily="49" charset="0"/>
+              </a:rPr>
+              <a:t>feval</a:t>
+            </a:r>
+            <a:r>
+              <a:rPr lang="en-US" sz="2400" dirty="0">
+                <a:latin typeface="Courier New" panose="02070309020205020404" pitchFamily="49" charset="0"/>
+                <a:cs typeface="Courier New" panose="02070309020205020404" pitchFamily="49" charset="0"/>
+              </a:rPr>
+              <a:t> e1 </a:t>
+            </a:r>
+            <a:r>
+              <a:rPr lang="en-US" sz="2400" dirty="0" err="1">
+                <a:latin typeface="Courier New" panose="02070309020205020404" pitchFamily="49" charset="0"/>
+                <a:cs typeface="Courier New" panose="02070309020205020404" pitchFamily="49" charset="0"/>
+              </a:rPr>
+              <a:t>ct</a:t>
+            </a:r>
+            <a:r>
+              <a:rPr lang="en-US" sz="2400" dirty="0">
+                <a:latin typeface="Courier New" panose="02070309020205020404" pitchFamily="49" charset="0"/>
+                <a:cs typeface="Courier New" panose="02070309020205020404" pitchFamily="49" charset="0"/>
+              </a:rPr>
+              <a:t> = Some e2 -&gt; </a:t>
+            </a:r>
+            <a:r>
+              <a:rPr lang="en-US" sz="2400" dirty="0" err="1">
+                <a:latin typeface="Courier New" panose="02070309020205020404" pitchFamily="49" charset="0"/>
+                <a:cs typeface="Courier New" panose="02070309020205020404" pitchFamily="49" charset="0"/>
+              </a:rPr>
+              <a:t>eval</a:t>
+            </a:r>
+            <a:r>
+              <a:rPr lang="en-US" sz="2400" dirty="0">
+                <a:latin typeface="Courier New" panose="02070309020205020404" pitchFamily="49" charset="0"/>
+                <a:cs typeface="Courier New" panose="02070309020205020404" pitchFamily="49" charset="0"/>
+              </a:rPr>
+              <a:t> e1 e2.</a:t>
+            </a:r>
+            <a:endParaRPr lang="en-US" sz="2400" dirty="0">
               <a:latin typeface="Courier New" panose="02070309020205020404" pitchFamily="49" charset="0"/>
               <a:cs typeface="Courier New" panose="02070309020205020404" pitchFamily="49" charset="0"/>
             </a:endParaRPr>
@@ -8614,7 +8389,7 @@
     </p:spTree>
     <p:extLst>
       <p:ext uri="{BB962C8B-B14F-4D97-AF65-F5344CB8AC3E}">
-        <p14:creationId xmlns:p14="http://schemas.microsoft.com/office/powerpoint/2010/main" val="3087471823"/>
+        <p14:creationId xmlns:p14="http://schemas.microsoft.com/office/powerpoint/2010/main" val="696504276"/>
       </p:ext>
     </p:extLst>
   </p:cSld>
@@ -8677,14 +8452,14 @@
       </p:sp>
       <p:sp>
         <p:nvSpPr>
-          <p:cNvPr id="4" name="Rectangle 3"/>
+          <p:cNvPr id="9" name="Rectangle 8"/>
           <p:cNvSpPr/>
           <p:nvPr/>
         </p:nvSpPr>
         <p:spPr>
           <a:xfrm>
-            <a:off x="233680" y="1136918"/>
-            <a:ext cx="7053527" cy="5632311"/>
+            <a:off x="209549" y="1089869"/>
+            <a:ext cx="8220075" cy="5632311"/>
           </a:xfrm>
           <a:prstGeom prst="rect">
             <a:avLst/>
@@ -8697,348 +8472,340 @@
           <a:lstStyle/>
           <a:p>
             <a:r>
-              <a:rPr lang="en-US" dirty="0"/>
-              <a:t>Definition </a:t>
-            </a:r>
-            <a:r>
-              <a:rPr lang="en-US" dirty="0" err="1"/>
-              <a:t>ct</a:t>
-            </a:r>
-            <a:r>
-              <a:rPr lang="en-US" dirty="0"/>
-              <a:t> : </a:t>
-            </a:r>
-            <a:r>
-              <a:rPr lang="en-US" dirty="0" err="1"/>
-              <a:t>ctable</a:t>
-            </a:r>
-            <a:r>
-              <a:rPr lang="en-US" dirty="0"/>
-              <a:t> := (</a:t>
-            </a:r>
-          </a:p>
-          <a:p>
-            <a:r>
-              <a:rPr lang="en-US" dirty="0"/>
-              <a:t>    (C,(</a:t>
-            </a:r>
-            <a:r>
-              <a:rPr lang="en-US" dirty="0" err="1"/>
-              <a:t>Object,nil,nil</a:t>
-            </a:r>
-            <a:r>
-              <a:rPr lang="en-US" dirty="0"/>
-              <a:t>))</a:t>
-            </a:r>
-          </a:p>
-          <a:p>
-            <a:r>
-              <a:rPr lang="en-US" dirty="0"/>
-              <a:t>  ::(D,(</a:t>
-            </a:r>
-            <a:r>
-              <a:rPr lang="en-US" dirty="0" err="1"/>
-              <a:t>Object,nil,nil</a:t>
-            </a:r>
-            <a:r>
-              <a:rPr lang="en-US" dirty="0"/>
-              <a:t>))</a:t>
-            </a:r>
-          </a:p>
-          <a:p>
-            <a:r>
-              <a:rPr lang="en-US" dirty="0"/>
-              <a:t>  ::(Pair,(</a:t>
-            </a:r>
-          </a:p>
-          <a:p>
-            <a:r>
-              <a:rPr lang="en-US" dirty="0"/>
-              <a:t>      Object,</a:t>
-            </a:r>
-          </a:p>
-          <a:p>
-            <a:r>
-              <a:rPr lang="en-US" dirty="0"/>
-              <a:t>      ((</a:t>
-            </a:r>
-            <a:r>
-              <a:rPr lang="en-US" dirty="0" err="1"/>
+              <a:rPr lang="en-US" sz="2000" dirty="0">
+                <a:latin typeface="Courier New" panose="02070309020205020404" pitchFamily="49" charset="0"/>
+                <a:cs typeface="Courier New" panose="02070309020205020404" pitchFamily="49" charset="0"/>
+              </a:rPr>
+              <a:t>class C extends Object {</a:t>
+            </a:r>
+          </a:p>
+          <a:p>
+            <a:r>
+              <a:rPr lang="en-US" sz="2000" dirty="0">
+                <a:latin typeface="Courier New" panose="02070309020205020404" pitchFamily="49" charset="0"/>
+                <a:cs typeface="Courier New" panose="02070309020205020404" pitchFamily="49" charset="0"/>
+              </a:rPr>
+              <a:t>	C() {super();}</a:t>
+            </a:r>
+          </a:p>
+          <a:p>
+            <a:r>
+              <a:rPr lang="en-US" sz="2000" dirty="0">
+                <a:latin typeface="Courier New" panose="02070309020205020404" pitchFamily="49" charset="0"/>
+                <a:cs typeface="Courier New" panose="02070309020205020404" pitchFamily="49" charset="0"/>
+              </a:rPr>
+              <a:t>}</a:t>
+            </a:r>
+          </a:p>
+          <a:p>
+            <a:r>
+              <a:rPr lang="en-US" sz="2000" dirty="0">
+                <a:latin typeface="Courier New" panose="02070309020205020404" pitchFamily="49" charset="0"/>
+                <a:cs typeface="Courier New" panose="02070309020205020404" pitchFamily="49" charset="0"/>
+              </a:rPr>
+              <a:t>class D extends Object {</a:t>
+            </a:r>
+          </a:p>
+          <a:p>
+            <a:r>
+              <a:rPr lang="en-US" sz="2000" dirty="0">
+                <a:latin typeface="Courier New" panose="02070309020205020404" pitchFamily="49" charset="0"/>
+                <a:cs typeface="Courier New" panose="02070309020205020404" pitchFamily="49" charset="0"/>
+              </a:rPr>
+              <a:t>	D() {super();}</a:t>
+            </a:r>
+          </a:p>
+          <a:p>
+            <a:r>
+              <a:rPr lang="en-US" sz="2000" dirty="0">
+                <a:latin typeface="Courier New" panose="02070309020205020404" pitchFamily="49" charset="0"/>
+                <a:cs typeface="Courier New" panose="02070309020205020404" pitchFamily="49" charset="0"/>
+              </a:rPr>
+              <a:t>}</a:t>
+            </a:r>
+          </a:p>
+          <a:p>
+            <a:r>
+              <a:rPr lang="en-US" sz="2000" dirty="0">
+                <a:latin typeface="Courier New" panose="02070309020205020404" pitchFamily="49" charset="0"/>
+                <a:cs typeface="Courier New" panose="02070309020205020404" pitchFamily="49" charset="0"/>
+              </a:rPr>
+              <a:t>class Pair extends Object {</a:t>
+            </a:r>
+          </a:p>
+          <a:p>
+            <a:r>
+              <a:rPr lang="en-US" sz="2000" dirty="0">
+                <a:latin typeface="Courier New" panose="02070309020205020404" pitchFamily="49" charset="0"/>
+                <a:cs typeface="Courier New" panose="02070309020205020404" pitchFamily="49" charset="0"/>
+              </a:rPr>
+              <a:t>	Object </a:t>
+            </a:r>
+            <a:r>
+              <a:rPr lang="en-US" sz="2000" dirty="0" err="1">
+                <a:latin typeface="Courier New" panose="02070309020205020404" pitchFamily="49" charset="0"/>
+                <a:cs typeface="Courier New" panose="02070309020205020404" pitchFamily="49" charset="0"/>
+              </a:rPr>
               <a:t>myFst</a:t>
             </a:r>
             <a:r>
-              <a:rPr lang="en-US" dirty="0"/>
-              <a:t>, Object)</a:t>
-            </a:r>
-          </a:p>
-          <a:p>
-            <a:r>
-              <a:rPr lang="en-US" dirty="0"/>
-              <a:t>          :: (</a:t>
-            </a:r>
-            <a:r>
-              <a:rPr lang="en-US" dirty="0" err="1"/>
+              <a:rPr lang="en-US" sz="2000" dirty="0">
+                <a:latin typeface="Courier New" panose="02070309020205020404" pitchFamily="49" charset="0"/>
+                <a:cs typeface="Courier New" panose="02070309020205020404" pitchFamily="49" charset="0"/>
+              </a:rPr>
+              <a:t>;</a:t>
+            </a:r>
+          </a:p>
+          <a:p>
+            <a:r>
+              <a:rPr lang="en-US" sz="2000" dirty="0">
+                <a:latin typeface="Courier New" panose="02070309020205020404" pitchFamily="49" charset="0"/>
+                <a:cs typeface="Courier New" panose="02070309020205020404" pitchFamily="49" charset="0"/>
+              </a:rPr>
+              <a:t>	Object </a:t>
+            </a:r>
+            <a:r>
+              <a:rPr lang="en-US" sz="2000" dirty="0" err="1">
+                <a:latin typeface="Courier New" panose="02070309020205020404" pitchFamily="49" charset="0"/>
+                <a:cs typeface="Courier New" panose="02070309020205020404" pitchFamily="49" charset="0"/>
+              </a:rPr>
               <a:t>mySnd</a:t>
             </a:r>
             <a:r>
-              <a:rPr lang="en-US" dirty="0"/>
-              <a:t>, Object)</a:t>
-            </a:r>
-          </a:p>
-          <a:p>
-            <a:r>
-              <a:rPr lang="en-US" dirty="0"/>
-              <a:t>          ::nil),</a:t>
-            </a:r>
-          </a:p>
-          <a:p>
-            <a:r>
-              <a:rPr lang="en-US" dirty="0"/>
-              <a:t>      (</a:t>
-            </a:r>
-          </a:p>
-          <a:p>
-            <a:r>
-              <a:rPr lang="en-US" dirty="0"/>
-              <a:t>        (</a:t>
-            </a:r>
-            <a:r>
-              <a:rPr lang="en-US" dirty="0" err="1"/>
+              <a:rPr lang="en-US" sz="2000" dirty="0">
+                <a:latin typeface="Courier New" panose="02070309020205020404" pitchFamily="49" charset="0"/>
+                <a:cs typeface="Courier New" panose="02070309020205020404" pitchFamily="49" charset="0"/>
+              </a:rPr>
+              <a:t>;</a:t>
+            </a:r>
+          </a:p>
+          <a:p>
+            <a:r>
+              <a:rPr lang="en-US" sz="2000" dirty="0">
+                <a:latin typeface="Courier New" panose="02070309020205020404" pitchFamily="49" charset="0"/>
+                <a:cs typeface="Courier New" panose="02070309020205020404" pitchFamily="49" charset="0"/>
+              </a:rPr>
+              <a:t>	Pair(Object </a:t>
+            </a:r>
+            <a:r>
+              <a:rPr lang="en-US" sz="2000" dirty="0" err="1">
+                <a:latin typeface="Courier New" panose="02070309020205020404" pitchFamily="49" charset="0"/>
+                <a:cs typeface="Courier New" panose="02070309020205020404" pitchFamily="49" charset="0"/>
+              </a:rPr>
+              <a:t>myFst</a:t>
+            </a:r>
+            <a:r>
+              <a:rPr lang="en-US" sz="2000" dirty="0">
+                <a:latin typeface="Courier New" panose="02070309020205020404" pitchFamily="49" charset="0"/>
+                <a:cs typeface="Courier New" panose="02070309020205020404" pitchFamily="49" charset="0"/>
+              </a:rPr>
+              <a:t>, Object </a:t>
+            </a:r>
+            <a:r>
+              <a:rPr lang="en-US" sz="2000" dirty="0" err="1">
+                <a:latin typeface="Courier New" panose="02070309020205020404" pitchFamily="49" charset="0"/>
+                <a:cs typeface="Courier New" panose="02070309020205020404" pitchFamily="49" charset="0"/>
+              </a:rPr>
+              <a:t>mySnd</a:t>
+            </a:r>
+            <a:r>
+              <a:rPr lang="en-US" sz="2000" dirty="0">
+                <a:latin typeface="Courier New" panose="02070309020205020404" pitchFamily="49" charset="0"/>
+                <a:cs typeface="Courier New" panose="02070309020205020404" pitchFamily="49" charset="0"/>
+              </a:rPr>
+              <a:t>) {</a:t>
+            </a:r>
+          </a:p>
+          <a:p>
+            <a:r>
+              <a:rPr lang="en-US" sz="2000" dirty="0">
+                <a:latin typeface="Courier New" panose="02070309020205020404" pitchFamily="49" charset="0"/>
+                <a:cs typeface="Courier New" panose="02070309020205020404" pitchFamily="49" charset="0"/>
+              </a:rPr>
+              <a:t>		super();</a:t>
+            </a:r>
+          </a:p>
+          <a:p>
+            <a:r>
+              <a:rPr lang="en-US" sz="2000" dirty="0">
+                <a:latin typeface="Courier New" panose="02070309020205020404" pitchFamily="49" charset="0"/>
+                <a:cs typeface="Courier New" panose="02070309020205020404" pitchFamily="49" charset="0"/>
+              </a:rPr>
+              <a:t>		</a:t>
+            </a:r>
+            <a:r>
+              <a:rPr lang="en-US" sz="2000" dirty="0" err="1">
+                <a:latin typeface="Courier New" panose="02070309020205020404" pitchFamily="49" charset="0"/>
+                <a:cs typeface="Courier New" panose="02070309020205020404" pitchFamily="49" charset="0"/>
+              </a:rPr>
+              <a:t>this.myFst</a:t>
+            </a:r>
+            <a:r>
+              <a:rPr lang="en-US" sz="2000" dirty="0">
+                <a:latin typeface="Courier New" panose="02070309020205020404" pitchFamily="49" charset="0"/>
+                <a:cs typeface="Courier New" panose="02070309020205020404" pitchFamily="49" charset="0"/>
+              </a:rPr>
+              <a:t> = </a:t>
+            </a:r>
+            <a:r>
+              <a:rPr lang="en-US" sz="2000" dirty="0" err="1">
+                <a:latin typeface="Courier New" panose="02070309020205020404" pitchFamily="49" charset="0"/>
+                <a:cs typeface="Courier New" panose="02070309020205020404" pitchFamily="49" charset="0"/>
+              </a:rPr>
+              <a:t>myFst</a:t>
+            </a:r>
+            <a:r>
+              <a:rPr lang="en-US" sz="2000" dirty="0">
+                <a:latin typeface="Courier New" panose="02070309020205020404" pitchFamily="49" charset="0"/>
+                <a:cs typeface="Courier New" panose="02070309020205020404" pitchFamily="49" charset="0"/>
+              </a:rPr>
+              <a:t>;</a:t>
+            </a:r>
+          </a:p>
+          <a:p>
+            <a:r>
+              <a:rPr lang="en-US" sz="2000" dirty="0">
+                <a:latin typeface="Courier New" panose="02070309020205020404" pitchFamily="49" charset="0"/>
+                <a:cs typeface="Courier New" panose="02070309020205020404" pitchFamily="49" charset="0"/>
+              </a:rPr>
+              <a:t>		</a:t>
+            </a:r>
+            <a:r>
+              <a:rPr lang="en-US" sz="2000" dirty="0" err="1">
+                <a:latin typeface="Courier New" panose="02070309020205020404" pitchFamily="49" charset="0"/>
+                <a:cs typeface="Courier New" panose="02070309020205020404" pitchFamily="49" charset="0"/>
+              </a:rPr>
+              <a:t>this.mySnd</a:t>
+            </a:r>
+            <a:r>
+              <a:rPr lang="en-US" sz="2000" dirty="0">
+                <a:latin typeface="Courier New" panose="02070309020205020404" pitchFamily="49" charset="0"/>
+                <a:cs typeface="Courier New" panose="02070309020205020404" pitchFamily="49" charset="0"/>
+              </a:rPr>
+              <a:t> = </a:t>
+            </a:r>
+            <a:r>
+              <a:rPr lang="en-US" sz="2000" dirty="0" err="1">
+                <a:latin typeface="Courier New" panose="02070309020205020404" pitchFamily="49" charset="0"/>
+                <a:cs typeface="Courier New" panose="02070309020205020404" pitchFamily="49" charset="0"/>
+              </a:rPr>
+              <a:t>mySnd</a:t>
+            </a:r>
+            <a:r>
+              <a:rPr lang="en-US" sz="2000" dirty="0">
+                <a:latin typeface="Courier New" panose="02070309020205020404" pitchFamily="49" charset="0"/>
+                <a:cs typeface="Courier New" panose="02070309020205020404" pitchFamily="49" charset="0"/>
+              </a:rPr>
+              <a:t>;</a:t>
+            </a:r>
+          </a:p>
+          <a:p>
+            <a:r>
+              <a:rPr lang="en-US" sz="2000" dirty="0">
+                <a:latin typeface="Courier New" panose="02070309020205020404" pitchFamily="49" charset="0"/>
+                <a:cs typeface="Courier New" panose="02070309020205020404" pitchFamily="49" charset="0"/>
+              </a:rPr>
+              <a:t>	}</a:t>
+            </a:r>
+          </a:p>
+          <a:p>
+            <a:r>
+              <a:rPr lang="en-US" sz="2000" dirty="0">
+                <a:latin typeface="Courier New" panose="02070309020205020404" pitchFamily="49" charset="0"/>
+                <a:cs typeface="Courier New" panose="02070309020205020404" pitchFamily="49" charset="0"/>
+              </a:rPr>
+              <a:t>	Pair </a:t>
+            </a:r>
+            <a:r>
+              <a:rPr lang="en-US" sz="2000" dirty="0" err="1">
+                <a:latin typeface="Courier New" panose="02070309020205020404" pitchFamily="49" charset="0"/>
+                <a:cs typeface="Courier New" panose="02070309020205020404" pitchFamily="49" charset="0"/>
+              </a:rPr>
               <a:t>setFst</a:t>
             </a:r>
             <a:r>
-              <a:rPr lang="en-US" dirty="0"/>
-              <a:t>,</a:t>
-            </a:r>
-          </a:p>
-          <a:p>
-            <a:r>
-              <a:rPr lang="en-US" dirty="0"/>
-              <a:t>         (</a:t>
-            </a:r>
-          </a:p>
-          <a:p>
-            <a:r>
-              <a:rPr lang="en-US" dirty="0"/>
-              <a:t>          Pair,</a:t>
-            </a:r>
-          </a:p>
-          <a:p>
-            <a:r>
-              <a:rPr lang="en-US" dirty="0"/>
-              <a:t>          (</a:t>
-            </a:r>
-            <a:r>
-              <a:rPr lang="en-US" dirty="0" err="1"/>
+              <a:rPr lang="en-US" sz="2000" dirty="0">
+                <a:latin typeface="Courier New" panose="02070309020205020404" pitchFamily="49" charset="0"/>
+                <a:cs typeface="Courier New" panose="02070309020205020404" pitchFamily="49" charset="0"/>
+              </a:rPr>
+              <a:t>(Object </a:t>
+            </a:r>
+            <a:r>
+              <a:rPr lang="en-US" sz="2000" dirty="0" err="1">
+                <a:latin typeface="Courier New" panose="02070309020205020404" pitchFamily="49" charset="0"/>
+                <a:cs typeface="Courier New" panose="02070309020205020404" pitchFamily="49" charset="0"/>
+              </a:rPr>
               <a:t>newFst</a:t>
             </a:r>
             <a:r>
-              <a:rPr lang="en-US" dirty="0"/>
-              <a:t>, Object) :: nil,</a:t>
-            </a:r>
-          </a:p>
-          <a:p>
-            <a:r>
-              <a:rPr lang="en-US" dirty="0"/>
-              <a:t>          </a:t>
-            </a:r>
-            <a:r>
-              <a:rPr lang="en-US" dirty="0" err="1"/>
-              <a:t>e_new</a:t>
-            </a:r>
-            <a:r>
-              <a:rPr lang="en-US" dirty="0"/>
-              <a:t> Pair (</a:t>
-            </a:r>
-            <a:r>
-              <a:rPr lang="en-US" dirty="0" err="1"/>
-              <a:t>e_var</a:t>
-            </a:r>
-            <a:r>
-              <a:rPr lang="en-US" dirty="0"/>
-              <a:t> </a:t>
-            </a:r>
-            <a:r>
-              <a:rPr lang="en-US" dirty="0" err="1"/>
+              <a:rPr lang="en-US" sz="2000" dirty="0">
+                <a:latin typeface="Courier New" panose="02070309020205020404" pitchFamily="49" charset="0"/>
+                <a:cs typeface="Courier New" panose="02070309020205020404" pitchFamily="49" charset="0"/>
+              </a:rPr>
+              <a:t>) {</a:t>
+            </a:r>
+          </a:p>
+          <a:p>
+            <a:r>
+              <a:rPr lang="en-US" sz="2000" dirty="0">
+                <a:latin typeface="Courier New" panose="02070309020205020404" pitchFamily="49" charset="0"/>
+                <a:cs typeface="Courier New" panose="02070309020205020404" pitchFamily="49" charset="0"/>
+              </a:rPr>
+              <a:t>		return new Pair(</a:t>
+            </a:r>
+            <a:r>
+              <a:rPr lang="en-US" sz="2000" dirty="0" err="1">
+                <a:latin typeface="Courier New" panose="02070309020205020404" pitchFamily="49" charset="0"/>
+                <a:cs typeface="Courier New" panose="02070309020205020404" pitchFamily="49" charset="0"/>
+              </a:rPr>
               <a:t>newFst</a:t>
             </a:r>
             <a:r>
-              <a:rPr lang="en-US" dirty="0"/>
-              <a:t> :: </a:t>
-            </a:r>
-            <a:r>
-              <a:rPr lang="en-US" dirty="0" err="1"/>
-              <a:t>e_field</a:t>
-            </a:r>
-            <a:r>
-              <a:rPr lang="en-US" dirty="0"/>
-              <a:t> (</a:t>
-            </a:r>
-            <a:r>
-              <a:rPr lang="en-US" dirty="0" err="1"/>
-              <a:t>e_var</a:t>
-            </a:r>
-            <a:r>
-              <a:rPr lang="en-US" dirty="0"/>
-              <a:t> this) </a:t>
-            </a:r>
-            <a:r>
-              <a:rPr lang="en-US" dirty="0" err="1"/>
-              <a:t>mySnd</a:t>
-            </a:r>
-            <a:r>
-              <a:rPr lang="en-US" dirty="0"/>
-              <a:t> :: nil)</a:t>
-            </a:r>
-          </a:p>
-          <a:p>
-            <a:r>
-              <a:rPr lang="en-US" dirty="0"/>
-              <a:t>         )</a:t>
-            </a:r>
-          </a:p>
-          <a:p>
-            <a:r>
-              <a:rPr lang="en-US" dirty="0"/>
-              <a:t>        )</a:t>
-            </a:r>
-          </a:p>
-          <a:p>
-            <a:r>
-              <a:rPr lang="en-US" dirty="0"/>
-              <a:t>        :: nil </a:t>
-            </a:r>
-          </a:p>
-          <a:p>
-            <a:r>
-              <a:rPr lang="en-US" dirty="0"/>
-              <a:t>      )</a:t>
-            </a:r>
-          </a:p>
-          <a:p>
-            <a:r>
-              <a:rPr lang="en-US" dirty="0"/>
-              <a:t>    ))</a:t>
-            </a:r>
-          </a:p>
-          <a:p>
-            <a:r>
-              <a:rPr lang="en-US" dirty="0"/>
-              <a:t>  :: nil).</a:t>
-            </a:r>
-            <a:endParaRPr lang="en-US" dirty="0"/>
-          </a:p>
-        </p:txBody>
-      </p:sp>
-      <p:sp>
-        <p:nvSpPr>
-          <p:cNvPr id="7" name="Rectangle 6"/>
-          <p:cNvSpPr/>
-          <p:nvPr/>
-        </p:nvSpPr>
-        <p:spPr>
-          <a:xfrm>
-            <a:off x="1838324" y="6410762"/>
-            <a:ext cx="8124826" cy="338554"/>
-          </a:xfrm>
-          <a:prstGeom prst="rect">
-            <a:avLst/>
-          </a:prstGeom>
-        </p:spPr>
-        <p:txBody>
-          <a:bodyPr wrap="square">
-            <a:spAutoFit/>
-          </a:bodyPr>
-          <a:lstStyle/>
-          <a:p>
-            <a:r>
-              <a:rPr lang="en-US" sz="1600" dirty="0">
-                <a:latin typeface="Courier New" panose="02070309020205020404" pitchFamily="49" charset="0"/>
-                <a:cs typeface="Courier New" panose="02070309020205020404" pitchFamily="49" charset="0"/>
-              </a:rPr>
-              <a:t>Notation </a:t>
-            </a:r>
-            <a:r>
-              <a:rPr lang="en-US" sz="1600" dirty="0" err="1">
-                <a:latin typeface="Courier New" panose="02070309020205020404" pitchFamily="49" charset="0"/>
-                <a:cs typeface="Courier New" panose="02070309020205020404" pitchFamily="49" charset="0"/>
-              </a:rPr>
-              <a:t>ctable</a:t>
-            </a:r>
-            <a:r>
-              <a:rPr lang="en-US" sz="1600" dirty="0">
-                <a:latin typeface="Courier New" panose="02070309020205020404" pitchFamily="49" charset="0"/>
-                <a:cs typeface="Courier New" panose="02070309020205020404" pitchFamily="49" charset="0"/>
-              </a:rPr>
-              <a:t> := (list (</a:t>
-            </a:r>
-            <a:r>
-              <a:rPr lang="en-US" sz="1600" dirty="0" err="1">
-                <a:latin typeface="Courier New" panose="02070309020205020404" pitchFamily="49" charset="0"/>
-                <a:cs typeface="Courier New" panose="02070309020205020404" pitchFamily="49" charset="0"/>
-              </a:rPr>
-              <a:t>cname</a:t>
-            </a:r>
-            <a:r>
-              <a:rPr lang="en-US" sz="1600" dirty="0">
-                <a:latin typeface="Courier New" panose="02070309020205020404" pitchFamily="49" charset="0"/>
-                <a:cs typeface="Courier New" panose="02070309020205020404" pitchFamily="49" charset="0"/>
-              </a:rPr>
-              <a:t> * (</a:t>
-            </a:r>
-            <a:r>
-              <a:rPr lang="en-US" sz="1600" dirty="0" err="1">
-                <a:latin typeface="Courier New" panose="02070309020205020404" pitchFamily="49" charset="0"/>
-                <a:cs typeface="Courier New" panose="02070309020205020404" pitchFamily="49" charset="0"/>
-              </a:rPr>
-              <a:t>cname</a:t>
-            </a:r>
-            <a:r>
-              <a:rPr lang="en-US" sz="1600" dirty="0">
-                <a:latin typeface="Courier New" panose="02070309020205020404" pitchFamily="49" charset="0"/>
-                <a:cs typeface="Courier New" panose="02070309020205020404" pitchFamily="49" charset="0"/>
-              </a:rPr>
-              <a:t> * </a:t>
-            </a:r>
-            <a:r>
-              <a:rPr lang="en-US" sz="1600" dirty="0" err="1">
-                <a:latin typeface="Courier New" panose="02070309020205020404" pitchFamily="49" charset="0"/>
-                <a:cs typeface="Courier New" panose="02070309020205020404" pitchFamily="49" charset="0"/>
-              </a:rPr>
-              <a:t>flds</a:t>
-            </a:r>
-            <a:r>
-              <a:rPr lang="en-US" sz="1600" dirty="0">
-                <a:latin typeface="Courier New" panose="02070309020205020404" pitchFamily="49" charset="0"/>
-                <a:cs typeface="Courier New" panose="02070309020205020404" pitchFamily="49" charset="0"/>
-              </a:rPr>
-              <a:t> * </a:t>
-            </a:r>
-            <a:r>
-              <a:rPr lang="en-US" sz="1600" dirty="0" err="1">
-                <a:latin typeface="Courier New" panose="02070309020205020404" pitchFamily="49" charset="0"/>
-                <a:cs typeface="Courier New" panose="02070309020205020404" pitchFamily="49" charset="0"/>
-              </a:rPr>
-              <a:t>mths</a:t>
-            </a:r>
-            <a:r>
-              <a:rPr lang="en-US" sz="1600" dirty="0">
-                <a:latin typeface="Courier New" panose="02070309020205020404" pitchFamily="49" charset="0"/>
-                <a:cs typeface="Courier New" panose="02070309020205020404" pitchFamily="49" charset="0"/>
-              </a:rPr>
-              <a:t>))).</a:t>
-            </a:r>
-            <a:endParaRPr lang="en-US" sz="1600" dirty="0">
-              <a:latin typeface="Courier New" panose="02070309020205020404" pitchFamily="49" charset="0"/>
-              <a:cs typeface="Courier New" panose="02070309020205020404" pitchFamily="49" charset="0"/>
-            </a:endParaRPr>
+              <a:rPr lang="en-US" sz="2000" dirty="0">
+                <a:latin typeface="Courier New" panose="02070309020205020404" pitchFamily="49" charset="0"/>
+                <a:cs typeface="Courier New" panose="02070309020205020404" pitchFamily="49" charset="0"/>
+              </a:rPr>
+              <a:t>, </a:t>
+            </a:r>
+            <a:r>
+              <a:rPr lang="en-US" sz="2000" dirty="0" err="1">
+                <a:latin typeface="Courier New" panose="02070309020205020404" pitchFamily="49" charset="0"/>
+                <a:cs typeface="Courier New" panose="02070309020205020404" pitchFamily="49" charset="0"/>
+              </a:rPr>
+              <a:t>this.mySnd</a:t>
+            </a:r>
+            <a:r>
+              <a:rPr lang="en-US" sz="2000" dirty="0">
+                <a:latin typeface="Courier New" panose="02070309020205020404" pitchFamily="49" charset="0"/>
+                <a:cs typeface="Courier New" panose="02070309020205020404" pitchFamily="49" charset="0"/>
+              </a:rPr>
+              <a:t>);</a:t>
+            </a:r>
+          </a:p>
+          <a:p>
+            <a:r>
+              <a:rPr lang="en-US" sz="2000" dirty="0">
+                <a:latin typeface="Courier New" panose="02070309020205020404" pitchFamily="49" charset="0"/>
+                <a:cs typeface="Courier New" panose="02070309020205020404" pitchFamily="49" charset="0"/>
+              </a:rPr>
+              <a:t>	}</a:t>
+            </a:r>
+          </a:p>
+          <a:p>
+            <a:r>
+              <a:rPr lang="en-US" sz="2000" dirty="0">
+                <a:latin typeface="Courier New" panose="02070309020205020404" pitchFamily="49" charset="0"/>
+                <a:cs typeface="Courier New" panose="02070309020205020404" pitchFamily="49" charset="0"/>
+              </a:rPr>
+              <a:t>}</a:t>
+            </a:r>
           </a:p>
         </p:txBody>
       </p:sp>
     </p:spTree>
     <p:extLst>
       <p:ext uri="{BB962C8B-B14F-4D97-AF65-F5344CB8AC3E}">
-        <p14:creationId xmlns:p14="http://schemas.microsoft.com/office/powerpoint/2010/main" val="2999219251"/>
+        <p14:creationId xmlns:p14="http://schemas.microsoft.com/office/powerpoint/2010/main" val="3087471823"/>
       </p:ext>
     </p:extLst>
   </p:cSld>
@@ -9144,37 +8911,7 @@
           <a:p>
             <a:r>
               <a:rPr lang="en-US" dirty="0"/>
-              <a:t>    </a:t>
-            </a:r>
-            <a:r>
-              <a:rPr lang="en-US" dirty="0">
-                <a:solidFill>
-                  <a:srgbClr val="00B050"/>
-                </a:solidFill>
-              </a:rPr>
-              <a:t>(C,(</a:t>
-            </a:r>
-            <a:r>
-              <a:rPr lang="en-US" dirty="0" err="1">
-                <a:solidFill>
-                  <a:srgbClr val="00B050"/>
-                </a:solidFill>
-              </a:rPr>
-              <a:t>Object,nil,nil</a:t>
-            </a:r>
-            <a:r>
-              <a:rPr lang="en-US" dirty="0">
-                <a:solidFill>
-                  <a:srgbClr val="00B050"/>
-                </a:solidFill>
-              </a:rPr>
-              <a:t>))</a:t>
-            </a:r>
-          </a:p>
-          <a:p>
-            <a:r>
-              <a:rPr lang="en-US" dirty="0"/>
-              <a:t>  ::(D,(</a:t>
+              <a:t>    (C,(</a:t>
             </a:r>
             <a:r>
               <a:rPr lang="en-US" dirty="0" err="1"/>
@@ -9188,6 +8925,20 @@
           <a:p>
             <a:r>
               <a:rPr lang="en-US" dirty="0"/>
+              <a:t>  ::(D,(</a:t>
+            </a:r>
+            <a:r>
+              <a:rPr lang="en-US" dirty="0" err="1"/>
+              <a:t>Object,nil,nil</a:t>
+            </a:r>
+            <a:r>
+              <a:rPr lang="en-US" dirty="0"/>
+              <a:t>))</a:t>
+            </a:r>
+          </a:p>
+          <a:p>
+            <a:r>
+              <a:rPr lang="en-US" dirty="0"/>
               <a:t>  ::(Pair,(</a:t>
             </a:r>
           </a:p>
@@ -9366,78 +9117,12 @@
               <a:rPr lang="en-US" dirty="0"/>
               <a:t>  :: nil).</a:t>
             </a:r>
-            <a:endParaRPr lang="en-US" dirty="0"/>
           </a:p>
         </p:txBody>
       </p:sp>
       <p:sp>
         <p:nvSpPr>
-          <p:cNvPr id="3" name="Rectangle 2"/>
-          <p:cNvSpPr/>
-          <p:nvPr/>
-        </p:nvSpPr>
-        <p:spPr>
-          <a:xfrm>
-            <a:off x="4076700" y="1662410"/>
-            <a:ext cx="4572000" cy="1200329"/>
-          </a:xfrm>
-          <a:prstGeom prst="rect">
-            <a:avLst/>
-          </a:prstGeom>
-        </p:spPr>
-        <p:txBody>
-          <a:bodyPr>
-            <a:spAutoFit/>
-          </a:bodyPr>
-          <a:lstStyle/>
-          <a:p>
-            <a:r>
-              <a:rPr lang="en-US" sz="2400" dirty="0">
-                <a:solidFill>
-                  <a:srgbClr val="00B050"/>
-                </a:solidFill>
-                <a:latin typeface="Courier New" panose="02070309020205020404" pitchFamily="49" charset="0"/>
-                <a:cs typeface="Courier New" panose="02070309020205020404" pitchFamily="49" charset="0"/>
-              </a:rPr>
-              <a:t>class C extends Object {</a:t>
-            </a:r>
-          </a:p>
-          <a:p>
-            <a:r>
-              <a:rPr lang="en-US" sz="2400" dirty="0">
-                <a:solidFill>
-                  <a:srgbClr val="00B050"/>
-                </a:solidFill>
-                <a:latin typeface="Courier New" panose="02070309020205020404" pitchFamily="49" charset="0"/>
-                <a:cs typeface="Courier New" panose="02070309020205020404" pitchFamily="49" charset="0"/>
-              </a:rPr>
-              <a:t>	C() {}</a:t>
-            </a:r>
-          </a:p>
-          <a:p>
-            <a:r>
-              <a:rPr lang="en-US" sz="2400" dirty="0">
-                <a:solidFill>
-                  <a:srgbClr val="00B050"/>
-                </a:solidFill>
-                <a:latin typeface="Courier New" panose="02070309020205020404" pitchFamily="49" charset="0"/>
-                <a:cs typeface="Courier New" panose="02070309020205020404" pitchFamily="49" charset="0"/>
-              </a:rPr>
-              <a:t>}</a:t>
-            </a:r>
-            <a:endParaRPr lang="en-US" sz="2400" dirty="0">
-              <a:solidFill>
-                <a:srgbClr val="00B050"/>
-              </a:solidFill>
-              <a:latin typeface="Courier New" panose="02070309020205020404" pitchFamily="49" charset="0"/>
-              <a:cs typeface="Courier New" panose="02070309020205020404" pitchFamily="49" charset="0"/>
-            </a:endParaRPr>
-          </a:p>
-        </p:txBody>
-      </p:sp>
-      <p:sp>
-        <p:nvSpPr>
-          <p:cNvPr id="6" name="Rectangle 5"/>
+          <p:cNvPr id="7" name="Rectangle 6"/>
           <p:cNvSpPr/>
           <p:nvPr/>
         </p:nvSpPr>
@@ -9533,17 +9218,13 @@
               </a:rPr>
               <a:t>))).</a:t>
             </a:r>
-            <a:endParaRPr lang="en-US" sz="1600" dirty="0">
-              <a:latin typeface="Courier New" panose="02070309020205020404" pitchFamily="49" charset="0"/>
-              <a:cs typeface="Courier New" panose="02070309020205020404" pitchFamily="49" charset="0"/>
-            </a:endParaRPr>
           </a:p>
         </p:txBody>
       </p:sp>
     </p:spTree>
     <p:extLst>
       <p:ext uri="{BB962C8B-B14F-4D97-AF65-F5344CB8AC3E}">
-        <p14:creationId xmlns:p14="http://schemas.microsoft.com/office/powerpoint/2010/main" val="3983044762"/>
+        <p14:creationId xmlns:p14="http://schemas.microsoft.com/office/powerpoint/2010/main" val="2999219251"/>
       </p:ext>
     </p:extLst>
   </p:cSld>
@@ -9678,27 +9359,15 @@
           </a:p>
           <a:p>
             <a:r>
-              <a:rPr lang="en-US" dirty="0">
-                <a:solidFill>
-                  <a:srgbClr val="00B0F0"/>
-                </a:solidFill>
-              </a:rPr>
+              <a:rPr lang="en-US" dirty="0"/>
               <a:t>  ::(D,(</a:t>
             </a:r>
             <a:r>
-              <a:rPr lang="en-US" dirty="0" err="1">
-                <a:solidFill>
-                  <a:srgbClr val="00B0F0"/>
-                </a:solidFill>
-              </a:rPr>
+              <a:rPr lang="en-US" dirty="0" err="1"/>
               <a:t>Object,nil,nil</a:t>
             </a:r>
             <a:r>
-              <a:rPr lang="en-US" dirty="0">
-                <a:solidFill>
-                  <a:srgbClr val="00B0F0"/>
-                </a:solidFill>
-              </a:rPr>
+              <a:rPr lang="en-US" dirty="0"/>
               <a:t>))</a:t>
             </a:r>
           </a:p>
@@ -9883,7 +9552,6 @@
               <a:rPr lang="en-US" dirty="0"/>
               <a:t>  :: nil).</a:t>
             </a:r>
-            <a:endParaRPr lang="en-US" dirty="0"/>
           </a:p>
         </p:txBody>
       </p:sp>
@@ -9911,50 +9579,43 @@
             <a:r>
               <a:rPr lang="en-US" sz="2400" dirty="0">
                 <a:solidFill>
-                  <a:srgbClr val="00B0F0"/>
-                </a:solidFill>
-                <a:latin typeface="Courier New" panose="02070309020205020404" pitchFamily="49" charset="0"/>
-                <a:cs typeface="Courier New" panose="02070309020205020404" pitchFamily="49" charset="0"/>
-              </a:rPr>
-              <a:t>class D extends Object {</a:t>
+                  <a:srgbClr val="00B050"/>
+                </a:solidFill>
+                <a:latin typeface="Courier New" panose="02070309020205020404" pitchFamily="49" charset="0"/>
+                <a:cs typeface="Courier New" panose="02070309020205020404" pitchFamily="49" charset="0"/>
+              </a:rPr>
+              <a:t>class C extends Object {</a:t>
             </a:r>
           </a:p>
           <a:p>
             <a:r>
               <a:rPr lang="en-US" sz="2400" dirty="0">
                 <a:solidFill>
-                  <a:srgbClr val="00B0F0"/>
-                </a:solidFill>
-                <a:latin typeface="Courier New" panose="02070309020205020404" pitchFamily="49" charset="0"/>
-                <a:cs typeface="Courier New" panose="02070309020205020404" pitchFamily="49" charset="0"/>
-              </a:rPr>
-              <a:t>	D() {}</a:t>
+                  <a:srgbClr val="00B050"/>
+                </a:solidFill>
+                <a:latin typeface="Courier New" panose="02070309020205020404" pitchFamily="49" charset="0"/>
+                <a:cs typeface="Courier New" panose="02070309020205020404" pitchFamily="49" charset="0"/>
+              </a:rPr>
+              <a:t>	C() {}</a:t>
             </a:r>
           </a:p>
           <a:p>
             <a:r>
               <a:rPr lang="en-US" sz="2400" dirty="0">
                 <a:solidFill>
-                  <a:srgbClr val="00B0F0"/>
+                  <a:srgbClr val="00B050"/>
                 </a:solidFill>
                 <a:latin typeface="Courier New" panose="02070309020205020404" pitchFamily="49" charset="0"/>
                 <a:cs typeface="Courier New" panose="02070309020205020404" pitchFamily="49" charset="0"/>
               </a:rPr>
               <a:t>}</a:t>
             </a:r>
-            <a:endParaRPr lang="en-US" sz="2400" dirty="0">
-              <a:solidFill>
-                <a:srgbClr val="00B0F0"/>
-              </a:solidFill>
-              <a:latin typeface="Courier New" panose="02070309020205020404" pitchFamily="49" charset="0"/>
-              <a:cs typeface="Courier New" panose="02070309020205020404" pitchFamily="49" charset="0"/>
-            </a:endParaRPr>
           </a:p>
         </p:txBody>
       </p:sp>
       <p:sp>
         <p:nvSpPr>
-          <p:cNvPr id="5" name="Rectangle 4"/>
+          <p:cNvPr id="6" name="Rectangle 5"/>
           <p:cNvSpPr/>
           <p:nvPr/>
         </p:nvSpPr>
@@ -10050,17 +9711,13 @@
               </a:rPr>
               <a:t>))).</a:t>
             </a:r>
-            <a:endParaRPr lang="en-US" sz="1600" dirty="0">
-              <a:latin typeface="Courier New" panose="02070309020205020404" pitchFamily="49" charset="0"/>
-              <a:cs typeface="Courier New" panose="02070309020205020404" pitchFamily="49" charset="0"/>
-            </a:endParaRPr>
           </a:p>
         </p:txBody>
       </p:sp>
     </p:spTree>
     <p:extLst>
       <p:ext uri="{BB962C8B-B14F-4D97-AF65-F5344CB8AC3E}">
-        <p14:creationId xmlns:p14="http://schemas.microsoft.com/office/powerpoint/2010/main" val="2670855456"/>
+        <p14:creationId xmlns:p14="http://schemas.microsoft.com/office/powerpoint/2010/main" val="3983044762"/>
       </p:ext>
     </p:extLst>
   </p:cSld>
@@ -10166,352 +9823,232 @@
           <a:p>
             <a:r>
               <a:rPr lang="en-US" dirty="0"/>
-              <a:t>    (C,(</a:t>
+              <a:t>    </a:t>
+            </a:r>
+            <a:r>
+              <a:rPr lang="en-US" dirty="0">
+                <a:solidFill>
+                  <a:srgbClr val="00B050"/>
+                </a:solidFill>
+              </a:rPr>
+              <a:t>(C,(</a:t>
+            </a:r>
+            <a:r>
+              <a:rPr lang="en-US" dirty="0" err="1">
+                <a:solidFill>
+                  <a:srgbClr val="00B050"/>
+                </a:solidFill>
+              </a:rPr>
+              <a:t>Object,nil,nil</a:t>
+            </a:r>
+            <a:r>
+              <a:rPr lang="en-US" dirty="0">
+                <a:solidFill>
+                  <a:srgbClr val="00B050"/>
+                </a:solidFill>
+              </a:rPr>
+              <a:t>))</a:t>
+            </a:r>
+          </a:p>
+          <a:p>
+            <a:r>
+              <a:rPr lang="en-US" dirty="0">
+                <a:solidFill>
+                  <a:srgbClr val="00B0F0"/>
+                </a:solidFill>
+              </a:rPr>
+              <a:t>  ::(D,(</a:t>
+            </a:r>
+            <a:r>
+              <a:rPr lang="en-US" dirty="0" err="1">
+                <a:solidFill>
+                  <a:srgbClr val="00B0F0"/>
+                </a:solidFill>
+              </a:rPr>
+              <a:t>Object,nil,nil</a:t>
+            </a:r>
+            <a:r>
+              <a:rPr lang="en-US" dirty="0">
+                <a:solidFill>
+                  <a:srgbClr val="00B0F0"/>
+                </a:solidFill>
+              </a:rPr>
+              <a:t>))</a:t>
+            </a:r>
+          </a:p>
+          <a:p>
+            <a:r>
+              <a:rPr lang="en-US" dirty="0"/>
+              <a:t>  ::(Pair,(</a:t>
+            </a:r>
+          </a:p>
+          <a:p>
+            <a:r>
+              <a:rPr lang="en-US" dirty="0"/>
+              <a:t>      Object,</a:t>
+            </a:r>
+          </a:p>
+          <a:p>
+            <a:r>
+              <a:rPr lang="en-US" dirty="0"/>
+              <a:t>      ((</a:t>
             </a:r>
             <a:r>
               <a:rPr lang="en-US" dirty="0" err="1"/>
-              <a:t>Object,nil,nil</a:t>
-            </a:r>
-            <a:r>
-              <a:rPr lang="en-US" dirty="0"/>
-              <a:t>))</a:t>
-            </a:r>
-          </a:p>
-          <a:p>
-            <a:r>
-              <a:rPr lang="en-US" dirty="0"/>
-              <a:t>  ::(D,(</a:t>
+              <a:t>myFst</a:t>
+            </a:r>
+            <a:r>
+              <a:rPr lang="en-US" dirty="0"/>
+              <a:t>, Object)</a:t>
+            </a:r>
+          </a:p>
+          <a:p>
+            <a:r>
+              <a:rPr lang="en-US" dirty="0"/>
+              <a:t>          :: (</a:t>
             </a:r>
             <a:r>
               <a:rPr lang="en-US" dirty="0" err="1"/>
-              <a:t>Object,nil,nil</a:t>
-            </a:r>
-            <a:r>
-              <a:rPr lang="en-US" dirty="0"/>
-              <a:t>))</a:t>
-            </a:r>
-          </a:p>
-          <a:p>
-            <a:r>
-              <a:rPr lang="en-US" dirty="0"/>
-              <a:t>  </a:t>
-            </a:r>
-            <a:r>
-              <a:rPr lang="en-US" dirty="0">
-                <a:solidFill>
-                  <a:srgbClr val="FF0000"/>
-                </a:solidFill>
-              </a:rPr>
-              <a:t>::(Pair,(</a:t>
-            </a:r>
-          </a:p>
-          <a:p>
-            <a:r>
-              <a:rPr lang="en-US" dirty="0">
-                <a:solidFill>
-                  <a:srgbClr val="FF0000"/>
-                </a:solidFill>
-              </a:rPr>
-              <a:t>      Object,</a:t>
-            </a:r>
-          </a:p>
-          <a:p>
-            <a:r>
-              <a:rPr lang="en-US" dirty="0">
-                <a:solidFill>
-                  <a:srgbClr val="FF0000"/>
-                </a:solidFill>
-              </a:rPr>
-              <a:t>      ((</a:t>
-            </a:r>
-            <a:r>
-              <a:rPr lang="en-US" dirty="0" err="1">
-                <a:solidFill>
-                  <a:srgbClr val="FF0000"/>
-                </a:solidFill>
-              </a:rPr>
-              <a:t>myFst</a:t>
-            </a:r>
-            <a:r>
-              <a:rPr lang="en-US" dirty="0">
-                <a:solidFill>
-                  <a:srgbClr val="FF0000"/>
-                </a:solidFill>
-              </a:rPr>
+              <a:t>mySnd</a:t>
+            </a:r>
+            <a:r>
+              <a:rPr lang="en-US" dirty="0"/>
               <a:t>, Object)</a:t>
             </a:r>
           </a:p>
           <a:p>
             <a:r>
-              <a:rPr lang="en-US" dirty="0">
-                <a:solidFill>
-                  <a:srgbClr val="FF0000"/>
-                </a:solidFill>
-              </a:rPr>
-              <a:t>          :: (</a:t>
-            </a:r>
-            <a:r>
-              <a:rPr lang="en-US" dirty="0" err="1">
-                <a:solidFill>
-                  <a:srgbClr val="FF0000"/>
-                </a:solidFill>
-              </a:rPr>
+              <a:rPr lang="en-US" dirty="0"/>
+              <a:t>          ::nil),</a:t>
+            </a:r>
+          </a:p>
+          <a:p>
+            <a:r>
+              <a:rPr lang="en-US" dirty="0"/>
+              <a:t>      (</a:t>
+            </a:r>
+          </a:p>
+          <a:p>
+            <a:r>
+              <a:rPr lang="en-US" dirty="0"/>
+              <a:t>        (</a:t>
+            </a:r>
+            <a:r>
+              <a:rPr lang="en-US" dirty="0" err="1"/>
+              <a:t>setFst</a:t>
+            </a:r>
+            <a:r>
+              <a:rPr lang="en-US" dirty="0"/>
+              <a:t>,</a:t>
+            </a:r>
+          </a:p>
+          <a:p>
+            <a:r>
+              <a:rPr lang="en-US" dirty="0"/>
+              <a:t>         (</a:t>
+            </a:r>
+          </a:p>
+          <a:p>
+            <a:r>
+              <a:rPr lang="en-US" dirty="0"/>
+              <a:t>          Pair,</a:t>
+            </a:r>
+          </a:p>
+          <a:p>
+            <a:r>
+              <a:rPr lang="en-US" dirty="0"/>
+              <a:t>          (</a:t>
+            </a:r>
+            <a:r>
+              <a:rPr lang="en-US" dirty="0" err="1"/>
+              <a:t>newFst</a:t>
+            </a:r>
+            <a:r>
+              <a:rPr lang="en-US" dirty="0"/>
+              <a:t>, Object) :: nil,</a:t>
+            </a:r>
+          </a:p>
+          <a:p>
+            <a:r>
+              <a:rPr lang="en-US" dirty="0"/>
+              <a:t>          </a:t>
+            </a:r>
+            <a:r>
+              <a:rPr lang="en-US" dirty="0" err="1"/>
+              <a:t>e_new</a:t>
+            </a:r>
+            <a:r>
+              <a:rPr lang="en-US" dirty="0"/>
+              <a:t> Pair (</a:t>
+            </a:r>
+            <a:r>
+              <a:rPr lang="en-US" dirty="0" err="1"/>
+              <a:t>e_var</a:t>
+            </a:r>
+            <a:r>
+              <a:rPr lang="en-US" dirty="0"/>
+              <a:t> </a:t>
+            </a:r>
+            <a:r>
+              <a:rPr lang="en-US" dirty="0" err="1"/>
+              <a:t>newFst</a:t>
+            </a:r>
+            <a:r>
+              <a:rPr lang="en-US" dirty="0"/>
+              <a:t> :: </a:t>
+            </a:r>
+            <a:r>
+              <a:rPr lang="en-US" dirty="0" err="1"/>
+              <a:t>e_field</a:t>
+            </a:r>
+            <a:r>
+              <a:rPr lang="en-US" dirty="0"/>
+              <a:t> (</a:t>
+            </a:r>
+            <a:r>
+              <a:rPr lang="en-US" dirty="0" err="1"/>
+              <a:t>e_var</a:t>
+            </a:r>
+            <a:r>
+              <a:rPr lang="en-US" dirty="0"/>
+              <a:t> this) </a:t>
+            </a:r>
+            <a:r>
+              <a:rPr lang="en-US" dirty="0" err="1"/>
               <a:t>mySnd</a:t>
             </a:r>
             <a:r>
-              <a:rPr lang="en-US" dirty="0">
-                <a:solidFill>
-                  <a:srgbClr val="FF0000"/>
-                </a:solidFill>
-              </a:rPr>
-              <a:t>, Object)</a:t>
-            </a:r>
-          </a:p>
-          <a:p>
-            <a:r>
-              <a:rPr lang="en-US" dirty="0">
-                <a:solidFill>
-                  <a:srgbClr val="FF0000"/>
-                </a:solidFill>
-              </a:rPr>
-              <a:t>          ::nil),</a:t>
-            </a:r>
-          </a:p>
-          <a:p>
-            <a:r>
-              <a:rPr lang="en-US" dirty="0">
-                <a:solidFill>
-                  <a:srgbClr val="FF0000"/>
-                </a:solidFill>
-              </a:rPr>
-              <a:t>      (</a:t>
-            </a:r>
-          </a:p>
-          <a:p>
-            <a:r>
-              <a:rPr lang="en-US" dirty="0">
-                <a:solidFill>
-                  <a:srgbClr val="FF0000"/>
-                </a:solidFill>
-              </a:rPr>
-              <a:t>        (</a:t>
-            </a:r>
-            <a:r>
-              <a:rPr lang="en-US" dirty="0" err="1">
-                <a:solidFill>
-                  <a:srgbClr val="FF0000"/>
-                </a:solidFill>
-              </a:rPr>
-              <a:t>setFst</a:t>
-            </a:r>
-            <a:r>
-              <a:rPr lang="en-US" dirty="0">
-                <a:solidFill>
-                  <a:srgbClr val="FF0000"/>
-                </a:solidFill>
-              </a:rPr>
-              <a:t>,</a:t>
-            </a:r>
-          </a:p>
-          <a:p>
-            <a:r>
-              <a:rPr lang="en-US" dirty="0">
-                <a:solidFill>
-                  <a:srgbClr val="FF0000"/>
-                </a:solidFill>
-              </a:rPr>
-              <a:t>         (</a:t>
-            </a:r>
-          </a:p>
-          <a:p>
-            <a:r>
-              <a:rPr lang="en-US" dirty="0">
-                <a:solidFill>
-                  <a:srgbClr val="FF0000"/>
-                </a:solidFill>
-              </a:rPr>
-              <a:t>          Pair,</a:t>
-            </a:r>
-          </a:p>
-          <a:p>
-            <a:r>
-              <a:rPr lang="en-US" dirty="0">
-                <a:solidFill>
-                  <a:srgbClr val="FF0000"/>
-                </a:solidFill>
-              </a:rPr>
-              <a:t>          (</a:t>
-            </a:r>
-            <a:r>
-              <a:rPr lang="en-US" dirty="0" err="1">
-                <a:solidFill>
-                  <a:srgbClr val="FF0000"/>
-                </a:solidFill>
-              </a:rPr>
-              <a:t>newFst</a:t>
-            </a:r>
-            <a:r>
-              <a:rPr lang="en-US" dirty="0">
-                <a:solidFill>
-                  <a:srgbClr val="FF0000"/>
-                </a:solidFill>
-              </a:rPr>
-              <a:t>, Object) :: nil,</a:t>
-            </a:r>
-          </a:p>
-          <a:p>
-            <a:r>
-              <a:rPr lang="en-US" dirty="0">
-                <a:solidFill>
-                  <a:srgbClr val="FF0000"/>
-                </a:solidFill>
-              </a:rPr>
-              <a:t>          </a:t>
-            </a:r>
-            <a:r>
-              <a:rPr lang="en-US" dirty="0" err="1">
-                <a:solidFill>
-                  <a:srgbClr val="FF0000"/>
-                </a:solidFill>
-              </a:rPr>
-              <a:t>e_new</a:t>
-            </a:r>
-            <a:r>
-              <a:rPr lang="en-US" dirty="0">
-                <a:solidFill>
-                  <a:srgbClr val="FF0000"/>
-                </a:solidFill>
-              </a:rPr>
-              <a:t> Pair (</a:t>
-            </a:r>
-            <a:r>
-              <a:rPr lang="en-US" dirty="0" err="1">
-                <a:solidFill>
-                  <a:srgbClr val="FF0000"/>
-                </a:solidFill>
-              </a:rPr>
-              <a:t>e_var</a:t>
-            </a:r>
-            <a:r>
-              <a:rPr lang="en-US" dirty="0">
-                <a:solidFill>
-                  <a:srgbClr val="FF0000"/>
-                </a:solidFill>
-              </a:rPr>
-              <a:t> </a:t>
-            </a:r>
-            <a:r>
-              <a:rPr lang="en-US" dirty="0" err="1">
-                <a:solidFill>
-                  <a:srgbClr val="FF0000"/>
-                </a:solidFill>
-              </a:rPr>
-              <a:t>newFst</a:t>
-            </a:r>
-            <a:r>
-              <a:rPr lang="en-US" dirty="0">
-                <a:solidFill>
-                  <a:srgbClr val="FF0000"/>
-                </a:solidFill>
-              </a:rPr>
-              <a:t> :: </a:t>
-            </a:r>
-            <a:r>
-              <a:rPr lang="en-US" dirty="0" err="1">
-                <a:solidFill>
-                  <a:srgbClr val="FF0000"/>
-                </a:solidFill>
-              </a:rPr>
-              <a:t>e_field</a:t>
-            </a:r>
-            <a:r>
-              <a:rPr lang="en-US" dirty="0">
-                <a:solidFill>
-                  <a:srgbClr val="FF0000"/>
-                </a:solidFill>
-              </a:rPr>
-              <a:t> (</a:t>
-            </a:r>
-            <a:r>
-              <a:rPr lang="en-US" dirty="0" err="1">
-                <a:solidFill>
-                  <a:srgbClr val="FF0000"/>
-                </a:solidFill>
-              </a:rPr>
-              <a:t>e_var</a:t>
-            </a:r>
-            <a:r>
-              <a:rPr lang="en-US" dirty="0">
-                <a:solidFill>
-                  <a:srgbClr val="FF0000"/>
-                </a:solidFill>
-              </a:rPr>
-              <a:t> this) </a:t>
-            </a:r>
-            <a:r>
-              <a:rPr lang="en-US" dirty="0" err="1">
-                <a:solidFill>
-                  <a:srgbClr val="FF0000"/>
-                </a:solidFill>
-              </a:rPr>
-              <a:t>mySnd</a:t>
-            </a:r>
-            <a:r>
-              <a:rPr lang="en-US" dirty="0">
-                <a:solidFill>
-                  <a:srgbClr val="FF0000"/>
-                </a:solidFill>
-              </a:rPr>
+              <a:rPr lang="en-US" dirty="0"/>
               <a:t> :: nil)</a:t>
             </a:r>
           </a:p>
           <a:p>
             <a:r>
-              <a:rPr lang="en-US" dirty="0">
-                <a:solidFill>
-                  <a:srgbClr val="FF0000"/>
-                </a:solidFill>
-              </a:rPr>
+              <a:rPr lang="en-US" dirty="0"/>
               <a:t>         )</a:t>
             </a:r>
           </a:p>
           <a:p>
             <a:r>
-              <a:rPr lang="en-US" dirty="0">
-                <a:solidFill>
-                  <a:srgbClr val="FF0000"/>
-                </a:solidFill>
-              </a:rPr>
+              <a:rPr lang="en-US" dirty="0"/>
               <a:t>        )</a:t>
             </a:r>
           </a:p>
           <a:p>
             <a:r>
-              <a:rPr lang="en-US" dirty="0">
-                <a:solidFill>
-                  <a:srgbClr val="FF0000"/>
-                </a:solidFill>
-              </a:rPr>
+              <a:rPr lang="en-US" dirty="0"/>
               <a:t>        :: nil </a:t>
             </a:r>
           </a:p>
           <a:p>
             <a:r>
-              <a:rPr lang="en-US" dirty="0">
-                <a:solidFill>
-                  <a:srgbClr val="FF0000"/>
-                </a:solidFill>
-              </a:rPr>
+              <a:rPr lang="en-US" dirty="0"/>
               <a:t>      )</a:t>
             </a:r>
           </a:p>
           <a:p>
             <a:r>
-              <a:rPr lang="en-US" dirty="0">
-                <a:solidFill>
-                  <a:srgbClr val="FF0000"/>
-                </a:solidFill>
-              </a:rPr>
+              <a:rPr lang="en-US" dirty="0"/>
               <a:t>    ))</a:t>
             </a:r>
           </a:p>
@@ -10520,7 +10057,6 @@
               <a:rPr lang="en-US" dirty="0"/>
               <a:t>  :: nil).</a:t>
             </a:r>
-            <a:endParaRPr lang="en-US" dirty="0"/>
           </a:p>
         </p:txBody>
       </p:sp>
@@ -10532,408 +10068,53 @@
         </p:nvSpPr>
         <p:spPr>
           <a:xfrm>
-            <a:off x="3171825" y="1290935"/>
-            <a:ext cx="6543675" cy="3108543"/>
+            <a:off x="4076700" y="1662410"/>
+            <a:ext cx="4572000" cy="1200329"/>
           </a:xfrm>
           <a:prstGeom prst="rect">
             <a:avLst/>
           </a:prstGeom>
         </p:spPr>
         <p:txBody>
-          <a:bodyPr wrap="square">
+          <a:bodyPr>
             <a:spAutoFit/>
           </a:bodyPr>
           <a:lstStyle/>
           <a:p>
             <a:r>
-              <a:rPr lang="en-US" sz="1600" dirty="0">
-                <a:solidFill>
-                  <a:srgbClr val="FF0000"/>
-                </a:solidFill>
-                <a:latin typeface="Courier New" panose="02070309020205020404" pitchFamily="49" charset="0"/>
-                <a:cs typeface="Courier New" panose="02070309020205020404" pitchFamily="49" charset="0"/>
-              </a:rPr>
-              <a:t>class Pair extends Object {</a:t>
-            </a:r>
-          </a:p>
-          <a:p>
-            <a:r>
-              <a:rPr lang="en-US" sz="1600" dirty="0">
-                <a:solidFill>
-                  <a:srgbClr val="FF0000"/>
-                </a:solidFill>
-                <a:latin typeface="Courier New" panose="02070309020205020404" pitchFamily="49" charset="0"/>
-                <a:cs typeface="Courier New" panose="02070309020205020404" pitchFamily="49" charset="0"/>
-              </a:rPr>
-              <a:t>	Object </a:t>
-            </a:r>
-            <a:r>
-              <a:rPr lang="en-US" sz="1600" dirty="0" err="1">
-                <a:solidFill>
-                  <a:srgbClr val="FF0000"/>
-                </a:solidFill>
-                <a:latin typeface="Courier New" panose="02070309020205020404" pitchFamily="49" charset="0"/>
-                <a:cs typeface="Courier New" panose="02070309020205020404" pitchFamily="49" charset="0"/>
-              </a:rPr>
-              <a:t>myFst</a:t>
-            </a:r>
-            <a:r>
-              <a:rPr lang="en-US" sz="1600" dirty="0">
-                <a:solidFill>
-                  <a:srgbClr val="FF0000"/>
-                </a:solidFill>
-                <a:latin typeface="Courier New" panose="02070309020205020404" pitchFamily="49" charset="0"/>
-                <a:cs typeface="Courier New" panose="02070309020205020404" pitchFamily="49" charset="0"/>
-              </a:rPr>
-              <a:t>;</a:t>
-            </a:r>
-          </a:p>
-          <a:p>
-            <a:r>
-              <a:rPr lang="en-US" sz="1600" dirty="0">
-                <a:solidFill>
-                  <a:srgbClr val="FF0000"/>
-                </a:solidFill>
-                <a:latin typeface="Courier New" panose="02070309020205020404" pitchFamily="49" charset="0"/>
-                <a:cs typeface="Courier New" panose="02070309020205020404" pitchFamily="49" charset="0"/>
-              </a:rPr>
-              <a:t>	Object </a:t>
-            </a:r>
-            <a:r>
-              <a:rPr lang="en-US" sz="1600" dirty="0" err="1">
-                <a:solidFill>
-                  <a:srgbClr val="FF0000"/>
-                </a:solidFill>
-                <a:latin typeface="Courier New" panose="02070309020205020404" pitchFamily="49" charset="0"/>
-                <a:cs typeface="Courier New" panose="02070309020205020404" pitchFamily="49" charset="0"/>
-              </a:rPr>
-              <a:t>mySnd</a:t>
-            </a:r>
-            <a:r>
-              <a:rPr lang="en-US" sz="1600" dirty="0">
-                <a:solidFill>
-                  <a:srgbClr val="FF0000"/>
-                </a:solidFill>
-                <a:latin typeface="Courier New" panose="02070309020205020404" pitchFamily="49" charset="0"/>
-                <a:cs typeface="Courier New" panose="02070309020205020404" pitchFamily="49" charset="0"/>
-              </a:rPr>
-              <a:t>;</a:t>
-            </a:r>
-          </a:p>
-          <a:p>
-            <a:r>
-              <a:rPr lang="en-US" sz="1600" dirty="0">
-                <a:solidFill>
-                  <a:srgbClr val="FF0000"/>
-                </a:solidFill>
-                <a:latin typeface="Courier New" panose="02070309020205020404" pitchFamily="49" charset="0"/>
-                <a:cs typeface="Courier New" panose="02070309020205020404" pitchFamily="49" charset="0"/>
-              </a:rPr>
-              <a:t>	Pair(Object </a:t>
-            </a:r>
-            <a:r>
-              <a:rPr lang="en-US" sz="1600" dirty="0" err="1">
-                <a:solidFill>
-                  <a:srgbClr val="FF0000"/>
-                </a:solidFill>
-                <a:latin typeface="Courier New" panose="02070309020205020404" pitchFamily="49" charset="0"/>
-                <a:cs typeface="Courier New" panose="02070309020205020404" pitchFamily="49" charset="0"/>
-              </a:rPr>
-              <a:t>myFst</a:t>
-            </a:r>
-            <a:r>
-              <a:rPr lang="en-US" sz="1600" dirty="0">
-                <a:solidFill>
-                  <a:srgbClr val="FF0000"/>
-                </a:solidFill>
-                <a:latin typeface="Courier New" panose="02070309020205020404" pitchFamily="49" charset="0"/>
-                <a:cs typeface="Courier New" panose="02070309020205020404" pitchFamily="49" charset="0"/>
-              </a:rPr>
-              <a:t>, Object </a:t>
-            </a:r>
-            <a:r>
-              <a:rPr lang="en-US" sz="1600" dirty="0" err="1">
-                <a:solidFill>
-                  <a:srgbClr val="FF0000"/>
-                </a:solidFill>
-                <a:latin typeface="Courier New" panose="02070309020205020404" pitchFamily="49" charset="0"/>
-                <a:cs typeface="Courier New" panose="02070309020205020404" pitchFamily="49" charset="0"/>
-              </a:rPr>
-              <a:t>mySnd</a:t>
-            </a:r>
-            <a:r>
-              <a:rPr lang="en-US" sz="1600" dirty="0">
-                <a:solidFill>
-                  <a:srgbClr val="FF0000"/>
-                </a:solidFill>
-                <a:latin typeface="Courier New" panose="02070309020205020404" pitchFamily="49" charset="0"/>
-                <a:cs typeface="Courier New" panose="02070309020205020404" pitchFamily="49" charset="0"/>
-              </a:rPr>
-              <a:t>) {</a:t>
-            </a:r>
-          </a:p>
-          <a:p>
-            <a:r>
-              <a:rPr lang="en-US" sz="1600" dirty="0">
-                <a:solidFill>
-                  <a:srgbClr val="FF0000"/>
-                </a:solidFill>
-                <a:latin typeface="Courier New" panose="02070309020205020404" pitchFamily="49" charset="0"/>
-                <a:cs typeface="Courier New" panose="02070309020205020404" pitchFamily="49" charset="0"/>
-              </a:rPr>
-              <a:t>		super();</a:t>
-            </a:r>
-          </a:p>
-          <a:p>
-            <a:r>
-              <a:rPr lang="en-US" sz="1600" dirty="0">
-                <a:solidFill>
-                  <a:srgbClr val="FF0000"/>
-                </a:solidFill>
-                <a:latin typeface="Courier New" panose="02070309020205020404" pitchFamily="49" charset="0"/>
-                <a:cs typeface="Courier New" panose="02070309020205020404" pitchFamily="49" charset="0"/>
-              </a:rPr>
-              <a:t>		</a:t>
-            </a:r>
-            <a:r>
-              <a:rPr lang="en-US" sz="1600" dirty="0" err="1">
-                <a:solidFill>
-                  <a:srgbClr val="FF0000"/>
-                </a:solidFill>
-                <a:latin typeface="Courier New" panose="02070309020205020404" pitchFamily="49" charset="0"/>
-                <a:cs typeface="Courier New" panose="02070309020205020404" pitchFamily="49" charset="0"/>
-              </a:rPr>
-              <a:t>this.myFst</a:t>
-            </a:r>
-            <a:r>
-              <a:rPr lang="en-US" sz="1600" dirty="0">
-                <a:solidFill>
-                  <a:srgbClr val="FF0000"/>
-                </a:solidFill>
-                <a:latin typeface="Courier New" panose="02070309020205020404" pitchFamily="49" charset="0"/>
-                <a:cs typeface="Courier New" panose="02070309020205020404" pitchFamily="49" charset="0"/>
-              </a:rPr>
-              <a:t> = </a:t>
-            </a:r>
-            <a:r>
-              <a:rPr lang="en-US" sz="1600" dirty="0" err="1">
-                <a:solidFill>
-                  <a:srgbClr val="FF0000"/>
-                </a:solidFill>
-                <a:latin typeface="Courier New" panose="02070309020205020404" pitchFamily="49" charset="0"/>
-                <a:cs typeface="Courier New" panose="02070309020205020404" pitchFamily="49" charset="0"/>
-              </a:rPr>
-              <a:t>myFst</a:t>
-            </a:r>
-            <a:r>
-              <a:rPr lang="en-US" sz="1600" dirty="0">
-                <a:solidFill>
-                  <a:srgbClr val="FF0000"/>
-                </a:solidFill>
-                <a:latin typeface="Courier New" panose="02070309020205020404" pitchFamily="49" charset="0"/>
-                <a:cs typeface="Courier New" panose="02070309020205020404" pitchFamily="49" charset="0"/>
-              </a:rPr>
-              <a:t>;</a:t>
-            </a:r>
-          </a:p>
-          <a:p>
-            <a:r>
-              <a:rPr lang="en-US" sz="1600" dirty="0">
-                <a:solidFill>
-                  <a:srgbClr val="FF0000"/>
-                </a:solidFill>
-                <a:latin typeface="Courier New" panose="02070309020205020404" pitchFamily="49" charset="0"/>
-                <a:cs typeface="Courier New" panose="02070309020205020404" pitchFamily="49" charset="0"/>
-              </a:rPr>
-              <a:t>		</a:t>
-            </a:r>
-            <a:r>
-              <a:rPr lang="en-US" sz="1600" dirty="0" err="1">
-                <a:solidFill>
-                  <a:srgbClr val="FF0000"/>
-                </a:solidFill>
-                <a:latin typeface="Courier New" panose="02070309020205020404" pitchFamily="49" charset="0"/>
-                <a:cs typeface="Courier New" panose="02070309020205020404" pitchFamily="49" charset="0"/>
-              </a:rPr>
-              <a:t>this.mySnd</a:t>
-            </a:r>
-            <a:r>
-              <a:rPr lang="en-US" sz="1600" dirty="0">
-                <a:solidFill>
-                  <a:srgbClr val="FF0000"/>
-                </a:solidFill>
-                <a:latin typeface="Courier New" panose="02070309020205020404" pitchFamily="49" charset="0"/>
-                <a:cs typeface="Courier New" panose="02070309020205020404" pitchFamily="49" charset="0"/>
-              </a:rPr>
-              <a:t> = </a:t>
-            </a:r>
-            <a:r>
-              <a:rPr lang="en-US" sz="1600" dirty="0" err="1">
-                <a:solidFill>
-                  <a:srgbClr val="FF0000"/>
-                </a:solidFill>
-                <a:latin typeface="Courier New" panose="02070309020205020404" pitchFamily="49" charset="0"/>
-                <a:cs typeface="Courier New" panose="02070309020205020404" pitchFamily="49" charset="0"/>
-              </a:rPr>
-              <a:t>mySnd</a:t>
-            </a:r>
-            <a:r>
-              <a:rPr lang="en-US" sz="1600" dirty="0">
-                <a:solidFill>
-                  <a:srgbClr val="FF0000"/>
-                </a:solidFill>
-                <a:latin typeface="Courier New" panose="02070309020205020404" pitchFamily="49" charset="0"/>
-                <a:cs typeface="Courier New" panose="02070309020205020404" pitchFamily="49" charset="0"/>
-              </a:rPr>
-              <a:t>;</a:t>
-            </a:r>
-          </a:p>
-          <a:p>
-            <a:r>
-              <a:rPr lang="en-US" sz="1600" dirty="0">
-                <a:solidFill>
-                  <a:srgbClr val="FF0000"/>
-                </a:solidFill>
-                <a:latin typeface="Courier New" panose="02070309020205020404" pitchFamily="49" charset="0"/>
-                <a:cs typeface="Courier New" panose="02070309020205020404" pitchFamily="49" charset="0"/>
-              </a:rPr>
-              <a:t>	}</a:t>
-            </a:r>
-          </a:p>
-          <a:p>
-            <a:r>
-              <a:rPr lang="en-US" sz="1600" dirty="0">
-                <a:solidFill>
-                  <a:srgbClr val="FF0000"/>
-                </a:solidFill>
-                <a:latin typeface="Courier New" panose="02070309020205020404" pitchFamily="49" charset="0"/>
-                <a:cs typeface="Courier New" panose="02070309020205020404" pitchFamily="49" charset="0"/>
-              </a:rPr>
-              <a:t>	Pair </a:t>
-            </a:r>
-            <a:r>
-              <a:rPr lang="en-US" sz="1600" dirty="0" err="1">
-                <a:solidFill>
-                  <a:srgbClr val="FF0000"/>
-                </a:solidFill>
-                <a:latin typeface="Courier New" panose="02070309020205020404" pitchFamily="49" charset="0"/>
-                <a:cs typeface="Courier New" panose="02070309020205020404" pitchFamily="49" charset="0"/>
-              </a:rPr>
-              <a:t>setFst</a:t>
-            </a:r>
-            <a:r>
-              <a:rPr lang="en-US" sz="1600" dirty="0">
-                <a:solidFill>
-                  <a:srgbClr val="FF0000"/>
-                </a:solidFill>
-                <a:latin typeface="Courier New" panose="02070309020205020404" pitchFamily="49" charset="0"/>
-                <a:cs typeface="Courier New" panose="02070309020205020404" pitchFamily="49" charset="0"/>
-              </a:rPr>
-              <a:t>(Object </a:t>
-            </a:r>
-            <a:r>
-              <a:rPr lang="en-US" sz="1600" dirty="0" err="1">
-                <a:solidFill>
-                  <a:srgbClr val="FF0000"/>
-                </a:solidFill>
-                <a:latin typeface="Courier New" panose="02070309020205020404" pitchFamily="49" charset="0"/>
-                <a:cs typeface="Courier New" panose="02070309020205020404" pitchFamily="49" charset="0"/>
-              </a:rPr>
-              <a:t>newFst</a:t>
-            </a:r>
-            <a:r>
-              <a:rPr lang="en-US" sz="1600" dirty="0">
-                <a:solidFill>
-                  <a:srgbClr val="FF0000"/>
-                </a:solidFill>
-                <a:latin typeface="Courier New" panose="02070309020205020404" pitchFamily="49" charset="0"/>
-                <a:cs typeface="Courier New" panose="02070309020205020404" pitchFamily="49" charset="0"/>
-              </a:rPr>
-              <a:t>) {</a:t>
-            </a:r>
-          </a:p>
-          <a:p>
-            <a:r>
-              <a:rPr lang="en-US" sz="1600" dirty="0">
-                <a:solidFill>
-                  <a:srgbClr val="FF0000"/>
-                </a:solidFill>
-                <a:latin typeface="Courier New" panose="02070309020205020404" pitchFamily="49" charset="0"/>
-                <a:cs typeface="Courier New" panose="02070309020205020404" pitchFamily="49" charset="0"/>
-              </a:rPr>
-              <a:t>		return new Pair(</a:t>
-            </a:r>
-            <a:r>
-              <a:rPr lang="en-US" sz="1600" dirty="0" err="1">
-                <a:solidFill>
-                  <a:srgbClr val="FF0000"/>
-                </a:solidFill>
-                <a:latin typeface="Courier New" panose="02070309020205020404" pitchFamily="49" charset="0"/>
-                <a:cs typeface="Courier New" panose="02070309020205020404" pitchFamily="49" charset="0"/>
-              </a:rPr>
-              <a:t>newFst</a:t>
-            </a:r>
-            <a:r>
-              <a:rPr lang="en-US" sz="1600" dirty="0">
-                <a:solidFill>
-                  <a:srgbClr val="FF0000"/>
-                </a:solidFill>
-                <a:latin typeface="Courier New" panose="02070309020205020404" pitchFamily="49" charset="0"/>
-                <a:cs typeface="Courier New" panose="02070309020205020404" pitchFamily="49" charset="0"/>
-              </a:rPr>
-              <a:t>, </a:t>
-            </a:r>
-            <a:r>
-              <a:rPr lang="en-US" sz="1600" dirty="0" err="1">
-                <a:solidFill>
-                  <a:srgbClr val="FF0000"/>
-                </a:solidFill>
-                <a:latin typeface="Courier New" panose="02070309020205020404" pitchFamily="49" charset="0"/>
-                <a:cs typeface="Courier New" panose="02070309020205020404" pitchFamily="49" charset="0"/>
-              </a:rPr>
-              <a:t>this.mySnd</a:t>
-            </a:r>
-            <a:r>
-              <a:rPr lang="en-US" sz="1600" dirty="0">
-                <a:solidFill>
-                  <a:srgbClr val="FF0000"/>
-                </a:solidFill>
-                <a:latin typeface="Courier New" panose="02070309020205020404" pitchFamily="49" charset="0"/>
-                <a:cs typeface="Courier New" panose="02070309020205020404" pitchFamily="49" charset="0"/>
-              </a:rPr>
-              <a:t>);</a:t>
-            </a:r>
-          </a:p>
-          <a:p>
-            <a:r>
-              <a:rPr lang="en-US" sz="1600" dirty="0">
-                <a:solidFill>
-                  <a:srgbClr val="FF0000"/>
-                </a:solidFill>
-                <a:latin typeface="Courier New" panose="02070309020205020404" pitchFamily="49" charset="0"/>
-                <a:cs typeface="Courier New" panose="02070309020205020404" pitchFamily="49" charset="0"/>
-              </a:rPr>
-              <a:t>	}</a:t>
-            </a:r>
-          </a:p>
-          <a:p>
-            <a:r>
-              <a:rPr lang="en-US" sz="1600" dirty="0">
-                <a:solidFill>
-                  <a:srgbClr val="FF0000"/>
+              <a:rPr lang="en-US" sz="2400" dirty="0">
+                <a:solidFill>
+                  <a:srgbClr val="00B0F0"/>
+                </a:solidFill>
+                <a:latin typeface="Courier New" panose="02070309020205020404" pitchFamily="49" charset="0"/>
+                <a:cs typeface="Courier New" panose="02070309020205020404" pitchFamily="49" charset="0"/>
+              </a:rPr>
+              <a:t>class D extends Object {</a:t>
+            </a:r>
+          </a:p>
+          <a:p>
+            <a:r>
+              <a:rPr lang="en-US" sz="2400" dirty="0">
+                <a:solidFill>
+                  <a:srgbClr val="00B0F0"/>
+                </a:solidFill>
+                <a:latin typeface="Courier New" panose="02070309020205020404" pitchFamily="49" charset="0"/>
+                <a:cs typeface="Courier New" panose="02070309020205020404" pitchFamily="49" charset="0"/>
+              </a:rPr>
+              <a:t>	D() {}</a:t>
+            </a:r>
+          </a:p>
+          <a:p>
+            <a:r>
+              <a:rPr lang="en-US" sz="2400" dirty="0">
+                <a:solidFill>
+                  <a:srgbClr val="00B0F0"/>
                 </a:solidFill>
                 <a:latin typeface="Courier New" panose="02070309020205020404" pitchFamily="49" charset="0"/>
                 <a:cs typeface="Courier New" panose="02070309020205020404" pitchFamily="49" charset="0"/>
               </a:rPr>
               <a:t>}</a:t>
             </a:r>
-            <a:endParaRPr lang="en-US" sz="1600" dirty="0">
-              <a:solidFill>
-                <a:srgbClr val="FF0000"/>
-              </a:solidFill>
-              <a:latin typeface="Courier New" panose="02070309020205020404" pitchFamily="49" charset="0"/>
-              <a:cs typeface="Courier New" panose="02070309020205020404" pitchFamily="49" charset="0"/>
-            </a:endParaRPr>
           </a:p>
         </p:txBody>
       </p:sp>
@@ -11035,17 +10216,13 @@
               </a:rPr>
               <a:t>))).</a:t>
             </a:r>
-            <a:endParaRPr lang="en-US" sz="1600" dirty="0">
-              <a:latin typeface="Courier New" panose="02070309020205020404" pitchFamily="49" charset="0"/>
-              <a:cs typeface="Courier New" panose="02070309020205020404" pitchFamily="49" charset="0"/>
-            </a:endParaRPr>
           </a:p>
         </p:txBody>
       </p:sp>
     </p:spTree>
     <p:extLst>
       <p:ext uri="{BB962C8B-B14F-4D97-AF65-F5344CB8AC3E}">
-        <p14:creationId xmlns:p14="http://schemas.microsoft.com/office/powerpoint/2010/main" val="1838516423"/>
+        <p14:creationId xmlns:p14="http://schemas.microsoft.com/office/powerpoint/2010/main" val="2670855456"/>
       </p:ext>
     </p:extLst>
   </p:cSld>
@@ -11197,15 +10374,7 @@
                   <a:srgbClr val="FF0000"/>
                 </a:solidFill>
               </a:rPr>
-              <a:t>      </a:t>
-            </a:r>
-            <a:r>
-              <a:rPr lang="en-US" dirty="0">
-                <a:solidFill>
-                  <a:srgbClr val="7030A0"/>
-                </a:solidFill>
-              </a:rPr>
-              <a:t>Object,</a:t>
+              <a:t>      Object,</a:t>
             </a:r>
           </a:p>
           <a:p>
@@ -11513,7 +10682,6 @@
               <a:rPr lang="en-US" dirty="0"/>
               <a:t>  :: nil).</a:t>
             </a:r>
-            <a:endParaRPr lang="en-US" dirty="0"/>
           </a:p>
         </p:txBody>
       </p:sp>
@@ -11546,17 +10714,29 @@
                 <a:latin typeface="Courier New" panose="02070309020205020404" pitchFamily="49" charset="0"/>
                 <a:cs typeface="Courier New" panose="02070309020205020404" pitchFamily="49" charset="0"/>
               </a:rPr>
-              <a:t>class Pair </a:t>
-            </a:r>
+              <a:t>class Pair extends Object {</a:t>
+            </a:r>
+          </a:p>
+          <a:p>
             <a:r>
               <a:rPr lang="en-US" sz="1600" dirty="0">
                 <a:solidFill>
-                  <a:srgbClr val="7030A0"/>
-                </a:solidFill>
-                <a:latin typeface="Courier New" panose="02070309020205020404" pitchFamily="49" charset="0"/>
-                <a:cs typeface="Courier New" panose="02070309020205020404" pitchFamily="49" charset="0"/>
-              </a:rPr>
-              <a:t>extends Object </a:t>
+                  <a:srgbClr val="FF0000"/>
+                </a:solidFill>
+                <a:latin typeface="Courier New" panose="02070309020205020404" pitchFamily="49" charset="0"/>
+                <a:cs typeface="Courier New" panose="02070309020205020404" pitchFamily="49" charset="0"/>
+              </a:rPr>
+              <a:t>	Object </a:t>
+            </a:r>
+            <a:r>
+              <a:rPr lang="en-US" sz="1600" dirty="0" err="1">
+                <a:solidFill>
+                  <a:srgbClr val="FF0000"/>
+                </a:solidFill>
+                <a:latin typeface="Courier New" panose="02070309020205020404" pitchFamily="49" charset="0"/>
+                <a:cs typeface="Courier New" panose="02070309020205020404" pitchFamily="49" charset="0"/>
+              </a:rPr>
+              <a:t>myFst</a:t>
             </a:r>
             <a:r>
               <a:rPr lang="en-US" sz="1600" dirty="0">
@@ -11566,7 +10746,7 @@
                 <a:latin typeface="Courier New" panose="02070309020205020404" pitchFamily="49" charset="0"/>
                 <a:cs typeface="Courier New" panose="02070309020205020404" pitchFamily="49" charset="0"/>
               </a:rPr>
-              <a:t>{</a:t>
+              <a:t>;</a:t>
             </a:r>
           </a:p>
           <a:p>
@@ -11588,6 +10768,38 @@
                 <a:latin typeface="Courier New" panose="02070309020205020404" pitchFamily="49" charset="0"/>
                 <a:cs typeface="Courier New" panose="02070309020205020404" pitchFamily="49" charset="0"/>
               </a:rPr>
+              <a:t>mySnd</a:t>
+            </a:r>
+            <a:r>
+              <a:rPr lang="en-US" sz="1600" dirty="0">
+                <a:solidFill>
+                  <a:srgbClr val="FF0000"/>
+                </a:solidFill>
+                <a:latin typeface="Courier New" panose="02070309020205020404" pitchFamily="49" charset="0"/>
+                <a:cs typeface="Courier New" panose="02070309020205020404" pitchFamily="49" charset="0"/>
+              </a:rPr>
+              <a:t>;</a:t>
+            </a:r>
+          </a:p>
+          <a:p>
+            <a:r>
+              <a:rPr lang="en-US" sz="1600" dirty="0">
+                <a:solidFill>
+                  <a:srgbClr val="FF0000"/>
+                </a:solidFill>
+                <a:latin typeface="Courier New" panose="02070309020205020404" pitchFamily="49" charset="0"/>
+                <a:cs typeface="Courier New" panose="02070309020205020404" pitchFamily="49" charset="0"/>
+              </a:rPr>
+              <a:t>	Pair(Object </a:t>
+            </a:r>
+            <a:r>
+              <a:rPr lang="en-US" sz="1600" dirty="0" err="1">
+                <a:solidFill>
+                  <a:srgbClr val="FF0000"/>
+                </a:solidFill>
+                <a:latin typeface="Courier New" panose="02070309020205020404" pitchFamily="49" charset="0"/>
+                <a:cs typeface="Courier New" panose="02070309020205020404" pitchFamily="49" charset="0"/>
+              </a:rPr>
               <a:t>myFst</a:t>
             </a:r>
             <a:r>
@@ -11598,6 +10810,90 @@
                 <a:latin typeface="Courier New" panose="02070309020205020404" pitchFamily="49" charset="0"/>
                 <a:cs typeface="Courier New" panose="02070309020205020404" pitchFamily="49" charset="0"/>
               </a:rPr>
+              <a:t>, Object </a:t>
+            </a:r>
+            <a:r>
+              <a:rPr lang="en-US" sz="1600" dirty="0" err="1">
+                <a:solidFill>
+                  <a:srgbClr val="FF0000"/>
+                </a:solidFill>
+                <a:latin typeface="Courier New" panose="02070309020205020404" pitchFamily="49" charset="0"/>
+                <a:cs typeface="Courier New" panose="02070309020205020404" pitchFamily="49" charset="0"/>
+              </a:rPr>
+              <a:t>mySnd</a:t>
+            </a:r>
+            <a:r>
+              <a:rPr lang="en-US" sz="1600" dirty="0">
+                <a:solidFill>
+                  <a:srgbClr val="FF0000"/>
+                </a:solidFill>
+                <a:latin typeface="Courier New" panose="02070309020205020404" pitchFamily="49" charset="0"/>
+                <a:cs typeface="Courier New" panose="02070309020205020404" pitchFamily="49" charset="0"/>
+              </a:rPr>
+              <a:t>) {</a:t>
+            </a:r>
+          </a:p>
+          <a:p>
+            <a:r>
+              <a:rPr lang="en-US" sz="1600" dirty="0">
+                <a:solidFill>
+                  <a:srgbClr val="FF0000"/>
+                </a:solidFill>
+                <a:latin typeface="Courier New" panose="02070309020205020404" pitchFamily="49" charset="0"/>
+                <a:cs typeface="Courier New" panose="02070309020205020404" pitchFamily="49" charset="0"/>
+              </a:rPr>
+              <a:t>		super();</a:t>
+            </a:r>
+          </a:p>
+          <a:p>
+            <a:r>
+              <a:rPr lang="en-US" sz="1600" dirty="0">
+                <a:solidFill>
+                  <a:srgbClr val="FF0000"/>
+                </a:solidFill>
+                <a:latin typeface="Courier New" panose="02070309020205020404" pitchFamily="49" charset="0"/>
+                <a:cs typeface="Courier New" panose="02070309020205020404" pitchFamily="49" charset="0"/>
+              </a:rPr>
+              <a:t>		</a:t>
+            </a:r>
+            <a:r>
+              <a:rPr lang="en-US" sz="1600" dirty="0" err="1">
+                <a:solidFill>
+                  <a:srgbClr val="FF0000"/>
+                </a:solidFill>
+                <a:latin typeface="Courier New" panose="02070309020205020404" pitchFamily="49" charset="0"/>
+                <a:cs typeface="Courier New" panose="02070309020205020404" pitchFamily="49" charset="0"/>
+              </a:rPr>
+              <a:t>this.myFst</a:t>
+            </a:r>
+            <a:r>
+              <a:rPr lang="en-US" sz="1600" dirty="0">
+                <a:solidFill>
+                  <a:srgbClr val="FF0000"/>
+                </a:solidFill>
+                <a:latin typeface="Courier New" panose="02070309020205020404" pitchFamily="49" charset="0"/>
+                <a:cs typeface="Courier New" panose="02070309020205020404" pitchFamily="49" charset="0"/>
+              </a:rPr>
+              <a:t> = </a:t>
+            </a:r>
+            <a:r>
+              <a:rPr lang="en-US" sz="1600" dirty="0" err="1">
+                <a:solidFill>
+                  <a:srgbClr val="FF0000"/>
+                </a:solidFill>
+                <a:latin typeface="Courier New" panose="02070309020205020404" pitchFamily="49" charset="0"/>
+                <a:cs typeface="Courier New" panose="02070309020205020404" pitchFamily="49" charset="0"/>
+              </a:rPr>
+              <a:t>myFst</a:t>
+            </a:r>
+            <a:r>
+              <a:rPr lang="en-US" sz="1600" dirty="0">
+                <a:solidFill>
+                  <a:srgbClr val="FF0000"/>
+                </a:solidFill>
+                <a:latin typeface="Courier New" panose="02070309020205020404" pitchFamily="49" charset="0"/>
+                <a:cs typeface="Courier New" panose="02070309020205020404" pitchFamily="49" charset="0"/>
+              </a:rPr>
               <a:t>;</a:t>
             </a:r>
           </a:p>
@@ -11610,7 +10906,7 @@
                 <a:latin typeface="Courier New" panose="02070309020205020404" pitchFamily="49" charset="0"/>
                 <a:cs typeface="Courier New" panose="02070309020205020404" pitchFamily="49" charset="0"/>
               </a:rPr>
-              <a:t>	Object </a:t>
+              <a:t>		</a:t>
             </a:r>
             <a:r>
               <a:rPr lang="en-US" sz="1600" dirty="0" err="1">
@@ -11620,6 +10916,26 @@
                 <a:latin typeface="Courier New" panose="02070309020205020404" pitchFamily="49" charset="0"/>
                 <a:cs typeface="Courier New" panose="02070309020205020404" pitchFamily="49" charset="0"/>
               </a:rPr>
+              <a:t>this.mySnd</a:t>
+            </a:r>
+            <a:r>
+              <a:rPr lang="en-US" sz="1600" dirty="0">
+                <a:solidFill>
+                  <a:srgbClr val="FF0000"/>
+                </a:solidFill>
+                <a:latin typeface="Courier New" panose="02070309020205020404" pitchFamily="49" charset="0"/>
+                <a:cs typeface="Courier New" panose="02070309020205020404" pitchFamily="49" charset="0"/>
+              </a:rPr>
+              <a:t> = </a:t>
+            </a:r>
+            <a:r>
+              <a:rPr lang="en-US" sz="1600" dirty="0" err="1">
+                <a:solidFill>
+                  <a:srgbClr val="FF0000"/>
+                </a:solidFill>
+                <a:latin typeface="Courier New" panose="02070309020205020404" pitchFamily="49" charset="0"/>
+                <a:cs typeface="Courier New" panose="02070309020205020404" pitchFamily="49" charset="0"/>
+              </a:rPr>
               <a:t>mySnd</a:t>
             </a:r>
             <a:r>
@@ -11642,7 +10958,19 @@
                 <a:latin typeface="Courier New" panose="02070309020205020404" pitchFamily="49" charset="0"/>
                 <a:cs typeface="Courier New" panose="02070309020205020404" pitchFamily="49" charset="0"/>
               </a:rPr>
-              <a:t>	Pair(Object </a:t>
+              <a:t>	}</a:t>
+            </a:r>
+          </a:p>
+          <a:p>
+            <a:r>
+              <a:rPr lang="en-US" sz="1600" dirty="0">
+                <a:solidFill>
+                  <a:srgbClr val="FF0000"/>
+                </a:solidFill>
+                <a:latin typeface="Courier New" panose="02070309020205020404" pitchFamily="49" charset="0"/>
+                <a:cs typeface="Courier New" panose="02070309020205020404" pitchFamily="49" charset="0"/>
+              </a:rPr>
+              <a:t>	Pair </a:t>
             </a:r>
             <a:r>
               <a:rPr lang="en-US" sz="1600" dirty="0" err="1">
@@ -11652,7 +10980,7 @@
                 <a:latin typeface="Courier New" panose="02070309020205020404" pitchFamily="49" charset="0"/>
                 <a:cs typeface="Courier New" panose="02070309020205020404" pitchFamily="49" charset="0"/>
               </a:rPr>
-              <a:t>myFst</a:t>
+              <a:t>setFst</a:t>
             </a:r>
             <a:r>
               <a:rPr lang="en-US" sz="1600" dirty="0">
@@ -11662,7 +10990,7 @@
                 <a:latin typeface="Courier New" panose="02070309020205020404" pitchFamily="49" charset="0"/>
                 <a:cs typeface="Courier New" panose="02070309020205020404" pitchFamily="49" charset="0"/>
               </a:rPr>
-              <a:t>, Object </a:t>
+              <a:t>(Object </a:t>
             </a:r>
             <a:r>
               <a:rPr lang="en-US" sz="1600" dirty="0" err="1">
@@ -11672,7 +11000,7 @@
                 <a:latin typeface="Courier New" panose="02070309020205020404" pitchFamily="49" charset="0"/>
                 <a:cs typeface="Courier New" panose="02070309020205020404" pitchFamily="49" charset="0"/>
               </a:rPr>
-              <a:t>mySnd</a:t>
+              <a:t>newFst</a:t>
             </a:r>
             <a:r>
               <a:rPr lang="en-US" sz="1600" dirty="0">
@@ -11694,10 +11022,18 @@
                 <a:latin typeface="Courier New" panose="02070309020205020404" pitchFamily="49" charset="0"/>
                 <a:cs typeface="Courier New" panose="02070309020205020404" pitchFamily="49" charset="0"/>
               </a:rPr>
-              <a:t>		super();</a:t>
-            </a:r>
-          </a:p>
-          <a:p>
+              <a:t>		return new Pair(</a:t>
+            </a:r>
+            <a:r>
+              <a:rPr lang="en-US" sz="1600" dirty="0" err="1">
+                <a:solidFill>
+                  <a:srgbClr val="FF0000"/>
+                </a:solidFill>
+                <a:latin typeface="Courier New" panose="02070309020205020404" pitchFamily="49" charset="0"/>
+                <a:cs typeface="Courier New" panose="02070309020205020404" pitchFamily="49" charset="0"/>
+              </a:rPr>
+              <a:t>newFst</a:t>
+            </a:r>
             <a:r>
               <a:rPr lang="en-US" sz="1600" dirty="0">
                 <a:solidFill>
@@ -11706,7 +11042,7 @@
                 <a:latin typeface="Courier New" panose="02070309020205020404" pitchFamily="49" charset="0"/>
                 <a:cs typeface="Courier New" panose="02070309020205020404" pitchFamily="49" charset="0"/>
               </a:rPr>
-              <a:t>		</a:t>
+              <a:t>, </a:t>
             </a:r>
             <a:r>
               <a:rPr lang="en-US" sz="1600" dirty="0" err="1">
@@ -11716,7 +11052,7 @@
                 <a:latin typeface="Courier New" panose="02070309020205020404" pitchFamily="49" charset="0"/>
                 <a:cs typeface="Courier New" panose="02070309020205020404" pitchFamily="49" charset="0"/>
               </a:rPr>
-              <a:t>this.myFst</a:t>
+              <a:t>this.mySnd</a:t>
             </a:r>
             <a:r>
               <a:rPr lang="en-US" sz="1600" dirty="0">
@@ -11726,18 +11062,10 @@
                 <a:latin typeface="Courier New" panose="02070309020205020404" pitchFamily="49" charset="0"/>
                 <a:cs typeface="Courier New" panose="02070309020205020404" pitchFamily="49" charset="0"/>
               </a:rPr>
-              <a:t> = </a:t>
-            </a:r>
-            <a:r>
-              <a:rPr lang="en-US" sz="1600" dirty="0" err="1">
-                <a:solidFill>
-                  <a:srgbClr val="FF0000"/>
-                </a:solidFill>
-                <a:latin typeface="Courier New" panose="02070309020205020404" pitchFamily="49" charset="0"/>
-                <a:cs typeface="Courier New" panose="02070309020205020404" pitchFamily="49" charset="0"/>
-              </a:rPr>
-              <a:t>myFst</a:t>
-            </a:r>
+              <a:t>);</a:t>
+            </a:r>
+          </a:p>
+          <a:p>
             <a:r>
               <a:rPr lang="en-US" sz="1600" dirty="0">
                 <a:solidFill>
@@ -11746,7 +11074,7 @@
                 <a:latin typeface="Courier New" panose="02070309020205020404" pitchFamily="49" charset="0"/>
                 <a:cs typeface="Courier New" panose="02070309020205020404" pitchFamily="49" charset="0"/>
               </a:rPr>
-              <a:t>;</a:t>
+              <a:t>	}</a:t>
             </a:r>
           </a:p>
           <a:p>
@@ -11758,195 +11086,8 @@
                 <a:latin typeface="Courier New" panose="02070309020205020404" pitchFamily="49" charset="0"/>
                 <a:cs typeface="Courier New" panose="02070309020205020404" pitchFamily="49" charset="0"/>
               </a:rPr>
-              <a:t>		</a:t>
-            </a:r>
-            <a:r>
-              <a:rPr lang="en-US" sz="1600" dirty="0" err="1">
-                <a:solidFill>
-                  <a:srgbClr val="FF0000"/>
-                </a:solidFill>
-                <a:latin typeface="Courier New" panose="02070309020205020404" pitchFamily="49" charset="0"/>
-                <a:cs typeface="Courier New" panose="02070309020205020404" pitchFamily="49" charset="0"/>
-              </a:rPr>
-              <a:t>this.mySnd</a:t>
-            </a:r>
-            <a:r>
-              <a:rPr lang="en-US" sz="1600" dirty="0">
-                <a:solidFill>
-                  <a:srgbClr val="FF0000"/>
-                </a:solidFill>
-                <a:latin typeface="Courier New" panose="02070309020205020404" pitchFamily="49" charset="0"/>
-                <a:cs typeface="Courier New" panose="02070309020205020404" pitchFamily="49" charset="0"/>
-              </a:rPr>
-              <a:t> = </a:t>
-            </a:r>
-            <a:r>
-              <a:rPr lang="en-US" sz="1600" dirty="0" err="1">
-                <a:solidFill>
-                  <a:srgbClr val="FF0000"/>
-                </a:solidFill>
-                <a:latin typeface="Courier New" panose="02070309020205020404" pitchFamily="49" charset="0"/>
-                <a:cs typeface="Courier New" panose="02070309020205020404" pitchFamily="49" charset="0"/>
-              </a:rPr>
-              <a:t>mySnd</a:t>
-            </a:r>
-            <a:r>
-              <a:rPr lang="en-US" sz="1600" dirty="0">
-                <a:solidFill>
-                  <a:srgbClr val="FF0000"/>
-                </a:solidFill>
-                <a:latin typeface="Courier New" panose="02070309020205020404" pitchFamily="49" charset="0"/>
-                <a:cs typeface="Courier New" panose="02070309020205020404" pitchFamily="49" charset="0"/>
-              </a:rPr>
-              <a:t>;</a:t>
-            </a:r>
-          </a:p>
-          <a:p>
-            <a:r>
-              <a:rPr lang="en-US" sz="1600" dirty="0">
-                <a:solidFill>
-                  <a:srgbClr val="FF0000"/>
-                </a:solidFill>
-                <a:latin typeface="Courier New" panose="02070309020205020404" pitchFamily="49" charset="0"/>
-                <a:cs typeface="Courier New" panose="02070309020205020404" pitchFamily="49" charset="0"/>
-              </a:rPr>
-              <a:t>	}</a:t>
-            </a:r>
-          </a:p>
-          <a:p>
-            <a:r>
-              <a:rPr lang="en-US" sz="1600" dirty="0">
-                <a:solidFill>
-                  <a:srgbClr val="FF0000"/>
-                </a:solidFill>
-                <a:latin typeface="Courier New" panose="02070309020205020404" pitchFamily="49" charset="0"/>
-                <a:cs typeface="Courier New" panose="02070309020205020404" pitchFamily="49" charset="0"/>
-              </a:rPr>
-              <a:t>	Pair </a:t>
-            </a:r>
-            <a:r>
-              <a:rPr lang="en-US" sz="1600" dirty="0" err="1">
-                <a:solidFill>
-                  <a:srgbClr val="FF0000"/>
-                </a:solidFill>
-                <a:latin typeface="Courier New" panose="02070309020205020404" pitchFamily="49" charset="0"/>
-                <a:cs typeface="Courier New" panose="02070309020205020404" pitchFamily="49" charset="0"/>
-              </a:rPr>
-              <a:t>setFst</a:t>
-            </a:r>
-            <a:r>
-              <a:rPr lang="en-US" sz="1600" dirty="0">
-                <a:solidFill>
-                  <a:srgbClr val="FF0000"/>
-                </a:solidFill>
-                <a:latin typeface="Courier New" panose="02070309020205020404" pitchFamily="49" charset="0"/>
-                <a:cs typeface="Courier New" panose="02070309020205020404" pitchFamily="49" charset="0"/>
-              </a:rPr>
-              <a:t>(Object </a:t>
-            </a:r>
-            <a:r>
-              <a:rPr lang="en-US" sz="1600" dirty="0" err="1">
-                <a:solidFill>
-                  <a:srgbClr val="FF0000"/>
-                </a:solidFill>
-                <a:latin typeface="Courier New" panose="02070309020205020404" pitchFamily="49" charset="0"/>
-                <a:cs typeface="Courier New" panose="02070309020205020404" pitchFamily="49" charset="0"/>
-              </a:rPr>
-              <a:t>newFst</a:t>
-            </a:r>
-            <a:r>
-              <a:rPr lang="en-US" sz="1600" dirty="0">
-                <a:solidFill>
-                  <a:srgbClr val="FF0000"/>
-                </a:solidFill>
-                <a:latin typeface="Courier New" panose="02070309020205020404" pitchFamily="49" charset="0"/>
-                <a:cs typeface="Courier New" panose="02070309020205020404" pitchFamily="49" charset="0"/>
-              </a:rPr>
-              <a:t>) {</a:t>
-            </a:r>
-          </a:p>
-          <a:p>
-            <a:r>
-              <a:rPr lang="en-US" sz="1600" dirty="0">
-                <a:solidFill>
-                  <a:srgbClr val="FF0000"/>
-                </a:solidFill>
-                <a:latin typeface="Courier New" panose="02070309020205020404" pitchFamily="49" charset="0"/>
-                <a:cs typeface="Courier New" panose="02070309020205020404" pitchFamily="49" charset="0"/>
-              </a:rPr>
-              <a:t>		return new Pair(</a:t>
-            </a:r>
-            <a:r>
-              <a:rPr lang="en-US" sz="1600" dirty="0" err="1">
-                <a:solidFill>
-                  <a:srgbClr val="FF0000"/>
-                </a:solidFill>
-                <a:latin typeface="Courier New" panose="02070309020205020404" pitchFamily="49" charset="0"/>
-                <a:cs typeface="Courier New" panose="02070309020205020404" pitchFamily="49" charset="0"/>
-              </a:rPr>
-              <a:t>newFst</a:t>
-            </a:r>
-            <a:r>
-              <a:rPr lang="en-US" sz="1600" dirty="0">
-                <a:solidFill>
-                  <a:srgbClr val="FF0000"/>
-                </a:solidFill>
-                <a:latin typeface="Courier New" panose="02070309020205020404" pitchFamily="49" charset="0"/>
-                <a:cs typeface="Courier New" panose="02070309020205020404" pitchFamily="49" charset="0"/>
-              </a:rPr>
-              <a:t>, </a:t>
-            </a:r>
-            <a:r>
-              <a:rPr lang="en-US" sz="1600" dirty="0" err="1">
-                <a:solidFill>
-                  <a:srgbClr val="FF0000"/>
-                </a:solidFill>
-                <a:latin typeface="Courier New" panose="02070309020205020404" pitchFamily="49" charset="0"/>
-                <a:cs typeface="Courier New" panose="02070309020205020404" pitchFamily="49" charset="0"/>
-              </a:rPr>
-              <a:t>this.mySnd</a:t>
-            </a:r>
-            <a:r>
-              <a:rPr lang="en-US" sz="1600" dirty="0">
-                <a:solidFill>
-                  <a:srgbClr val="FF0000"/>
-                </a:solidFill>
-                <a:latin typeface="Courier New" panose="02070309020205020404" pitchFamily="49" charset="0"/>
-                <a:cs typeface="Courier New" panose="02070309020205020404" pitchFamily="49" charset="0"/>
-              </a:rPr>
-              <a:t>);</a:t>
-            </a:r>
-          </a:p>
-          <a:p>
-            <a:r>
-              <a:rPr lang="en-US" sz="1600" dirty="0">
-                <a:solidFill>
-                  <a:srgbClr val="FF0000"/>
-                </a:solidFill>
-                <a:latin typeface="Courier New" panose="02070309020205020404" pitchFamily="49" charset="0"/>
-                <a:cs typeface="Courier New" panose="02070309020205020404" pitchFamily="49" charset="0"/>
-              </a:rPr>
-              <a:t>	}</a:t>
-            </a:r>
-          </a:p>
-          <a:p>
-            <a:r>
-              <a:rPr lang="en-US" sz="1600" dirty="0">
-                <a:solidFill>
-                  <a:srgbClr val="FF0000"/>
-                </a:solidFill>
-                <a:latin typeface="Courier New" panose="02070309020205020404" pitchFamily="49" charset="0"/>
-                <a:cs typeface="Courier New" panose="02070309020205020404" pitchFamily="49" charset="0"/>
-              </a:rPr>
               <a:t>}</a:t>
             </a:r>
-            <a:endParaRPr lang="en-US" sz="1600" dirty="0">
-              <a:solidFill>
-                <a:srgbClr val="FF0000"/>
-              </a:solidFill>
-              <a:latin typeface="Courier New" panose="02070309020205020404" pitchFamily="49" charset="0"/>
-              <a:cs typeface="Courier New" panose="02070309020205020404" pitchFamily="49" charset="0"/>
-            </a:endParaRPr>
           </a:p>
         </p:txBody>
       </p:sp>
@@ -12048,17 +11189,13 @@
               </a:rPr>
               <a:t>))).</a:t>
             </a:r>
-            <a:endParaRPr lang="en-US" sz="1600" dirty="0">
-              <a:latin typeface="Courier New" panose="02070309020205020404" pitchFamily="49" charset="0"/>
-              <a:cs typeface="Courier New" panose="02070309020205020404" pitchFamily="49" charset="0"/>
-            </a:endParaRPr>
           </a:p>
         </p:txBody>
       </p:sp>
     </p:spTree>
     <p:extLst>
       <p:ext uri="{BB962C8B-B14F-4D97-AF65-F5344CB8AC3E}">
-        <p14:creationId xmlns:p14="http://schemas.microsoft.com/office/powerpoint/2010/main" val="1648643044"/>
+        <p14:creationId xmlns:p14="http://schemas.microsoft.com/office/powerpoint/2010/main" val="1838516423"/>
       </p:ext>
     </p:extLst>
   </p:cSld>
@@ -12228,20 +11365,12 @@
                   <a:srgbClr val="FF0000"/>
                 </a:solidFill>
               </a:rPr>
-              <a:t>      </a:t>
-            </a:r>
-            <a:r>
-              <a:rPr lang="en-US" dirty="0">
-                <a:solidFill>
-                  <a:srgbClr val="00B050"/>
-                </a:solidFill>
-              </a:rPr>
-              <a:t>((</a:t>
+              <a:t>      ((</a:t>
             </a:r>
             <a:r>
               <a:rPr lang="en-US" dirty="0" err="1">
                 <a:solidFill>
-                  <a:srgbClr val="00B050"/>
+                  <a:srgbClr val="FF0000"/>
                 </a:solidFill>
               </a:rPr>
               <a:t>myFst</a:t>
@@ -12249,7 +11378,7 @@
             <a:r>
               <a:rPr lang="en-US" dirty="0">
                 <a:solidFill>
-                  <a:srgbClr val="00B050"/>
+                  <a:srgbClr val="FF0000"/>
                 </a:solidFill>
               </a:rPr>
               <a:t>, Object)</a:t>
@@ -12259,7 +11388,7 @@
             <a:r>
               <a:rPr lang="en-US" dirty="0">
                 <a:solidFill>
-                  <a:srgbClr val="00B050"/>
+                  <a:srgbClr val="FF0000"/>
                 </a:solidFill>
               </a:rPr>
               <a:t>          :: (</a:t>
@@ -12267,7 +11396,7 @@
             <a:r>
               <a:rPr lang="en-US" dirty="0" err="1">
                 <a:solidFill>
-                  <a:srgbClr val="00B050"/>
+                  <a:srgbClr val="FF0000"/>
                 </a:solidFill>
               </a:rPr>
               <a:t>mySnd</a:t>
@@ -12275,7 +11404,7 @@
             <a:r>
               <a:rPr lang="en-US" dirty="0">
                 <a:solidFill>
-                  <a:srgbClr val="00B050"/>
+                  <a:srgbClr val="FF0000"/>
                 </a:solidFill>
               </a:rPr>
               <a:t>, Object)</a:t>
@@ -12285,7 +11414,7 @@
             <a:r>
               <a:rPr lang="en-US" dirty="0">
                 <a:solidFill>
-                  <a:srgbClr val="00B050"/>
+                  <a:srgbClr val="FF0000"/>
                 </a:solidFill>
               </a:rPr>
               <a:t>          ::nil),</a:t>
@@ -12534,7 +11663,6 @@
               <a:rPr lang="en-US" dirty="0"/>
               <a:t>  :: nil).</a:t>
             </a:r>
-            <a:endParaRPr lang="en-US" dirty="0"/>
           </a:p>
         </p:txBody>
       </p:sp>
@@ -12594,7 +11722,7 @@
             <a:r>
               <a:rPr lang="en-US" sz="1600" dirty="0">
                 <a:solidFill>
-                  <a:srgbClr val="00B050"/>
+                  <a:srgbClr val="FF0000"/>
                 </a:solidFill>
                 <a:latin typeface="Courier New" panose="02070309020205020404" pitchFamily="49" charset="0"/>
                 <a:cs typeface="Courier New" panose="02070309020205020404" pitchFamily="49" charset="0"/>
@@ -12604,7 +11732,7 @@
             <a:r>
               <a:rPr lang="en-US" sz="1600" dirty="0" err="1">
                 <a:solidFill>
-                  <a:srgbClr val="00B050"/>
+                  <a:srgbClr val="FF0000"/>
                 </a:solidFill>
                 <a:latin typeface="Courier New" panose="02070309020205020404" pitchFamily="49" charset="0"/>
                 <a:cs typeface="Courier New" panose="02070309020205020404" pitchFamily="49" charset="0"/>
@@ -12614,7 +11742,7 @@
             <a:r>
               <a:rPr lang="en-US" sz="1600" dirty="0">
                 <a:solidFill>
-                  <a:srgbClr val="00B050"/>
+                  <a:srgbClr val="FF0000"/>
                 </a:solidFill>
                 <a:latin typeface="Courier New" panose="02070309020205020404" pitchFamily="49" charset="0"/>
                 <a:cs typeface="Courier New" panose="02070309020205020404" pitchFamily="49" charset="0"/>
@@ -12626,7 +11754,7 @@
             <a:r>
               <a:rPr lang="en-US" sz="1600" dirty="0">
                 <a:solidFill>
-                  <a:srgbClr val="00B050"/>
+                  <a:srgbClr val="FF0000"/>
                 </a:solidFill>
                 <a:latin typeface="Courier New" panose="02070309020205020404" pitchFamily="49" charset="0"/>
                 <a:cs typeface="Courier New" panose="02070309020205020404" pitchFamily="49" charset="0"/>
@@ -12636,7 +11764,7 @@
             <a:r>
               <a:rPr lang="en-US" sz="1600" dirty="0" err="1">
                 <a:solidFill>
-                  <a:srgbClr val="00B050"/>
+                  <a:srgbClr val="FF0000"/>
                 </a:solidFill>
                 <a:latin typeface="Courier New" panose="02070309020205020404" pitchFamily="49" charset="0"/>
                 <a:cs typeface="Courier New" panose="02070309020205020404" pitchFamily="49" charset="0"/>
@@ -12646,7 +11774,7 @@
             <a:r>
               <a:rPr lang="en-US" sz="1600" dirty="0">
                 <a:solidFill>
-                  <a:srgbClr val="00B050"/>
+                  <a:srgbClr val="FF0000"/>
                 </a:solidFill>
                 <a:latin typeface="Courier New" panose="02070309020205020404" pitchFamily="49" charset="0"/>
                 <a:cs typeface="Courier New" panose="02070309020205020404" pitchFamily="49" charset="0"/>
@@ -12961,13 +12089,6 @@
               </a:rPr>
               <a:t>}</a:t>
             </a:r>
-            <a:endParaRPr lang="en-US" sz="1600" dirty="0">
-              <a:solidFill>
-                <a:srgbClr val="FF0000"/>
-              </a:solidFill>
-              <a:latin typeface="Courier New" panose="02070309020205020404" pitchFamily="49" charset="0"/>
-              <a:cs typeface="Courier New" panose="02070309020205020404" pitchFamily="49" charset="0"/>
-            </a:endParaRPr>
           </a:p>
         </p:txBody>
       </p:sp>
@@ -13069,17 +12190,13 @@
               </a:rPr>
               <a:t>))).</a:t>
             </a:r>
-            <a:endParaRPr lang="en-US" sz="1600" dirty="0">
-              <a:latin typeface="Courier New" panose="02070309020205020404" pitchFamily="49" charset="0"/>
-              <a:cs typeface="Courier New" panose="02070309020205020404" pitchFamily="49" charset="0"/>
-            </a:endParaRPr>
           </a:p>
         </p:txBody>
       </p:sp>
     </p:spTree>
     <p:extLst>
       <p:ext uri="{BB962C8B-B14F-4D97-AF65-F5344CB8AC3E}">
-        <p14:creationId xmlns:p14="http://schemas.microsoft.com/office/powerpoint/2010/main" val="2351074341"/>
+        <p14:creationId xmlns:p14="http://schemas.microsoft.com/office/powerpoint/2010/main" val="1648643044"/>
       </p:ext>
     </p:extLst>
   </p:cSld>
@@ -13461,7 +12578,7 @@
             <a:r>
               <a:rPr lang="en-US" dirty="0">
                 <a:solidFill>
-                  <a:srgbClr val="0070C0"/>
+                  <a:srgbClr val="FF0000"/>
                 </a:solidFill>
               </a:rPr>
               <a:t>        (</a:t>
@@ -13469,7 +12586,7 @@
             <a:r>
               <a:rPr lang="en-US" dirty="0" err="1">
                 <a:solidFill>
-                  <a:srgbClr val="0070C0"/>
+                  <a:srgbClr val="FF0000"/>
                 </a:solidFill>
               </a:rPr>
               <a:t>setFst</a:t>
@@ -13477,7 +12594,7 @@
             <a:r>
               <a:rPr lang="en-US" dirty="0">
                 <a:solidFill>
-                  <a:srgbClr val="0070C0"/>
+                  <a:srgbClr val="FF0000"/>
                 </a:solidFill>
               </a:rPr>
               <a:t>,</a:t>
@@ -13487,7 +12604,7 @@
             <a:r>
               <a:rPr lang="en-US" dirty="0">
                 <a:solidFill>
-                  <a:srgbClr val="0070C0"/>
+                  <a:srgbClr val="FF0000"/>
                 </a:solidFill>
               </a:rPr>
               <a:t>         (</a:t>
@@ -13497,7 +12614,7 @@
             <a:r>
               <a:rPr lang="en-US" dirty="0">
                 <a:solidFill>
-                  <a:srgbClr val="0070C0"/>
+                  <a:srgbClr val="FF0000"/>
                 </a:solidFill>
               </a:rPr>
               <a:t>          Pair,</a:t>
@@ -13507,7 +12624,7 @@
             <a:r>
               <a:rPr lang="en-US" dirty="0">
                 <a:solidFill>
-                  <a:srgbClr val="0070C0"/>
+                  <a:srgbClr val="FF0000"/>
                 </a:solidFill>
               </a:rPr>
               <a:t>          (</a:t>
@@ -13515,7 +12632,7 @@
             <a:r>
               <a:rPr lang="en-US" dirty="0" err="1">
                 <a:solidFill>
-                  <a:srgbClr val="0070C0"/>
+                  <a:srgbClr val="FF0000"/>
                 </a:solidFill>
               </a:rPr>
               <a:t>newFst</a:t>
@@ -13523,7 +12640,7 @@
             <a:r>
               <a:rPr lang="en-US" dirty="0">
                 <a:solidFill>
-                  <a:srgbClr val="0070C0"/>
+                  <a:srgbClr val="FF0000"/>
                 </a:solidFill>
               </a:rPr>
               <a:t>, Object) :: nil,</a:t>
@@ -13533,7 +12650,7 @@
             <a:r>
               <a:rPr lang="en-US" dirty="0">
                 <a:solidFill>
-                  <a:srgbClr val="0070C0"/>
+                  <a:srgbClr val="FF0000"/>
                 </a:solidFill>
               </a:rPr>
               <a:t>          </a:t>
@@ -13541,7 +12658,7 @@
             <a:r>
               <a:rPr lang="en-US" dirty="0" err="1">
                 <a:solidFill>
-                  <a:srgbClr val="0070C0"/>
+                  <a:srgbClr val="FF0000"/>
                 </a:solidFill>
               </a:rPr>
               <a:t>e_new</a:t>
@@ -13549,7 +12666,7 @@
             <a:r>
               <a:rPr lang="en-US" dirty="0">
                 <a:solidFill>
-                  <a:srgbClr val="0070C0"/>
+                  <a:srgbClr val="FF0000"/>
                 </a:solidFill>
               </a:rPr>
               <a:t> Pair (</a:t>
@@ -13557,7 +12674,7 @@
             <a:r>
               <a:rPr lang="en-US" dirty="0" err="1">
                 <a:solidFill>
-                  <a:srgbClr val="0070C0"/>
+                  <a:srgbClr val="FF0000"/>
                 </a:solidFill>
               </a:rPr>
               <a:t>e_var</a:t>
@@ -13565,7 +12682,7 @@
             <a:r>
               <a:rPr lang="en-US" dirty="0">
                 <a:solidFill>
-                  <a:srgbClr val="0070C0"/>
+                  <a:srgbClr val="FF0000"/>
                 </a:solidFill>
               </a:rPr>
               <a:t> </a:t>
@@ -13573,7 +12690,7 @@
             <a:r>
               <a:rPr lang="en-US" dirty="0" err="1">
                 <a:solidFill>
-                  <a:srgbClr val="0070C0"/>
+                  <a:srgbClr val="FF0000"/>
                 </a:solidFill>
               </a:rPr>
               <a:t>newFst</a:t>
@@ -13581,7 +12698,7 @@
             <a:r>
               <a:rPr lang="en-US" dirty="0">
                 <a:solidFill>
-                  <a:srgbClr val="0070C0"/>
+                  <a:srgbClr val="FF0000"/>
                 </a:solidFill>
               </a:rPr>
               <a:t> :: </a:t>
@@ -13589,7 +12706,7 @@
             <a:r>
               <a:rPr lang="en-US" dirty="0" err="1">
                 <a:solidFill>
-                  <a:srgbClr val="0070C0"/>
+                  <a:srgbClr val="FF0000"/>
                 </a:solidFill>
               </a:rPr>
               <a:t>e_field</a:t>
@@ -13597,7 +12714,7 @@
             <a:r>
               <a:rPr lang="en-US" dirty="0">
                 <a:solidFill>
-                  <a:srgbClr val="0070C0"/>
+                  <a:srgbClr val="FF0000"/>
                 </a:solidFill>
               </a:rPr>
               <a:t> (</a:t>
@@ -13605,7 +12722,7 @@
             <a:r>
               <a:rPr lang="en-US" dirty="0" err="1">
                 <a:solidFill>
-                  <a:srgbClr val="0070C0"/>
+                  <a:srgbClr val="FF0000"/>
                 </a:solidFill>
               </a:rPr>
               <a:t>e_var</a:t>
@@ -13613,7 +12730,7 @@
             <a:r>
               <a:rPr lang="en-US" dirty="0">
                 <a:solidFill>
-                  <a:srgbClr val="0070C0"/>
+                  <a:srgbClr val="FF0000"/>
                 </a:solidFill>
               </a:rPr>
               <a:t> this) </a:t>
@@ -13621,7 +12738,7 @@
             <a:r>
               <a:rPr lang="en-US" dirty="0" err="1">
                 <a:solidFill>
-                  <a:srgbClr val="0070C0"/>
+                  <a:srgbClr val="FF0000"/>
                 </a:solidFill>
               </a:rPr>
               <a:t>mySnd</a:t>
@@ -13629,7 +12746,7 @@
             <a:r>
               <a:rPr lang="en-US" dirty="0">
                 <a:solidFill>
-                  <a:srgbClr val="0070C0"/>
+                  <a:srgbClr val="FF0000"/>
                 </a:solidFill>
               </a:rPr>
               <a:t> :: nil)</a:t>
@@ -13639,7 +12756,7 @@
             <a:r>
               <a:rPr lang="en-US" dirty="0">
                 <a:solidFill>
-                  <a:srgbClr val="0070C0"/>
+                  <a:srgbClr val="FF0000"/>
                 </a:solidFill>
               </a:rPr>
               <a:t>         )</a:t>
@@ -13649,7 +12766,7 @@
             <a:r>
               <a:rPr lang="en-US" dirty="0">
                 <a:solidFill>
-                  <a:srgbClr val="0070C0"/>
+                  <a:srgbClr val="FF0000"/>
                 </a:solidFill>
               </a:rPr>
               <a:t>        )</a:t>
@@ -13690,7 +12807,6 @@
               <a:rPr lang="en-US" dirty="0"/>
               <a:t>  :: nil).</a:t>
             </a:r>
-            <a:endParaRPr lang="en-US" dirty="0"/>
           </a:p>
         </p:txBody>
       </p:sp>
@@ -13999,42 +13115,64 @@
                 <a:latin typeface="Courier New" panose="02070309020205020404" pitchFamily="49" charset="0"/>
                 <a:cs typeface="Courier New" panose="02070309020205020404" pitchFamily="49" charset="0"/>
               </a:rPr>
-              <a:t>	</a:t>
+              <a:t>	Pair </a:t>
+            </a:r>
+            <a:r>
+              <a:rPr lang="en-US" sz="1600" dirty="0" err="1">
+                <a:solidFill>
+                  <a:srgbClr val="FF0000"/>
+                </a:solidFill>
+                <a:latin typeface="Courier New" panose="02070309020205020404" pitchFamily="49" charset="0"/>
+                <a:cs typeface="Courier New" panose="02070309020205020404" pitchFamily="49" charset="0"/>
+              </a:rPr>
+              <a:t>setFst</a:t>
             </a:r>
             <a:r>
               <a:rPr lang="en-US" sz="1600" dirty="0">
                 <a:solidFill>
-                  <a:srgbClr val="0070C0"/>
-                </a:solidFill>
-                <a:latin typeface="Courier New" panose="02070309020205020404" pitchFamily="49" charset="0"/>
-                <a:cs typeface="Courier New" panose="02070309020205020404" pitchFamily="49" charset="0"/>
-              </a:rPr>
-              <a:t>Pair </a:t>
+                  <a:srgbClr val="FF0000"/>
+                </a:solidFill>
+                <a:latin typeface="Courier New" panose="02070309020205020404" pitchFamily="49" charset="0"/>
+                <a:cs typeface="Courier New" panose="02070309020205020404" pitchFamily="49" charset="0"/>
+              </a:rPr>
+              <a:t>(Object </a:t>
             </a:r>
             <a:r>
               <a:rPr lang="en-US" sz="1600" dirty="0" err="1">
                 <a:solidFill>
-                  <a:srgbClr val="0070C0"/>
-                </a:solidFill>
-                <a:latin typeface="Courier New" panose="02070309020205020404" pitchFamily="49" charset="0"/>
-                <a:cs typeface="Courier New" panose="02070309020205020404" pitchFamily="49" charset="0"/>
-              </a:rPr>
-              <a:t>setFst</a:t>
+                  <a:srgbClr val="FF0000"/>
+                </a:solidFill>
+                <a:latin typeface="Courier New" panose="02070309020205020404" pitchFamily="49" charset="0"/>
+                <a:cs typeface="Courier New" panose="02070309020205020404" pitchFamily="49" charset="0"/>
+              </a:rPr>
+              <a:t>newFst</a:t>
             </a:r>
             <a:r>
               <a:rPr lang="en-US" sz="1600" dirty="0">
                 <a:solidFill>
-                  <a:srgbClr val="0070C0"/>
-                </a:solidFill>
-                <a:latin typeface="Courier New" panose="02070309020205020404" pitchFamily="49" charset="0"/>
-                <a:cs typeface="Courier New" panose="02070309020205020404" pitchFamily="49" charset="0"/>
-              </a:rPr>
-              <a:t>(Object </a:t>
+                  <a:srgbClr val="FF0000"/>
+                </a:solidFill>
+                <a:latin typeface="Courier New" panose="02070309020205020404" pitchFamily="49" charset="0"/>
+                <a:cs typeface="Courier New" panose="02070309020205020404" pitchFamily="49" charset="0"/>
+              </a:rPr>
+              <a:t>) {</a:t>
+            </a:r>
+          </a:p>
+          <a:p>
+            <a:r>
+              <a:rPr lang="en-US" sz="1600" dirty="0">
+                <a:solidFill>
+                  <a:srgbClr val="FF0000"/>
+                </a:solidFill>
+                <a:latin typeface="Courier New" panose="02070309020205020404" pitchFamily="49" charset="0"/>
+                <a:cs typeface="Courier New" panose="02070309020205020404" pitchFamily="49" charset="0"/>
+              </a:rPr>
+              <a:t>		return new Pair(</a:t>
             </a:r>
             <a:r>
               <a:rPr lang="en-US" sz="1600" dirty="0" err="1">
                 <a:solidFill>
-                  <a:srgbClr val="0070C0"/>
+                  <a:srgbClr val="FF0000"/>
                 </a:solidFill>
                 <a:latin typeface="Courier New" panose="02070309020205020404" pitchFamily="49" charset="0"/>
                 <a:cs typeface="Courier New" panose="02070309020205020404" pitchFamily="49" charset="0"/>
@@ -14044,82 +13182,50 @@
             <a:r>
               <a:rPr lang="en-US" sz="1600" dirty="0">
                 <a:solidFill>
-                  <a:srgbClr val="0070C0"/>
-                </a:solidFill>
-                <a:latin typeface="Courier New" panose="02070309020205020404" pitchFamily="49" charset="0"/>
-                <a:cs typeface="Courier New" panose="02070309020205020404" pitchFamily="49" charset="0"/>
-              </a:rPr>
-              <a:t>) {</a:t>
-            </a:r>
-          </a:p>
-          <a:p>
+                  <a:srgbClr val="FF0000"/>
+                </a:solidFill>
+                <a:latin typeface="Courier New" panose="02070309020205020404" pitchFamily="49" charset="0"/>
+                <a:cs typeface="Courier New" panose="02070309020205020404" pitchFamily="49" charset="0"/>
+              </a:rPr>
+              <a:t>, </a:t>
+            </a:r>
+            <a:r>
+              <a:rPr lang="en-US" sz="1600" dirty="0" err="1">
+                <a:solidFill>
+                  <a:srgbClr val="FF0000"/>
+                </a:solidFill>
+                <a:latin typeface="Courier New" panose="02070309020205020404" pitchFamily="49" charset="0"/>
+                <a:cs typeface="Courier New" panose="02070309020205020404" pitchFamily="49" charset="0"/>
+              </a:rPr>
+              <a:t>this.mySnd</a:t>
+            </a:r>
             <a:r>
               <a:rPr lang="en-US" sz="1600" dirty="0">
                 <a:solidFill>
-                  <a:srgbClr val="0070C0"/>
-                </a:solidFill>
-                <a:latin typeface="Courier New" panose="02070309020205020404" pitchFamily="49" charset="0"/>
-                <a:cs typeface="Courier New" panose="02070309020205020404" pitchFamily="49" charset="0"/>
-              </a:rPr>
-              <a:t>		return new Pair(</a:t>
-            </a:r>
-            <a:r>
-              <a:rPr lang="en-US" sz="1600" dirty="0" err="1">
-                <a:solidFill>
-                  <a:srgbClr val="0070C0"/>
-                </a:solidFill>
-                <a:latin typeface="Courier New" panose="02070309020205020404" pitchFamily="49" charset="0"/>
-                <a:cs typeface="Courier New" panose="02070309020205020404" pitchFamily="49" charset="0"/>
-              </a:rPr>
-              <a:t>newFst</a:t>
-            </a:r>
+                  <a:srgbClr val="FF0000"/>
+                </a:solidFill>
+                <a:latin typeface="Courier New" panose="02070309020205020404" pitchFamily="49" charset="0"/>
+                <a:cs typeface="Courier New" panose="02070309020205020404" pitchFamily="49" charset="0"/>
+              </a:rPr>
+              <a:t>);</a:t>
+            </a:r>
+          </a:p>
+          <a:p>
             <a:r>
               <a:rPr lang="en-US" sz="1600" dirty="0">
                 <a:solidFill>
-                  <a:srgbClr val="0070C0"/>
-                </a:solidFill>
-                <a:latin typeface="Courier New" panose="02070309020205020404" pitchFamily="49" charset="0"/>
-                <a:cs typeface="Courier New" panose="02070309020205020404" pitchFamily="49" charset="0"/>
-              </a:rPr>
-              <a:t>, </a:t>
-            </a:r>
-            <a:r>
-              <a:rPr lang="en-US" sz="1600" dirty="0" err="1">
-                <a:solidFill>
-                  <a:srgbClr val="0070C0"/>
-                </a:solidFill>
-                <a:latin typeface="Courier New" panose="02070309020205020404" pitchFamily="49" charset="0"/>
-                <a:cs typeface="Courier New" panose="02070309020205020404" pitchFamily="49" charset="0"/>
-              </a:rPr>
-              <a:t>this.mySnd</a:t>
-            </a:r>
+                  <a:srgbClr val="FF0000"/>
+                </a:solidFill>
+                <a:latin typeface="Courier New" panose="02070309020205020404" pitchFamily="49" charset="0"/>
+                <a:cs typeface="Courier New" panose="02070309020205020404" pitchFamily="49" charset="0"/>
+              </a:rPr>
+              <a:t>	}</a:t>
+            </a:r>
+          </a:p>
+          <a:p>
             <a:r>
               <a:rPr lang="en-US" sz="1600" dirty="0">
                 <a:solidFill>
-                  <a:srgbClr val="0070C0"/>
-                </a:solidFill>
-                <a:latin typeface="Courier New" panose="02070309020205020404" pitchFamily="49" charset="0"/>
-                <a:cs typeface="Courier New" panose="02070309020205020404" pitchFamily="49" charset="0"/>
-              </a:rPr>
-              <a:t>);</a:t>
-            </a:r>
-          </a:p>
-          <a:p>
-            <a:r>
-              <a:rPr lang="en-US" sz="1600" dirty="0">
-                <a:solidFill>
-                  <a:srgbClr val="0070C0"/>
-                </a:solidFill>
-                <a:latin typeface="Courier New" panose="02070309020205020404" pitchFamily="49" charset="0"/>
-                <a:cs typeface="Courier New" panose="02070309020205020404" pitchFamily="49" charset="0"/>
-              </a:rPr>
-              <a:t>	}</a:t>
-            </a:r>
-          </a:p>
-          <a:p>
-            <a:r>
-              <a:rPr lang="en-US" sz="1600" dirty="0">
-                <a:solidFill>
                   <a:srgbClr val="FF0000"/>
                 </a:solidFill>
                 <a:latin typeface="Courier New" panose="02070309020205020404" pitchFamily="49" charset="0"/>
@@ -14127,13 +13233,6 @@
               </a:rPr>
               <a:t>}</a:t>
             </a:r>
-            <a:endParaRPr lang="en-US" sz="1600" dirty="0">
-              <a:solidFill>
-                <a:srgbClr val="FF0000"/>
-              </a:solidFill>
-              <a:latin typeface="Courier New" panose="02070309020205020404" pitchFamily="49" charset="0"/>
-              <a:cs typeface="Courier New" panose="02070309020205020404" pitchFamily="49" charset="0"/>
-            </a:endParaRPr>
           </a:p>
         </p:txBody>
       </p:sp>
@@ -14235,17 +13334,13 @@
               </a:rPr>
               <a:t>))).</a:t>
             </a:r>
-            <a:endParaRPr lang="en-US" sz="1600" dirty="0">
-              <a:latin typeface="Courier New" panose="02070309020205020404" pitchFamily="49" charset="0"/>
-              <a:cs typeface="Courier New" panose="02070309020205020404" pitchFamily="49" charset="0"/>
-            </a:endParaRPr>
           </a:p>
         </p:txBody>
       </p:sp>
     </p:spTree>
     <p:extLst>
       <p:ext uri="{BB962C8B-B14F-4D97-AF65-F5344CB8AC3E}">
-        <p14:creationId xmlns:p14="http://schemas.microsoft.com/office/powerpoint/2010/main" val="1645686865"/>
+        <p14:creationId xmlns:p14="http://schemas.microsoft.com/office/powerpoint/2010/main" val="2351074341"/>
       </p:ext>
     </p:extLst>
   </p:cSld>
@@ -14308,14 +13403,14 @@
       </p:sp>
       <p:sp>
         <p:nvSpPr>
-          <p:cNvPr id="6" name="Rectangle 5"/>
+          <p:cNvPr id="4" name="Rectangle 3"/>
           <p:cNvSpPr/>
           <p:nvPr/>
         </p:nvSpPr>
         <p:spPr>
           <a:xfrm>
-            <a:off x="104775" y="1200745"/>
-            <a:ext cx="10553700" cy="4801314"/>
+            <a:off x="233680" y="1136918"/>
+            <a:ext cx="7053527" cy="5632311"/>
           </a:xfrm>
           <a:prstGeom prst="rect">
             <a:avLst/>
@@ -14328,306 +13423,360 @@
           <a:lstStyle/>
           <a:p>
             <a:r>
-              <a:rPr lang="en-US" dirty="0">
-                <a:latin typeface="Courier New" panose="02070309020205020404" pitchFamily="49" charset="0"/>
-                <a:cs typeface="Courier New" panose="02070309020205020404" pitchFamily="49" charset="0"/>
-              </a:rPr>
-              <a:t>Definition myexp3 : </a:t>
+              <a:rPr lang="en-US" dirty="0"/>
+              <a:t>Definition </a:t>
+            </a:r>
+            <a:r>
+              <a:rPr lang="en-US" dirty="0" err="1"/>
+              <a:t>ct</a:t>
+            </a:r>
+            <a:r>
+              <a:rPr lang="en-US" dirty="0"/>
+              <a:t> : </a:t>
+            </a:r>
+            <a:r>
+              <a:rPr lang="en-US" dirty="0" err="1"/>
+              <a:t>ctable</a:t>
+            </a:r>
+            <a:r>
+              <a:rPr lang="en-US" dirty="0"/>
+              <a:t> := (</a:t>
+            </a:r>
+          </a:p>
+          <a:p>
+            <a:r>
+              <a:rPr lang="en-US" dirty="0"/>
+              <a:t>    (C,(</a:t>
+            </a:r>
+            <a:r>
+              <a:rPr lang="en-US" dirty="0" err="1"/>
+              <a:t>Object,nil,nil</a:t>
+            </a:r>
+            <a:r>
+              <a:rPr lang="en-US" dirty="0"/>
+              <a:t>))</a:t>
+            </a:r>
+          </a:p>
+          <a:p>
+            <a:r>
+              <a:rPr lang="en-US" dirty="0"/>
+              <a:t>  ::(D,(</a:t>
+            </a:r>
+            <a:r>
+              <a:rPr lang="en-US" dirty="0" err="1"/>
+              <a:t>Object,nil,nil</a:t>
+            </a:r>
+            <a:r>
+              <a:rPr lang="en-US" dirty="0"/>
+              <a:t>))</a:t>
+            </a:r>
+          </a:p>
+          <a:p>
+            <a:r>
+              <a:rPr lang="en-US" dirty="0"/>
+              <a:t>  </a:t>
+            </a:r>
+            <a:r>
+              <a:rPr lang="en-US" dirty="0">
+                <a:solidFill>
+                  <a:srgbClr val="FF0000"/>
+                </a:solidFill>
+              </a:rPr>
+              <a:t>::(Pair,(</a:t>
+            </a:r>
+          </a:p>
+          <a:p>
+            <a:r>
+              <a:rPr lang="en-US" dirty="0">
+                <a:solidFill>
+                  <a:srgbClr val="FF0000"/>
+                </a:solidFill>
+              </a:rPr>
+              <a:t>      </a:t>
+            </a:r>
+            <a:r>
+              <a:rPr lang="en-US" dirty="0">
+                <a:solidFill>
+                  <a:srgbClr val="7030A0"/>
+                </a:solidFill>
+              </a:rPr>
+              <a:t>Object,</a:t>
+            </a:r>
+          </a:p>
+          <a:p>
+            <a:r>
+              <a:rPr lang="en-US" dirty="0">
+                <a:solidFill>
+                  <a:srgbClr val="FF0000"/>
+                </a:solidFill>
+              </a:rPr>
+              <a:t>      </a:t>
+            </a:r>
+            <a:r>
+              <a:rPr lang="en-US" dirty="0">
+                <a:solidFill>
+                  <a:srgbClr val="00B050"/>
+                </a:solidFill>
+              </a:rPr>
+              <a:t>((</a:t>
             </a:r>
             <a:r>
               <a:rPr lang="en-US" dirty="0" err="1">
-                <a:latin typeface="Courier New" panose="02070309020205020404" pitchFamily="49" charset="0"/>
-                <a:cs typeface="Courier New" panose="02070309020205020404" pitchFamily="49" charset="0"/>
-              </a:rPr>
-              <a:t>exp</a:t>
-            </a:r>
-            <a:r>
-              <a:rPr lang="en-US" dirty="0">
-                <a:latin typeface="Courier New" panose="02070309020205020404" pitchFamily="49" charset="0"/>
-                <a:cs typeface="Courier New" panose="02070309020205020404" pitchFamily="49" charset="0"/>
-              </a:rPr>
-              <a:t> := (</a:t>
-            </a:r>
-          </a:p>
-          <a:p>
-            <a:r>
-              <a:rPr lang="en-US" dirty="0">
-                <a:latin typeface="Courier New" panose="02070309020205020404" pitchFamily="49" charset="0"/>
-                <a:cs typeface="Courier New" panose="02070309020205020404" pitchFamily="49" charset="0"/>
-              </a:rPr>
-              <a:t>  </a:t>
+                <a:solidFill>
+                  <a:srgbClr val="00B050"/>
+                </a:solidFill>
+              </a:rPr>
+              <a:t>myFst</a:t>
+            </a:r>
+            <a:r>
+              <a:rPr lang="en-US" dirty="0">
+                <a:solidFill>
+                  <a:srgbClr val="00B050"/>
+                </a:solidFill>
+              </a:rPr>
+              <a:t>, Object)</a:t>
+            </a:r>
+          </a:p>
+          <a:p>
+            <a:r>
+              <a:rPr lang="en-US" dirty="0">
+                <a:solidFill>
+                  <a:srgbClr val="00B050"/>
+                </a:solidFill>
+              </a:rPr>
+              <a:t>          :: (</a:t>
             </a:r>
             <a:r>
               <a:rPr lang="en-US" dirty="0" err="1">
-                <a:latin typeface="Courier New" panose="02070309020205020404" pitchFamily="49" charset="0"/>
-                <a:cs typeface="Courier New" panose="02070309020205020404" pitchFamily="49" charset="0"/>
+                <a:solidFill>
+                  <a:srgbClr val="00B050"/>
+                </a:solidFill>
+              </a:rPr>
+              <a:t>mySnd</a:t>
+            </a:r>
+            <a:r>
+              <a:rPr lang="en-US" dirty="0">
+                <a:solidFill>
+                  <a:srgbClr val="00B050"/>
+                </a:solidFill>
+              </a:rPr>
+              <a:t>, Object)</a:t>
+            </a:r>
+          </a:p>
+          <a:p>
+            <a:r>
+              <a:rPr lang="en-US" dirty="0">
+                <a:solidFill>
+                  <a:srgbClr val="00B050"/>
+                </a:solidFill>
+              </a:rPr>
+              <a:t>          ::nil),</a:t>
+            </a:r>
+          </a:p>
+          <a:p>
+            <a:r>
+              <a:rPr lang="en-US" dirty="0">
+                <a:solidFill>
+                  <a:srgbClr val="FF0000"/>
+                </a:solidFill>
+              </a:rPr>
+              <a:t>      (</a:t>
+            </a:r>
+          </a:p>
+          <a:p>
+            <a:r>
+              <a:rPr lang="en-US" dirty="0">
+                <a:solidFill>
+                  <a:srgbClr val="0070C0"/>
+                </a:solidFill>
+              </a:rPr>
+              <a:t>        (</a:t>
+            </a:r>
+            <a:r>
+              <a:rPr lang="en-US" dirty="0" err="1">
+                <a:solidFill>
+                  <a:srgbClr val="0070C0"/>
+                </a:solidFill>
+              </a:rPr>
+              <a:t>setFst</a:t>
+            </a:r>
+            <a:r>
+              <a:rPr lang="en-US" dirty="0">
+                <a:solidFill>
+                  <a:srgbClr val="0070C0"/>
+                </a:solidFill>
+              </a:rPr>
+              <a:t>,</a:t>
+            </a:r>
+          </a:p>
+          <a:p>
+            <a:r>
+              <a:rPr lang="en-US" dirty="0">
+                <a:solidFill>
+                  <a:srgbClr val="0070C0"/>
+                </a:solidFill>
+              </a:rPr>
+              <a:t>         (</a:t>
+            </a:r>
+          </a:p>
+          <a:p>
+            <a:r>
+              <a:rPr lang="en-US" dirty="0">
+                <a:solidFill>
+                  <a:srgbClr val="0070C0"/>
+                </a:solidFill>
+              </a:rPr>
+              <a:t>          Pair,</a:t>
+            </a:r>
+          </a:p>
+          <a:p>
+            <a:r>
+              <a:rPr lang="en-US" dirty="0">
+                <a:solidFill>
+                  <a:srgbClr val="0070C0"/>
+                </a:solidFill>
+              </a:rPr>
+              <a:t>          (</a:t>
+            </a:r>
+            <a:r>
+              <a:rPr lang="en-US" dirty="0" err="1">
+                <a:solidFill>
+                  <a:srgbClr val="0070C0"/>
+                </a:solidFill>
+              </a:rPr>
+              <a:t>newFst</a:t>
+            </a:r>
+            <a:r>
+              <a:rPr lang="en-US" dirty="0">
+                <a:solidFill>
+                  <a:srgbClr val="0070C0"/>
+                </a:solidFill>
+              </a:rPr>
+              <a:t>, Object) :: nil,</a:t>
+            </a:r>
+          </a:p>
+          <a:p>
+            <a:r>
+              <a:rPr lang="en-US" dirty="0">
+                <a:solidFill>
+                  <a:srgbClr val="0070C0"/>
+                </a:solidFill>
+              </a:rPr>
+              <a:t>          </a:t>
+            </a:r>
+            <a:r>
+              <a:rPr lang="en-US" dirty="0" err="1">
+                <a:solidFill>
+                  <a:srgbClr val="0070C0"/>
+                </a:solidFill>
+              </a:rPr>
+              <a:t>e_new</a:t>
+            </a:r>
+            <a:r>
+              <a:rPr lang="en-US" dirty="0">
+                <a:solidFill>
+                  <a:srgbClr val="0070C0"/>
+                </a:solidFill>
+              </a:rPr>
+              <a:t> Pair (</a:t>
+            </a:r>
+            <a:r>
+              <a:rPr lang="en-US" dirty="0" err="1">
+                <a:solidFill>
+                  <a:srgbClr val="0070C0"/>
+                </a:solidFill>
+              </a:rPr>
+              <a:t>e_var</a:t>
+            </a:r>
+            <a:r>
+              <a:rPr lang="en-US" dirty="0">
+                <a:solidFill>
+                  <a:srgbClr val="0070C0"/>
+                </a:solidFill>
+              </a:rPr>
+              <a:t> </a:t>
+            </a:r>
+            <a:r>
+              <a:rPr lang="en-US" dirty="0" err="1">
+                <a:solidFill>
+                  <a:srgbClr val="0070C0"/>
+                </a:solidFill>
+              </a:rPr>
+              <a:t>newFst</a:t>
+            </a:r>
+            <a:r>
+              <a:rPr lang="en-US" dirty="0">
+                <a:solidFill>
+                  <a:srgbClr val="0070C0"/>
+                </a:solidFill>
+              </a:rPr>
+              <a:t> :: </a:t>
+            </a:r>
+            <a:r>
+              <a:rPr lang="en-US" dirty="0" err="1">
+                <a:solidFill>
+                  <a:srgbClr val="0070C0"/>
+                </a:solidFill>
               </a:rPr>
               <a:t>e_field</a:t>
             </a:r>
-            <a:endParaRPr lang="en-US" dirty="0">
-              <a:latin typeface="Courier New" panose="02070309020205020404" pitchFamily="49" charset="0"/>
-              <a:cs typeface="Courier New" panose="02070309020205020404" pitchFamily="49" charset="0"/>
-            </a:endParaRPr>
-          </a:p>
-          <a:p>
-            <a:r>
-              <a:rPr lang="en-US" dirty="0">
-                <a:latin typeface="Courier New" panose="02070309020205020404" pitchFamily="49" charset="0"/>
-                <a:cs typeface="Courier New" panose="02070309020205020404" pitchFamily="49" charset="0"/>
-              </a:rPr>
-              <a:t>    </a:t>
-            </a:r>
             <a:r>
               <a:rPr lang="en-US" dirty="0">
                 <a:solidFill>
                   <a:srgbClr val="0070C0"/>
                 </a:solidFill>
-                <a:latin typeface="Courier New" panose="02070309020205020404" pitchFamily="49" charset="0"/>
-                <a:cs typeface="Courier New" panose="02070309020205020404" pitchFamily="49" charset="0"/>
-              </a:rPr>
-              <a:t>(</a:t>
+              </a:rPr>
+              <a:t> (</a:t>
             </a:r>
             <a:r>
               <a:rPr lang="en-US" dirty="0" err="1">
                 <a:solidFill>
                   <a:srgbClr val="0070C0"/>
                 </a:solidFill>
-                <a:latin typeface="Courier New" panose="02070309020205020404" pitchFamily="49" charset="0"/>
-                <a:cs typeface="Courier New" panose="02070309020205020404" pitchFamily="49" charset="0"/>
-              </a:rPr>
-              <a:t>e_meth</a:t>
-            </a:r>
-            <a:endParaRPr lang="en-US" dirty="0">
-              <a:solidFill>
-                <a:srgbClr val="0070C0"/>
-              </a:solidFill>
-              <a:latin typeface="Courier New" panose="02070309020205020404" pitchFamily="49" charset="0"/>
-              <a:cs typeface="Courier New" panose="02070309020205020404" pitchFamily="49" charset="0"/>
-            </a:endParaRPr>
-          </a:p>
-          <a:p>
-            <a:r>
-              <a:rPr lang="en-US" dirty="0">
-                <a:latin typeface="Courier New" panose="02070309020205020404" pitchFamily="49" charset="0"/>
-                <a:cs typeface="Courier New" panose="02070309020205020404" pitchFamily="49" charset="0"/>
-              </a:rPr>
-              <a:t>      </a:t>
-            </a:r>
-            <a:r>
-              <a:rPr lang="en-US" dirty="0">
-                <a:solidFill>
-                  <a:srgbClr val="FF0000"/>
-                </a:solidFill>
-                <a:latin typeface="Courier New" panose="02070309020205020404" pitchFamily="49" charset="0"/>
-                <a:cs typeface="Courier New" panose="02070309020205020404" pitchFamily="49" charset="0"/>
-              </a:rPr>
-              <a:t>(</a:t>
+              </a:rPr>
+              <a:t>e_var</a:t>
+            </a:r>
+            <a:r>
+              <a:rPr lang="en-US" dirty="0">
+                <a:solidFill>
+                  <a:srgbClr val="0070C0"/>
+                </a:solidFill>
+              </a:rPr>
+              <a:t> this) </a:t>
             </a:r>
             <a:r>
               <a:rPr lang="en-US" dirty="0" err="1">
                 <a:solidFill>
-                  <a:srgbClr val="FF0000"/>
-                </a:solidFill>
-                <a:latin typeface="Courier New" panose="02070309020205020404" pitchFamily="49" charset="0"/>
-                <a:cs typeface="Courier New" panose="02070309020205020404" pitchFamily="49" charset="0"/>
-              </a:rPr>
-              <a:t>e_field</a:t>
-            </a:r>
-            <a:endParaRPr lang="en-US" dirty="0">
-              <a:solidFill>
-                <a:srgbClr val="FF0000"/>
-              </a:solidFill>
-              <a:latin typeface="Courier New" panose="02070309020205020404" pitchFamily="49" charset="0"/>
-              <a:cs typeface="Courier New" panose="02070309020205020404" pitchFamily="49" charset="0"/>
-            </a:endParaRPr>
-          </a:p>
-          <a:p>
-            <a:r>
-              <a:rPr lang="en-US" dirty="0">
-                <a:latin typeface="Courier New" panose="02070309020205020404" pitchFamily="49" charset="0"/>
-                <a:cs typeface="Courier New" panose="02070309020205020404" pitchFamily="49" charset="0"/>
-              </a:rPr>
-              <a:t>        </a:t>
-            </a:r>
-            <a:r>
-              <a:rPr lang="en-US" dirty="0">
-                <a:solidFill>
-                  <a:srgbClr val="00B050"/>
-                </a:solidFill>
-                <a:latin typeface="Courier New" panose="02070309020205020404" pitchFamily="49" charset="0"/>
-                <a:cs typeface="Courier New" panose="02070309020205020404" pitchFamily="49" charset="0"/>
-              </a:rPr>
-              <a:t>(</a:t>
-            </a:r>
-            <a:r>
-              <a:rPr lang="en-US" dirty="0" err="1">
-                <a:solidFill>
-                  <a:srgbClr val="00B050"/>
-                </a:solidFill>
-                <a:latin typeface="Courier New" panose="02070309020205020404" pitchFamily="49" charset="0"/>
-                <a:cs typeface="Courier New" panose="02070309020205020404" pitchFamily="49" charset="0"/>
-              </a:rPr>
-              <a:t>e_new</a:t>
-            </a:r>
-            <a:r>
-              <a:rPr lang="en-US" dirty="0">
-                <a:solidFill>
-                  <a:srgbClr val="00B050"/>
-                </a:solidFill>
-                <a:latin typeface="Courier New" panose="02070309020205020404" pitchFamily="49" charset="0"/>
-                <a:cs typeface="Courier New" panose="02070309020205020404" pitchFamily="49" charset="0"/>
-              </a:rPr>
-              <a:t> Pair (</a:t>
-            </a:r>
-          </a:p>
-          <a:p>
-            <a:r>
-              <a:rPr lang="en-US" dirty="0">
-                <a:solidFill>
-                  <a:srgbClr val="00B050"/>
-                </a:solidFill>
-                <a:latin typeface="Courier New" panose="02070309020205020404" pitchFamily="49" charset="0"/>
-                <a:cs typeface="Courier New" panose="02070309020205020404" pitchFamily="49" charset="0"/>
-              </a:rPr>
-              <a:t>          (</a:t>
-            </a:r>
-            <a:r>
-              <a:rPr lang="en-US" dirty="0" err="1">
-                <a:solidFill>
-                  <a:srgbClr val="00B050"/>
-                </a:solidFill>
-                <a:latin typeface="Courier New" panose="02070309020205020404" pitchFamily="49" charset="0"/>
-                <a:cs typeface="Courier New" panose="02070309020205020404" pitchFamily="49" charset="0"/>
-              </a:rPr>
-              <a:t>e_new</a:t>
-            </a:r>
-            <a:r>
-              <a:rPr lang="en-US" dirty="0">
-                <a:solidFill>
-                  <a:srgbClr val="00B050"/>
-                </a:solidFill>
-                <a:latin typeface="Courier New" panose="02070309020205020404" pitchFamily="49" charset="0"/>
-                <a:cs typeface="Courier New" panose="02070309020205020404" pitchFamily="49" charset="0"/>
-              </a:rPr>
-              <a:t> Pair</a:t>
-            </a:r>
-          </a:p>
-          <a:p>
-            <a:r>
-              <a:rPr lang="en-US" dirty="0">
-                <a:solidFill>
-                  <a:srgbClr val="00B050"/>
-                </a:solidFill>
-                <a:latin typeface="Courier New" panose="02070309020205020404" pitchFamily="49" charset="0"/>
-                <a:cs typeface="Courier New" panose="02070309020205020404" pitchFamily="49" charset="0"/>
-              </a:rPr>
-              <a:t>            ((</a:t>
-            </a:r>
-            <a:r>
-              <a:rPr lang="en-US" dirty="0" err="1">
-                <a:solidFill>
-                  <a:srgbClr val="00B050"/>
-                </a:solidFill>
-                <a:latin typeface="Courier New" panose="02070309020205020404" pitchFamily="49" charset="0"/>
-                <a:cs typeface="Courier New" panose="02070309020205020404" pitchFamily="49" charset="0"/>
-              </a:rPr>
-              <a:t>e_new</a:t>
-            </a:r>
-            <a:r>
-              <a:rPr lang="en-US" dirty="0">
-                <a:solidFill>
-                  <a:srgbClr val="00B050"/>
-                </a:solidFill>
-                <a:latin typeface="Courier New" panose="02070309020205020404" pitchFamily="49" charset="0"/>
-                <a:cs typeface="Courier New" panose="02070309020205020404" pitchFamily="49" charset="0"/>
-              </a:rPr>
-              <a:t> C nil)</a:t>
-            </a:r>
-          </a:p>
-          <a:p>
-            <a:r>
-              <a:rPr lang="en-US" dirty="0">
-                <a:solidFill>
-                  <a:srgbClr val="00B050"/>
-                </a:solidFill>
-                <a:latin typeface="Courier New" panose="02070309020205020404" pitchFamily="49" charset="0"/>
-                <a:cs typeface="Courier New" panose="02070309020205020404" pitchFamily="49" charset="0"/>
-              </a:rPr>
-              <a:t>             ::(</a:t>
-            </a:r>
-            <a:r>
-              <a:rPr lang="en-US" dirty="0" err="1">
-                <a:solidFill>
-                  <a:srgbClr val="00B050"/>
-                </a:solidFill>
-                <a:latin typeface="Courier New" panose="02070309020205020404" pitchFamily="49" charset="0"/>
-                <a:cs typeface="Courier New" panose="02070309020205020404" pitchFamily="49" charset="0"/>
-              </a:rPr>
-              <a:t>e_new</a:t>
-            </a:r>
-            <a:r>
-              <a:rPr lang="en-US" dirty="0">
-                <a:solidFill>
-                  <a:srgbClr val="00B050"/>
-                </a:solidFill>
-                <a:latin typeface="Courier New" panose="02070309020205020404" pitchFamily="49" charset="0"/>
-                <a:cs typeface="Courier New" panose="02070309020205020404" pitchFamily="49" charset="0"/>
-              </a:rPr>
-              <a:t> D nil)::nil)</a:t>
-            </a:r>
-          </a:p>
-          <a:p>
-            <a:r>
-              <a:rPr lang="en-US" dirty="0">
-                <a:solidFill>
-                  <a:srgbClr val="00B050"/>
-                </a:solidFill>
-                <a:latin typeface="Courier New" panose="02070309020205020404" pitchFamily="49" charset="0"/>
-                <a:cs typeface="Courier New" panose="02070309020205020404" pitchFamily="49" charset="0"/>
-              </a:rPr>
-              <a:t>          )</a:t>
-            </a:r>
-          </a:p>
-          <a:p>
-            <a:r>
-              <a:rPr lang="en-US" dirty="0">
-                <a:solidFill>
-                  <a:srgbClr val="00B050"/>
-                </a:solidFill>
-                <a:latin typeface="Courier New" panose="02070309020205020404" pitchFamily="49" charset="0"/>
-                <a:cs typeface="Courier New" panose="02070309020205020404" pitchFamily="49" charset="0"/>
-              </a:rPr>
-              <a:t>          ::(</a:t>
-            </a:r>
-            <a:r>
-              <a:rPr lang="en-US" dirty="0" err="1">
-                <a:solidFill>
-                  <a:srgbClr val="00B050"/>
-                </a:solidFill>
-                <a:latin typeface="Courier New" panose="02070309020205020404" pitchFamily="49" charset="0"/>
-                <a:cs typeface="Courier New" panose="02070309020205020404" pitchFamily="49" charset="0"/>
-              </a:rPr>
-              <a:t>e_new</a:t>
-            </a:r>
-            <a:r>
-              <a:rPr lang="en-US" dirty="0">
-                <a:solidFill>
-                  <a:srgbClr val="00B050"/>
-                </a:solidFill>
-                <a:latin typeface="Courier New" panose="02070309020205020404" pitchFamily="49" charset="0"/>
-                <a:cs typeface="Courier New" panose="02070309020205020404" pitchFamily="49" charset="0"/>
-              </a:rPr>
-              <a:t> C nil)::nil)</a:t>
-            </a:r>
-          </a:p>
-          <a:p>
-            <a:r>
-              <a:rPr lang="en-US" dirty="0">
-                <a:solidFill>
-                  <a:srgbClr val="00B050"/>
-                </a:solidFill>
-                <a:latin typeface="Courier New" panose="02070309020205020404" pitchFamily="49" charset="0"/>
-                <a:cs typeface="Courier New" panose="02070309020205020404" pitchFamily="49" charset="0"/>
+                  <a:srgbClr val="0070C0"/>
+                </a:solidFill>
+              </a:rPr>
+              <a:t>mySnd</a:t>
+            </a:r>
+            <a:r>
+              <a:rPr lang="en-US" dirty="0">
+                <a:solidFill>
+                  <a:srgbClr val="0070C0"/>
+                </a:solidFill>
+              </a:rPr>
+              <a:t> :: nil)</a:t>
+            </a:r>
+          </a:p>
+          <a:p>
+            <a:r>
+              <a:rPr lang="en-US" dirty="0">
+                <a:solidFill>
+                  <a:srgbClr val="0070C0"/>
+                </a:solidFill>
+              </a:rPr>
+              <a:t>         )</a:t>
+            </a:r>
+          </a:p>
+          <a:p>
+            <a:r>
+              <a:rPr lang="en-US" dirty="0">
+                <a:solidFill>
+                  <a:srgbClr val="0070C0"/>
+                </a:solidFill>
               </a:rPr>
               <a:t>        )</a:t>
             </a:r>
@@ -14635,143 +13784,51 @@
           <a:p>
             <a:r>
               <a:rPr lang="en-US" dirty="0">
-                <a:latin typeface="Courier New" panose="02070309020205020404" pitchFamily="49" charset="0"/>
-                <a:cs typeface="Courier New" panose="02070309020205020404" pitchFamily="49" charset="0"/>
-              </a:rPr>
-              <a:t>      </a:t>
-            </a:r>
-            <a:r>
-              <a:rPr lang="en-US" dirty="0" err="1">
-                <a:solidFill>
-                  <a:srgbClr val="FF0000"/>
-                </a:solidFill>
-                <a:latin typeface="Courier New" panose="02070309020205020404" pitchFamily="49" charset="0"/>
-                <a:cs typeface="Courier New" panose="02070309020205020404" pitchFamily="49" charset="0"/>
-              </a:rPr>
-              <a:t>myFst</a:t>
-            </a:r>
-            <a:r>
-              <a:rPr lang="en-US" dirty="0">
-                <a:solidFill>
-                  <a:srgbClr val="FF0000"/>
-                </a:solidFill>
-                <a:latin typeface="Courier New" panose="02070309020205020404" pitchFamily="49" charset="0"/>
-                <a:cs typeface="Courier New" panose="02070309020205020404" pitchFamily="49" charset="0"/>
-              </a:rPr>
-              <a:t>)</a:t>
-            </a:r>
-          </a:p>
-          <a:p>
-            <a:r>
-              <a:rPr lang="en-US" dirty="0">
-                <a:latin typeface="Courier New" panose="02070309020205020404" pitchFamily="49" charset="0"/>
-                <a:cs typeface="Courier New" panose="02070309020205020404" pitchFamily="49" charset="0"/>
-              </a:rPr>
-              <a:t>      </a:t>
-            </a:r>
-            <a:r>
-              <a:rPr lang="en-US" dirty="0" err="1">
-                <a:solidFill>
-                  <a:srgbClr val="0070C0"/>
-                </a:solidFill>
-                <a:latin typeface="Courier New" panose="02070309020205020404" pitchFamily="49" charset="0"/>
-                <a:cs typeface="Courier New" panose="02070309020205020404" pitchFamily="49" charset="0"/>
-              </a:rPr>
-              <a:t>setFst</a:t>
-            </a:r>
-            <a:endParaRPr lang="en-US" dirty="0">
-              <a:solidFill>
-                <a:srgbClr val="0070C0"/>
-              </a:solidFill>
-              <a:latin typeface="Courier New" panose="02070309020205020404" pitchFamily="49" charset="0"/>
-              <a:cs typeface="Courier New" panose="02070309020205020404" pitchFamily="49" charset="0"/>
-            </a:endParaRPr>
-          </a:p>
-          <a:p>
-            <a:r>
-              <a:rPr lang="en-US" dirty="0">
-                <a:solidFill>
-                  <a:srgbClr val="0070C0"/>
-                </a:solidFill>
-                <a:latin typeface="Courier New" panose="02070309020205020404" pitchFamily="49" charset="0"/>
-                <a:cs typeface="Courier New" panose="02070309020205020404" pitchFamily="49" charset="0"/>
-              </a:rPr>
-              <a:t>      ((</a:t>
-            </a:r>
-            <a:r>
-              <a:rPr lang="en-US" dirty="0" err="1">
-                <a:solidFill>
-                  <a:srgbClr val="0070C0"/>
-                </a:solidFill>
-                <a:latin typeface="Courier New" panose="02070309020205020404" pitchFamily="49" charset="0"/>
-                <a:cs typeface="Courier New" panose="02070309020205020404" pitchFamily="49" charset="0"/>
-              </a:rPr>
-              <a:t>e_new</a:t>
-            </a:r>
-            <a:r>
-              <a:rPr lang="en-US" dirty="0">
-                <a:solidFill>
-                  <a:srgbClr val="0070C0"/>
-                </a:solidFill>
-                <a:latin typeface="Courier New" panose="02070309020205020404" pitchFamily="49" charset="0"/>
-                <a:cs typeface="Courier New" panose="02070309020205020404" pitchFamily="49" charset="0"/>
-              </a:rPr>
-              <a:t> D nil)::nil)</a:t>
-            </a:r>
-          </a:p>
-          <a:p>
-            <a:r>
-              <a:rPr lang="en-US" dirty="0">
-                <a:solidFill>
-                  <a:srgbClr val="0070C0"/>
-                </a:solidFill>
-                <a:latin typeface="Courier New" panose="02070309020205020404" pitchFamily="49" charset="0"/>
-                <a:cs typeface="Courier New" panose="02070309020205020404" pitchFamily="49" charset="0"/>
-              </a:rPr>
-              <a:t>    )</a:t>
-            </a:r>
-          </a:p>
-          <a:p>
-            <a:r>
-              <a:rPr lang="en-US" dirty="0">
-                <a:latin typeface="Courier New" panose="02070309020205020404" pitchFamily="49" charset="0"/>
-                <a:cs typeface="Courier New" panose="02070309020205020404" pitchFamily="49" charset="0"/>
-              </a:rPr>
-              <a:t>  </a:t>
-            </a:r>
-            <a:r>
-              <a:rPr lang="en-US" dirty="0" err="1">
-                <a:latin typeface="Courier New" panose="02070309020205020404" pitchFamily="49" charset="0"/>
-                <a:cs typeface="Courier New" panose="02070309020205020404" pitchFamily="49" charset="0"/>
-              </a:rPr>
-              <a:t>mySnd</a:t>
-            </a:r>
-            <a:endParaRPr lang="en-US" dirty="0">
-              <a:latin typeface="Courier New" panose="02070309020205020404" pitchFamily="49" charset="0"/>
-              <a:cs typeface="Courier New" panose="02070309020205020404" pitchFamily="49" charset="0"/>
-            </a:endParaRPr>
-          </a:p>
-          <a:p>
-            <a:r>
-              <a:rPr lang="en-US" dirty="0">
-                <a:latin typeface="Courier New" panose="02070309020205020404" pitchFamily="49" charset="0"/>
-                <a:cs typeface="Courier New" panose="02070309020205020404" pitchFamily="49" charset="0"/>
-              </a:rPr>
-              <a:t>).</a:t>
+                <a:solidFill>
+                  <a:srgbClr val="FF0000"/>
+                </a:solidFill>
+              </a:rPr>
+              <a:t>        :: nil </a:t>
+            </a:r>
+          </a:p>
+          <a:p>
+            <a:r>
+              <a:rPr lang="en-US" dirty="0">
+                <a:solidFill>
+                  <a:srgbClr val="FF0000"/>
+                </a:solidFill>
+              </a:rPr>
+              <a:t>      )</a:t>
+            </a:r>
+          </a:p>
+          <a:p>
+            <a:r>
+              <a:rPr lang="en-US" dirty="0">
+                <a:solidFill>
+                  <a:srgbClr val="FF0000"/>
+                </a:solidFill>
+              </a:rPr>
+              <a:t>    ))</a:t>
+            </a:r>
+          </a:p>
+          <a:p>
+            <a:r>
+              <a:rPr lang="en-US" dirty="0"/>
+              <a:t>  :: nil).</a:t>
             </a:r>
           </a:p>
         </p:txBody>
       </p:sp>
       <p:sp>
         <p:nvSpPr>
-          <p:cNvPr id="7" name="Rectangle 6"/>
+          <p:cNvPr id="3" name="Rectangle 2"/>
           <p:cNvSpPr/>
           <p:nvPr/>
         </p:nvSpPr>
         <p:spPr>
           <a:xfrm>
-            <a:off x="104775" y="6157908"/>
-            <a:ext cx="11639550" cy="307777"/>
+            <a:off x="3171825" y="1290935"/>
+            <a:ext cx="6543675" cy="3108543"/>
           </a:xfrm>
           <a:prstGeom prst="rect">
             <a:avLst/>
@@ -14784,120 +13841,525 @@
           <a:lstStyle/>
           <a:p>
             <a:r>
-              <a:rPr lang="en-US" sz="1400" dirty="0">
+              <a:rPr lang="en-US" sz="1600" dirty="0">
+                <a:solidFill>
+                  <a:srgbClr val="FF0000"/>
+                </a:solidFill>
+                <a:latin typeface="Courier New" panose="02070309020205020404" pitchFamily="49" charset="0"/>
+                <a:cs typeface="Courier New" panose="02070309020205020404" pitchFamily="49" charset="0"/>
+              </a:rPr>
+              <a:t>class Pair </a:t>
+            </a:r>
+            <a:r>
+              <a:rPr lang="en-US" sz="1600" dirty="0">
+                <a:solidFill>
+                  <a:srgbClr val="7030A0"/>
+                </a:solidFill>
+                <a:latin typeface="Courier New" panose="02070309020205020404" pitchFamily="49" charset="0"/>
+                <a:cs typeface="Courier New" panose="02070309020205020404" pitchFamily="49" charset="0"/>
+              </a:rPr>
+              <a:t>extends Object </a:t>
+            </a:r>
+            <a:r>
+              <a:rPr lang="en-US" sz="1600" dirty="0">
+                <a:solidFill>
+                  <a:srgbClr val="FF0000"/>
+                </a:solidFill>
+                <a:latin typeface="Courier New" panose="02070309020205020404" pitchFamily="49" charset="0"/>
+                <a:cs typeface="Courier New" panose="02070309020205020404" pitchFamily="49" charset="0"/>
+              </a:rPr>
+              <a:t>{</a:t>
+            </a:r>
+          </a:p>
+          <a:p>
+            <a:r>
+              <a:rPr lang="en-US" sz="1600" dirty="0">
+                <a:solidFill>
+                  <a:srgbClr val="00B050"/>
+                </a:solidFill>
+                <a:latin typeface="Courier New" panose="02070309020205020404" pitchFamily="49" charset="0"/>
+                <a:cs typeface="Courier New" panose="02070309020205020404" pitchFamily="49" charset="0"/>
+              </a:rPr>
+              <a:t>	Object </a:t>
+            </a:r>
+            <a:r>
+              <a:rPr lang="en-US" sz="1600" dirty="0" err="1">
+                <a:solidFill>
+                  <a:srgbClr val="00B050"/>
+                </a:solidFill>
+                <a:latin typeface="Courier New" panose="02070309020205020404" pitchFamily="49" charset="0"/>
+                <a:cs typeface="Courier New" panose="02070309020205020404" pitchFamily="49" charset="0"/>
+              </a:rPr>
+              <a:t>myFst</a:t>
+            </a:r>
+            <a:r>
+              <a:rPr lang="en-US" sz="1600" dirty="0">
+                <a:solidFill>
+                  <a:srgbClr val="00B050"/>
+                </a:solidFill>
+                <a:latin typeface="Courier New" panose="02070309020205020404" pitchFamily="49" charset="0"/>
+                <a:cs typeface="Courier New" panose="02070309020205020404" pitchFamily="49" charset="0"/>
+              </a:rPr>
+              <a:t>;</a:t>
+            </a:r>
+          </a:p>
+          <a:p>
+            <a:r>
+              <a:rPr lang="en-US" sz="1600" dirty="0">
+                <a:solidFill>
+                  <a:srgbClr val="00B050"/>
+                </a:solidFill>
+                <a:latin typeface="Courier New" panose="02070309020205020404" pitchFamily="49" charset="0"/>
+                <a:cs typeface="Courier New" panose="02070309020205020404" pitchFamily="49" charset="0"/>
+              </a:rPr>
+              <a:t>	Object </a:t>
+            </a:r>
+            <a:r>
+              <a:rPr lang="en-US" sz="1600" dirty="0" err="1">
+                <a:solidFill>
+                  <a:srgbClr val="00B050"/>
+                </a:solidFill>
+                <a:latin typeface="Courier New" panose="02070309020205020404" pitchFamily="49" charset="0"/>
+                <a:cs typeface="Courier New" panose="02070309020205020404" pitchFamily="49" charset="0"/>
+              </a:rPr>
+              <a:t>mySnd</a:t>
+            </a:r>
+            <a:r>
+              <a:rPr lang="en-US" sz="1600" dirty="0">
+                <a:solidFill>
+                  <a:srgbClr val="00B050"/>
+                </a:solidFill>
+                <a:latin typeface="Courier New" panose="02070309020205020404" pitchFamily="49" charset="0"/>
+                <a:cs typeface="Courier New" panose="02070309020205020404" pitchFamily="49" charset="0"/>
+              </a:rPr>
+              <a:t>;</a:t>
+            </a:r>
+          </a:p>
+          <a:p>
+            <a:r>
+              <a:rPr lang="en-US" sz="1600" dirty="0">
+                <a:solidFill>
+                  <a:srgbClr val="FF0000"/>
+                </a:solidFill>
+                <a:latin typeface="Courier New" panose="02070309020205020404" pitchFamily="49" charset="0"/>
+                <a:cs typeface="Courier New" panose="02070309020205020404" pitchFamily="49" charset="0"/>
+              </a:rPr>
+              <a:t>	Pair(Object </a:t>
+            </a:r>
+            <a:r>
+              <a:rPr lang="en-US" sz="1600" dirty="0" err="1">
+                <a:solidFill>
+                  <a:srgbClr val="FF0000"/>
+                </a:solidFill>
+                <a:latin typeface="Courier New" panose="02070309020205020404" pitchFamily="49" charset="0"/>
+                <a:cs typeface="Courier New" panose="02070309020205020404" pitchFamily="49" charset="0"/>
+              </a:rPr>
+              <a:t>myFst</a:t>
+            </a:r>
+            <a:r>
+              <a:rPr lang="en-US" sz="1600" dirty="0">
+                <a:solidFill>
+                  <a:srgbClr val="FF0000"/>
+                </a:solidFill>
+                <a:latin typeface="Courier New" panose="02070309020205020404" pitchFamily="49" charset="0"/>
+                <a:cs typeface="Courier New" panose="02070309020205020404" pitchFamily="49" charset="0"/>
+              </a:rPr>
+              <a:t>, Object </a:t>
+            </a:r>
+            <a:r>
+              <a:rPr lang="en-US" sz="1600" dirty="0" err="1">
+                <a:solidFill>
+                  <a:srgbClr val="FF0000"/>
+                </a:solidFill>
+                <a:latin typeface="Courier New" panose="02070309020205020404" pitchFamily="49" charset="0"/>
+                <a:cs typeface="Courier New" panose="02070309020205020404" pitchFamily="49" charset="0"/>
+              </a:rPr>
+              <a:t>mySnd</a:t>
+            </a:r>
+            <a:r>
+              <a:rPr lang="en-US" sz="1600" dirty="0">
+                <a:solidFill>
+                  <a:srgbClr val="FF0000"/>
+                </a:solidFill>
+                <a:latin typeface="Courier New" panose="02070309020205020404" pitchFamily="49" charset="0"/>
+                <a:cs typeface="Courier New" panose="02070309020205020404" pitchFamily="49" charset="0"/>
+              </a:rPr>
+              <a:t>) {</a:t>
+            </a:r>
+          </a:p>
+          <a:p>
+            <a:r>
+              <a:rPr lang="en-US" sz="1600" dirty="0">
+                <a:solidFill>
+                  <a:srgbClr val="FF0000"/>
+                </a:solidFill>
+                <a:latin typeface="Courier New" panose="02070309020205020404" pitchFamily="49" charset="0"/>
+                <a:cs typeface="Courier New" panose="02070309020205020404" pitchFamily="49" charset="0"/>
+              </a:rPr>
+              <a:t>		super();</a:t>
+            </a:r>
+          </a:p>
+          <a:p>
+            <a:r>
+              <a:rPr lang="en-US" sz="1600" dirty="0">
+                <a:solidFill>
+                  <a:srgbClr val="FF0000"/>
+                </a:solidFill>
+                <a:latin typeface="Courier New" panose="02070309020205020404" pitchFamily="49" charset="0"/>
+                <a:cs typeface="Courier New" panose="02070309020205020404" pitchFamily="49" charset="0"/>
+              </a:rPr>
+              <a:t>		</a:t>
+            </a:r>
+            <a:r>
+              <a:rPr lang="en-US" sz="1600" dirty="0" err="1">
+                <a:solidFill>
+                  <a:srgbClr val="FF0000"/>
+                </a:solidFill>
+                <a:latin typeface="Courier New" panose="02070309020205020404" pitchFamily="49" charset="0"/>
+                <a:cs typeface="Courier New" panose="02070309020205020404" pitchFamily="49" charset="0"/>
+              </a:rPr>
+              <a:t>this.myFst</a:t>
+            </a:r>
+            <a:r>
+              <a:rPr lang="en-US" sz="1600" dirty="0">
+                <a:solidFill>
+                  <a:srgbClr val="FF0000"/>
+                </a:solidFill>
+                <a:latin typeface="Courier New" panose="02070309020205020404" pitchFamily="49" charset="0"/>
+                <a:cs typeface="Courier New" panose="02070309020205020404" pitchFamily="49" charset="0"/>
+              </a:rPr>
+              <a:t> = </a:t>
+            </a:r>
+            <a:r>
+              <a:rPr lang="en-US" sz="1600" dirty="0" err="1">
+                <a:solidFill>
+                  <a:srgbClr val="FF0000"/>
+                </a:solidFill>
+                <a:latin typeface="Courier New" panose="02070309020205020404" pitchFamily="49" charset="0"/>
+                <a:cs typeface="Courier New" panose="02070309020205020404" pitchFamily="49" charset="0"/>
+              </a:rPr>
+              <a:t>myFst</a:t>
+            </a:r>
+            <a:r>
+              <a:rPr lang="en-US" sz="1600" dirty="0">
+                <a:solidFill>
+                  <a:srgbClr val="FF0000"/>
+                </a:solidFill>
+                <a:latin typeface="Courier New" panose="02070309020205020404" pitchFamily="49" charset="0"/>
+                <a:cs typeface="Courier New" panose="02070309020205020404" pitchFamily="49" charset="0"/>
+              </a:rPr>
+              <a:t>;</a:t>
+            </a:r>
+          </a:p>
+          <a:p>
+            <a:r>
+              <a:rPr lang="en-US" sz="1600" dirty="0">
+                <a:solidFill>
+                  <a:srgbClr val="FF0000"/>
+                </a:solidFill>
+                <a:latin typeface="Courier New" panose="02070309020205020404" pitchFamily="49" charset="0"/>
+                <a:cs typeface="Courier New" panose="02070309020205020404" pitchFamily="49" charset="0"/>
+              </a:rPr>
+              <a:t>		</a:t>
+            </a:r>
+            <a:r>
+              <a:rPr lang="en-US" sz="1600" dirty="0" err="1">
+                <a:solidFill>
+                  <a:srgbClr val="FF0000"/>
+                </a:solidFill>
+                <a:latin typeface="Courier New" panose="02070309020205020404" pitchFamily="49" charset="0"/>
+                <a:cs typeface="Courier New" panose="02070309020205020404" pitchFamily="49" charset="0"/>
+              </a:rPr>
+              <a:t>this.mySnd</a:t>
+            </a:r>
+            <a:r>
+              <a:rPr lang="en-US" sz="1600" dirty="0">
+                <a:solidFill>
+                  <a:srgbClr val="FF0000"/>
+                </a:solidFill>
+                <a:latin typeface="Courier New" panose="02070309020205020404" pitchFamily="49" charset="0"/>
+                <a:cs typeface="Courier New" panose="02070309020205020404" pitchFamily="49" charset="0"/>
+              </a:rPr>
+              <a:t> = </a:t>
+            </a:r>
+            <a:r>
+              <a:rPr lang="en-US" sz="1600" dirty="0" err="1">
+                <a:solidFill>
+                  <a:srgbClr val="FF0000"/>
+                </a:solidFill>
+                <a:latin typeface="Courier New" panose="02070309020205020404" pitchFamily="49" charset="0"/>
+                <a:cs typeface="Courier New" panose="02070309020205020404" pitchFamily="49" charset="0"/>
+              </a:rPr>
+              <a:t>mySnd</a:t>
+            </a:r>
+            <a:r>
+              <a:rPr lang="en-US" sz="1600" dirty="0">
+                <a:solidFill>
+                  <a:srgbClr val="FF0000"/>
+                </a:solidFill>
+                <a:latin typeface="Courier New" panose="02070309020205020404" pitchFamily="49" charset="0"/>
+                <a:cs typeface="Courier New" panose="02070309020205020404" pitchFamily="49" charset="0"/>
+              </a:rPr>
+              <a:t>;</a:t>
+            </a:r>
+          </a:p>
+          <a:p>
+            <a:r>
+              <a:rPr lang="en-US" sz="1600" dirty="0">
+                <a:solidFill>
+                  <a:srgbClr val="FF0000"/>
+                </a:solidFill>
+                <a:latin typeface="Courier New" panose="02070309020205020404" pitchFamily="49" charset="0"/>
+                <a:cs typeface="Courier New" panose="02070309020205020404" pitchFamily="49" charset="0"/>
+              </a:rPr>
+              <a:t>	}</a:t>
+            </a:r>
+          </a:p>
+          <a:p>
+            <a:r>
+              <a:rPr lang="en-US" sz="1600" dirty="0">
+                <a:solidFill>
+                  <a:srgbClr val="FF0000"/>
+                </a:solidFill>
+                <a:latin typeface="Courier New" panose="02070309020205020404" pitchFamily="49" charset="0"/>
+                <a:cs typeface="Courier New" panose="02070309020205020404" pitchFamily="49" charset="0"/>
+              </a:rPr>
+              <a:t>	</a:t>
+            </a:r>
+            <a:r>
+              <a:rPr lang="en-US" sz="1600" dirty="0">
                 <a:solidFill>
                   <a:srgbClr val="0070C0"/>
                 </a:solidFill>
                 <a:latin typeface="Courier New" panose="02070309020205020404" pitchFamily="49" charset="0"/>
                 <a:cs typeface="Courier New" panose="02070309020205020404" pitchFamily="49" charset="0"/>
               </a:rPr>
-              <a:t>(</a:t>
-            </a:r>
-            <a:r>
-              <a:rPr lang="en-US" sz="1400" dirty="0">
-                <a:solidFill>
-                  <a:srgbClr val="FF0000"/>
-                </a:solidFill>
-                <a:latin typeface="Courier New" panose="02070309020205020404" pitchFamily="49" charset="0"/>
-                <a:cs typeface="Courier New" panose="02070309020205020404" pitchFamily="49" charset="0"/>
-              </a:rPr>
-              <a:t>(</a:t>
-            </a:r>
-            <a:r>
-              <a:rPr lang="en-US" sz="1400" dirty="0">
-                <a:solidFill>
-                  <a:srgbClr val="00B050"/>
-                </a:solidFill>
-                <a:latin typeface="Courier New" panose="02070309020205020404" pitchFamily="49" charset="0"/>
-                <a:cs typeface="Courier New" panose="02070309020205020404" pitchFamily="49" charset="0"/>
-              </a:rPr>
-              <a:t>(new Pair(new Pair(new C(), new D()), new C()))</a:t>
-            </a:r>
-            <a:r>
-              <a:rPr lang="en-US" sz="1400" dirty="0">
-                <a:solidFill>
-                  <a:srgbClr val="FF0000"/>
-                </a:solidFill>
-                <a:latin typeface="Courier New" panose="02070309020205020404" pitchFamily="49" charset="0"/>
-                <a:cs typeface="Courier New" panose="02070309020205020404" pitchFamily="49" charset="0"/>
-              </a:rPr>
-              <a:t>.</a:t>
-            </a:r>
-            <a:r>
-              <a:rPr lang="en-US" sz="1400" dirty="0" err="1">
-                <a:solidFill>
-                  <a:srgbClr val="FF0000"/>
-                </a:solidFill>
-                <a:latin typeface="Courier New" panose="02070309020205020404" pitchFamily="49" charset="0"/>
-                <a:cs typeface="Courier New" panose="02070309020205020404" pitchFamily="49" charset="0"/>
-              </a:rPr>
-              <a:t>myFst</a:t>
-            </a:r>
-            <a:r>
-              <a:rPr lang="en-US" sz="1400" dirty="0">
-                <a:solidFill>
-                  <a:srgbClr val="FF0000"/>
-                </a:solidFill>
-                <a:latin typeface="Courier New" panose="02070309020205020404" pitchFamily="49" charset="0"/>
-                <a:cs typeface="Courier New" panose="02070309020205020404" pitchFamily="49" charset="0"/>
-              </a:rPr>
-              <a:t>)</a:t>
-            </a:r>
-            <a:r>
-              <a:rPr lang="en-US" sz="1400" dirty="0">
+              <a:t>Pair </a:t>
+            </a:r>
+            <a:r>
+              <a:rPr lang="en-US" sz="1600" dirty="0" err="1">
                 <a:solidFill>
                   <a:srgbClr val="0070C0"/>
                 </a:solidFill>
                 <a:latin typeface="Courier New" panose="02070309020205020404" pitchFamily="49" charset="0"/>
                 <a:cs typeface="Courier New" panose="02070309020205020404" pitchFamily="49" charset="0"/>
               </a:rPr>
-              <a:t>.</a:t>
-            </a:r>
-            <a:r>
-              <a:rPr lang="en-US" sz="1400" dirty="0" err="1">
+              <a:t>setFst</a:t>
+            </a:r>
+            <a:r>
+              <a:rPr lang="en-US" sz="1600" dirty="0">
                 <a:solidFill>
                   <a:srgbClr val="0070C0"/>
                 </a:solidFill>
                 <a:latin typeface="Courier New" panose="02070309020205020404" pitchFamily="49" charset="0"/>
                 <a:cs typeface="Courier New" panose="02070309020205020404" pitchFamily="49" charset="0"/>
               </a:rPr>
-              <a:t>setFst</a:t>
-            </a:r>
-            <a:r>
-              <a:rPr lang="en-US" sz="1400" dirty="0">
+              <a:t>(Object </a:t>
+            </a:r>
+            <a:r>
+              <a:rPr lang="en-US" sz="1600" dirty="0" err="1">
                 <a:solidFill>
                   <a:srgbClr val="0070C0"/>
                 </a:solidFill>
                 <a:latin typeface="Courier New" panose="02070309020205020404" pitchFamily="49" charset="0"/>
                 <a:cs typeface="Courier New" panose="02070309020205020404" pitchFamily="49" charset="0"/>
               </a:rPr>
-              <a:t>(new D()))</a:t>
-            </a:r>
-            <a:r>
-              <a:rPr lang="en-US" sz="1400" dirty="0">
-                <a:latin typeface="Courier New" panose="02070309020205020404" pitchFamily="49" charset="0"/>
-                <a:cs typeface="Courier New" panose="02070309020205020404" pitchFamily="49" charset="0"/>
-              </a:rPr>
-              <a:t>.</a:t>
-            </a:r>
-            <a:r>
-              <a:rPr lang="en-US" sz="1400" dirty="0" err="1">
-                <a:latin typeface="Courier New" panose="02070309020205020404" pitchFamily="49" charset="0"/>
-                <a:cs typeface="Courier New" panose="02070309020205020404" pitchFamily="49" charset="0"/>
-              </a:rPr>
-              <a:t>mySnd</a:t>
-            </a:r>
-            <a:endParaRPr lang="en-US" sz="1400" dirty="0">
-              <a:latin typeface="Courier New" panose="02070309020205020404" pitchFamily="49" charset="0"/>
-              <a:cs typeface="Courier New" panose="02070309020205020404" pitchFamily="49" charset="0"/>
-            </a:endParaRPr>
+              <a:t>newFst</a:t>
+            </a:r>
+            <a:r>
+              <a:rPr lang="en-US" sz="1600" dirty="0">
+                <a:solidFill>
+                  <a:srgbClr val="0070C0"/>
+                </a:solidFill>
+                <a:latin typeface="Courier New" panose="02070309020205020404" pitchFamily="49" charset="0"/>
+                <a:cs typeface="Courier New" panose="02070309020205020404" pitchFamily="49" charset="0"/>
+              </a:rPr>
+              <a:t>) {</a:t>
+            </a:r>
+          </a:p>
+          <a:p>
+            <a:r>
+              <a:rPr lang="en-US" sz="1600" dirty="0">
+                <a:solidFill>
+                  <a:srgbClr val="0070C0"/>
+                </a:solidFill>
+                <a:latin typeface="Courier New" panose="02070309020205020404" pitchFamily="49" charset="0"/>
+                <a:cs typeface="Courier New" panose="02070309020205020404" pitchFamily="49" charset="0"/>
+              </a:rPr>
+              <a:t>		return new Pair(</a:t>
+            </a:r>
+            <a:r>
+              <a:rPr lang="en-US" sz="1600" dirty="0" err="1">
+                <a:solidFill>
+                  <a:srgbClr val="0070C0"/>
+                </a:solidFill>
+                <a:latin typeface="Courier New" panose="02070309020205020404" pitchFamily="49" charset="0"/>
+                <a:cs typeface="Courier New" panose="02070309020205020404" pitchFamily="49" charset="0"/>
+              </a:rPr>
+              <a:t>newFst</a:t>
+            </a:r>
+            <a:r>
+              <a:rPr lang="en-US" sz="1600" dirty="0">
+                <a:solidFill>
+                  <a:srgbClr val="0070C0"/>
+                </a:solidFill>
+                <a:latin typeface="Courier New" panose="02070309020205020404" pitchFamily="49" charset="0"/>
+                <a:cs typeface="Courier New" panose="02070309020205020404" pitchFamily="49" charset="0"/>
+              </a:rPr>
+              <a:t>, </a:t>
+            </a:r>
+            <a:r>
+              <a:rPr lang="en-US" sz="1600" dirty="0" err="1">
+                <a:solidFill>
+                  <a:srgbClr val="0070C0"/>
+                </a:solidFill>
+                <a:latin typeface="Courier New" panose="02070309020205020404" pitchFamily="49" charset="0"/>
+                <a:cs typeface="Courier New" panose="02070309020205020404" pitchFamily="49" charset="0"/>
+              </a:rPr>
+              <a:t>this.mySnd</a:t>
+            </a:r>
+            <a:r>
+              <a:rPr lang="en-US" sz="1600" dirty="0">
+                <a:solidFill>
+                  <a:srgbClr val="0070C0"/>
+                </a:solidFill>
+                <a:latin typeface="Courier New" panose="02070309020205020404" pitchFamily="49" charset="0"/>
+                <a:cs typeface="Courier New" panose="02070309020205020404" pitchFamily="49" charset="0"/>
+              </a:rPr>
+              <a:t>);</a:t>
+            </a:r>
+          </a:p>
+          <a:p>
+            <a:r>
+              <a:rPr lang="en-US" sz="1600" dirty="0">
+                <a:solidFill>
+                  <a:srgbClr val="0070C0"/>
+                </a:solidFill>
+                <a:latin typeface="Courier New" panose="02070309020205020404" pitchFamily="49" charset="0"/>
+                <a:cs typeface="Courier New" panose="02070309020205020404" pitchFamily="49" charset="0"/>
+              </a:rPr>
+              <a:t>	}</a:t>
+            </a:r>
+          </a:p>
+          <a:p>
+            <a:r>
+              <a:rPr lang="en-US" sz="1600" dirty="0">
+                <a:solidFill>
+                  <a:srgbClr val="FF0000"/>
+                </a:solidFill>
+                <a:latin typeface="Courier New" panose="02070309020205020404" pitchFamily="49" charset="0"/>
+                <a:cs typeface="Courier New" panose="02070309020205020404" pitchFamily="49" charset="0"/>
+              </a:rPr>
+              <a:t>}</a:t>
+            </a:r>
+          </a:p>
+        </p:txBody>
+      </p:sp>
+      <p:sp>
+        <p:nvSpPr>
+          <p:cNvPr id="5" name="Rectangle 4"/>
+          <p:cNvSpPr/>
+          <p:nvPr/>
+        </p:nvSpPr>
+        <p:spPr>
+          <a:xfrm>
+            <a:off x="1838324" y="6410762"/>
+            <a:ext cx="8124826" cy="338554"/>
+          </a:xfrm>
+          <a:prstGeom prst="rect">
+            <a:avLst/>
+          </a:prstGeom>
+        </p:spPr>
+        <p:txBody>
+          <a:bodyPr wrap="square">
+            <a:spAutoFit/>
+          </a:bodyPr>
+          <a:lstStyle/>
+          <a:p>
+            <a:r>
+              <a:rPr lang="en-US" sz="1600" dirty="0">
+                <a:latin typeface="Courier New" panose="02070309020205020404" pitchFamily="49" charset="0"/>
+                <a:cs typeface="Courier New" panose="02070309020205020404" pitchFamily="49" charset="0"/>
+              </a:rPr>
+              <a:t>Notation </a:t>
+            </a:r>
+            <a:r>
+              <a:rPr lang="en-US" sz="1600" dirty="0" err="1">
+                <a:latin typeface="Courier New" panose="02070309020205020404" pitchFamily="49" charset="0"/>
+                <a:cs typeface="Courier New" panose="02070309020205020404" pitchFamily="49" charset="0"/>
+              </a:rPr>
+              <a:t>ctable</a:t>
+            </a:r>
+            <a:r>
+              <a:rPr lang="en-US" sz="1600" dirty="0">
+                <a:latin typeface="Courier New" panose="02070309020205020404" pitchFamily="49" charset="0"/>
+                <a:cs typeface="Courier New" panose="02070309020205020404" pitchFamily="49" charset="0"/>
+              </a:rPr>
+              <a:t> := (list (</a:t>
+            </a:r>
+            <a:r>
+              <a:rPr lang="en-US" sz="1600" dirty="0" err="1">
+                <a:latin typeface="Courier New" panose="02070309020205020404" pitchFamily="49" charset="0"/>
+                <a:cs typeface="Courier New" panose="02070309020205020404" pitchFamily="49" charset="0"/>
+              </a:rPr>
+              <a:t>cname</a:t>
+            </a:r>
+            <a:r>
+              <a:rPr lang="en-US" sz="1600" dirty="0">
+                <a:latin typeface="Courier New" panose="02070309020205020404" pitchFamily="49" charset="0"/>
+                <a:cs typeface="Courier New" panose="02070309020205020404" pitchFamily="49" charset="0"/>
+              </a:rPr>
+              <a:t> * (</a:t>
+            </a:r>
+            <a:r>
+              <a:rPr lang="en-US" sz="1600" dirty="0" err="1">
+                <a:latin typeface="Courier New" panose="02070309020205020404" pitchFamily="49" charset="0"/>
+                <a:cs typeface="Courier New" panose="02070309020205020404" pitchFamily="49" charset="0"/>
+              </a:rPr>
+              <a:t>cname</a:t>
+            </a:r>
+            <a:r>
+              <a:rPr lang="en-US" sz="1600" dirty="0">
+                <a:latin typeface="Courier New" panose="02070309020205020404" pitchFamily="49" charset="0"/>
+                <a:cs typeface="Courier New" panose="02070309020205020404" pitchFamily="49" charset="0"/>
+              </a:rPr>
+              <a:t> * </a:t>
+            </a:r>
+            <a:r>
+              <a:rPr lang="en-US" sz="1600" dirty="0" err="1">
+                <a:latin typeface="Courier New" panose="02070309020205020404" pitchFamily="49" charset="0"/>
+                <a:cs typeface="Courier New" panose="02070309020205020404" pitchFamily="49" charset="0"/>
+              </a:rPr>
+              <a:t>flds</a:t>
+            </a:r>
+            <a:r>
+              <a:rPr lang="en-US" sz="1600" dirty="0">
+                <a:latin typeface="Courier New" panose="02070309020205020404" pitchFamily="49" charset="0"/>
+                <a:cs typeface="Courier New" panose="02070309020205020404" pitchFamily="49" charset="0"/>
+              </a:rPr>
+              <a:t> * </a:t>
+            </a:r>
+            <a:r>
+              <a:rPr lang="en-US" sz="1600" dirty="0" err="1">
+                <a:latin typeface="Courier New" panose="02070309020205020404" pitchFamily="49" charset="0"/>
+                <a:cs typeface="Courier New" panose="02070309020205020404" pitchFamily="49" charset="0"/>
+              </a:rPr>
+              <a:t>mths</a:t>
+            </a:r>
+            <a:r>
+              <a:rPr lang="en-US" sz="1600" dirty="0">
+                <a:latin typeface="Courier New" panose="02070309020205020404" pitchFamily="49" charset="0"/>
+                <a:cs typeface="Courier New" panose="02070309020205020404" pitchFamily="49" charset="0"/>
+              </a:rPr>
+              <a:t>))).</a:t>
+            </a:r>
           </a:p>
         </p:txBody>
       </p:sp>
     </p:spTree>
     <p:extLst>
       <p:ext uri="{BB962C8B-B14F-4D97-AF65-F5344CB8AC3E}">
-        <p14:creationId xmlns:p14="http://schemas.microsoft.com/office/powerpoint/2010/main" val="3351805560"/>
+        <p14:creationId xmlns:p14="http://schemas.microsoft.com/office/powerpoint/2010/main" val="1645686865"/>
       </p:ext>
     </p:extLst>
   </p:cSld>
@@ -14967,7 +14429,7 @@
         <p:spPr>
           <a:xfrm>
             <a:off x="104775" y="1200745"/>
-            <a:ext cx="10553700" cy="2308324"/>
+            <a:ext cx="10553700" cy="4801314"/>
           </a:xfrm>
           <a:prstGeom prst="rect">
             <a:avLst/>
@@ -14980,32 +14442,25 @@
           <a:lstStyle/>
           <a:p>
             <a:r>
+              <a:rPr lang="en-US" dirty="0">
+                <a:latin typeface="Courier New" panose="02070309020205020404" pitchFamily="49" charset="0"/>
+                <a:cs typeface="Courier New" panose="02070309020205020404" pitchFamily="49" charset="0"/>
+              </a:rPr>
+              <a:t>Definition myexp3 : </a:t>
+            </a:r>
+            <a:r>
               <a:rPr lang="en-US" dirty="0" err="1">
                 <a:latin typeface="Courier New" panose="02070309020205020404" pitchFamily="49" charset="0"/>
                 <a:cs typeface="Courier New" panose="02070309020205020404" pitchFamily="49" charset="0"/>
               </a:rPr>
-              <a:t>feval</a:t>
-            </a:r>
-            <a:r>
-              <a:rPr lang="en-US" dirty="0">
-                <a:latin typeface="Courier New" panose="02070309020205020404" pitchFamily="49" charset="0"/>
-                <a:cs typeface="Courier New" panose="02070309020205020404" pitchFamily="49" charset="0"/>
-              </a:rPr>
-              <a:t> myexp3 </a:t>
-            </a:r>
-            <a:r>
-              <a:rPr lang="en-US" dirty="0" err="1">
-                <a:latin typeface="Courier New" panose="02070309020205020404" pitchFamily="49" charset="0"/>
-                <a:cs typeface="Courier New" panose="02070309020205020404" pitchFamily="49" charset="0"/>
-              </a:rPr>
-              <a:t>ct</a:t>
-            </a:r>
-            <a:r>
-              <a:rPr lang="en-US" dirty="0">
-                <a:latin typeface="Courier New" panose="02070309020205020404" pitchFamily="49" charset="0"/>
-                <a:cs typeface="Courier New" panose="02070309020205020404" pitchFamily="49" charset="0"/>
-              </a:rPr>
-              <a:t> = (</a:t>
+              <a:t>exp</a:t>
+            </a:r>
+            <a:r>
+              <a:rPr lang="en-US" dirty="0">
+                <a:latin typeface="Courier New" panose="02070309020205020404" pitchFamily="49" charset="0"/>
+                <a:cs typeface="Courier New" panose="02070309020205020404" pitchFamily="49" charset="0"/>
+              </a:rPr>
+              <a:t> := (</a:t>
             </a:r>
           </a:p>
           <a:p>
@@ -15075,6 +14530,42 @@
             <a:r>
               <a:rPr lang="en-US" dirty="0">
                 <a:solidFill>
+                  <a:srgbClr val="FF0000"/>
+                </a:solidFill>
+                <a:latin typeface="Courier New" panose="02070309020205020404" pitchFamily="49" charset="0"/>
+                <a:cs typeface="Courier New" panose="02070309020205020404" pitchFamily="49" charset="0"/>
+              </a:rPr>
+              <a:t>(</a:t>
+            </a:r>
+            <a:r>
+              <a:rPr lang="en-US" dirty="0" err="1">
+                <a:solidFill>
+                  <a:srgbClr val="FF0000"/>
+                </a:solidFill>
+                <a:latin typeface="Courier New" panose="02070309020205020404" pitchFamily="49" charset="0"/>
+                <a:cs typeface="Courier New" panose="02070309020205020404" pitchFamily="49" charset="0"/>
+              </a:rPr>
+              <a:t>e_field</a:t>
+            </a:r>
+            <a:endParaRPr lang="en-US" dirty="0">
+              <a:solidFill>
+                <a:srgbClr val="FF0000"/>
+              </a:solidFill>
+              <a:latin typeface="Courier New" panose="02070309020205020404" pitchFamily="49" charset="0"/>
+              <a:cs typeface="Courier New" panose="02070309020205020404" pitchFamily="49" charset="0"/>
+            </a:endParaRPr>
+          </a:p>
+          <a:p>
+            <a:r>
+              <a:rPr lang="en-US" dirty="0">
+                <a:latin typeface="Courier New" panose="02070309020205020404" pitchFamily="49" charset="0"/>
+                <a:cs typeface="Courier New" panose="02070309020205020404" pitchFamily="49" charset="0"/>
+              </a:rPr>
+              <a:t>        </a:t>
+            </a:r>
+            <a:r>
+              <a:rPr lang="en-US" dirty="0">
+                <a:solidFill>
                   <a:srgbClr val="00B050"/>
                 </a:solidFill>
                 <a:latin typeface="Courier New" panose="02070309020205020404" pitchFamily="49" charset="0"/>
@@ -15102,6 +14593,18 @@
               </a:rPr>
               <a:t> Pair (</a:t>
             </a:r>
+          </a:p>
+          <a:p>
+            <a:r>
+              <a:rPr lang="en-US" dirty="0">
+                <a:solidFill>
+                  <a:srgbClr val="00B050"/>
+                </a:solidFill>
+                <a:latin typeface="Courier New" panose="02070309020205020404" pitchFamily="49" charset="0"/>
+                <a:cs typeface="Courier New" panose="02070309020205020404" pitchFamily="49" charset="0"/>
+              </a:rPr>
+              <a:t>          (</a:t>
+            </a:r>
             <a:r>
               <a:rPr lang="en-US" dirty="0" err="1">
                 <a:solidFill>
@@ -15120,7 +14623,19 @@
                 <a:latin typeface="Courier New" panose="02070309020205020404" pitchFamily="49" charset="0"/>
                 <a:cs typeface="Courier New" panose="02070309020205020404" pitchFamily="49" charset="0"/>
               </a:rPr>
-              <a:t> C nil :: </a:t>
+              <a:t> Pair</a:t>
+            </a:r>
+          </a:p>
+          <a:p>
+            <a:r>
+              <a:rPr lang="en-US" dirty="0">
+                <a:solidFill>
+                  <a:srgbClr val="00B050"/>
+                </a:solidFill>
+                <a:latin typeface="Courier New" panose="02070309020205020404" pitchFamily="49" charset="0"/>
+                <a:cs typeface="Courier New" panose="02070309020205020404" pitchFamily="49" charset="0"/>
+              </a:rPr>
+              <a:t>            ((</a:t>
             </a:r>
             <a:r>
               <a:rPr lang="en-US" dirty="0" err="1">
@@ -15140,7 +14655,124 @@
                 <a:latin typeface="Courier New" panose="02070309020205020404" pitchFamily="49" charset="0"/>
                 <a:cs typeface="Courier New" panose="02070309020205020404" pitchFamily="49" charset="0"/>
               </a:rPr>
-              <a:t> D nil :: nil))</a:t>
+              <a:t> C nil)</a:t>
+            </a:r>
+          </a:p>
+          <a:p>
+            <a:r>
+              <a:rPr lang="en-US" dirty="0">
+                <a:solidFill>
+                  <a:srgbClr val="00B050"/>
+                </a:solidFill>
+                <a:latin typeface="Courier New" panose="02070309020205020404" pitchFamily="49" charset="0"/>
+                <a:cs typeface="Courier New" panose="02070309020205020404" pitchFamily="49" charset="0"/>
+              </a:rPr>
+              <a:t>             ::(</a:t>
+            </a:r>
+            <a:r>
+              <a:rPr lang="en-US" dirty="0" err="1">
+                <a:solidFill>
+                  <a:srgbClr val="00B050"/>
+                </a:solidFill>
+                <a:latin typeface="Courier New" panose="02070309020205020404" pitchFamily="49" charset="0"/>
+                <a:cs typeface="Courier New" panose="02070309020205020404" pitchFamily="49" charset="0"/>
+              </a:rPr>
+              <a:t>e_new</a:t>
+            </a:r>
+            <a:r>
+              <a:rPr lang="en-US" dirty="0">
+                <a:solidFill>
+                  <a:srgbClr val="00B050"/>
+                </a:solidFill>
+                <a:latin typeface="Courier New" panose="02070309020205020404" pitchFamily="49" charset="0"/>
+                <a:cs typeface="Courier New" panose="02070309020205020404" pitchFamily="49" charset="0"/>
+              </a:rPr>
+              <a:t> D nil)::nil)</a:t>
+            </a:r>
+          </a:p>
+          <a:p>
+            <a:r>
+              <a:rPr lang="en-US" dirty="0">
+                <a:solidFill>
+                  <a:srgbClr val="00B050"/>
+                </a:solidFill>
+                <a:latin typeface="Courier New" panose="02070309020205020404" pitchFamily="49" charset="0"/>
+                <a:cs typeface="Courier New" panose="02070309020205020404" pitchFamily="49" charset="0"/>
+              </a:rPr>
+              <a:t>          )</a:t>
+            </a:r>
+          </a:p>
+          <a:p>
+            <a:r>
+              <a:rPr lang="en-US" dirty="0">
+                <a:solidFill>
+                  <a:srgbClr val="00B050"/>
+                </a:solidFill>
+                <a:latin typeface="Courier New" panose="02070309020205020404" pitchFamily="49" charset="0"/>
+                <a:cs typeface="Courier New" panose="02070309020205020404" pitchFamily="49" charset="0"/>
+              </a:rPr>
+              <a:t>          ::(</a:t>
+            </a:r>
+            <a:r>
+              <a:rPr lang="en-US" dirty="0" err="1">
+                <a:solidFill>
+                  <a:srgbClr val="00B050"/>
+                </a:solidFill>
+                <a:latin typeface="Courier New" panose="02070309020205020404" pitchFamily="49" charset="0"/>
+                <a:cs typeface="Courier New" panose="02070309020205020404" pitchFamily="49" charset="0"/>
+              </a:rPr>
+              <a:t>e_new</a:t>
+            </a:r>
+            <a:r>
+              <a:rPr lang="en-US" dirty="0">
+                <a:solidFill>
+                  <a:srgbClr val="00B050"/>
+                </a:solidFill>
+                <a:latin typeface="Courier New" panose="02070309020205020404" pitchFamily="49" charset="0"/>
+                <a:cs typeface="Courier New" panose="02070309020205020404" pitchFamily="49" charset="0"/>
+              </a:rPr>
+              <a:t> C nil)::nil)</a:t>
+            </a:r>
+          </a:p>
+          <a:p>
+            <a:r>
+              <a:rPr lang="en-US" dirty="0">
+                <a:solidFill>
+                  <a:srgbClr val="00B050"/>
+                </a:solidFill>
+                <a:latin typeface="Courier New" panose="02070309020205020404" pitchFamily="49" charset="0"/>
+                <a:cs typeface="Courier New" panose="02070309020205020404" pitchFamily="49" charset="0"/>
+              </a:rPr>
+              <a:t>        )</a:t>
+            </a:r>
+          </a:p>
+          <a:p>
+            <a:r>
+              <a:rPr lang="en-US" dirty="0">
+                <a:latin typeface="Courier New" panose="02070309020205020404" pitchFamily="49" charset="0"/>
+                <a:cs typeface="Courier New" panose="02070309020205020404" pitchFamily="49" charset="0"/>
+              </a:rPr>
+              <a:t>      </a:t>
+            </a:r>
+            <a:r>
+              <a:rPr lang="en-US" dirty="0" err="1">
+                <a:solidFill>
+                  <a:srgbClr val="FF0000"/>
+                </a:solidFill>
+                <a:latin typeface="Courier New" panose="02070309020205020404" pitchFamily="49" charset="0"/>
+                <a:cs typeface="Courier New" panose="02070309020205020404" pitchFamily="49" charset="0"/>
+              </a:rPr>
+              <a:t>myFst</a:t>
+            </a:r>
+            <a:r>
+              <a:rPr lang="en-US" dirty="0">
+                <a:solidFill>
+                  <a:srgbClr val="FF0000"/>
+                </a:solidFill>
+                <a:latin typeface="Courier New" panose="02070309020205020404" pitchFamily="49" charset="0"/>
+                <a:cs typeface="Courier New" panose="02070309020205020404" pitchFamily="49" charset="0"/>
+              </a:rPr>
+              <a:t>)</a:t>
             </a:r>
           </a:p>
           <a:p>
@@ -15178,7 +14810,7 @@
                 <a:latin typeface="Courier New" panose="02070309020205020404" pitchFamily="49" charset="0"/>
                 <a:cs typeface="Courier New" panose="02070309020205020404" pitchFamily="49" charset="0"/>
               </a:rPr>
-              <a:t>      (</a:t>
+              <a:t>      ((</a:t>
             </a:r>
             <a:r>
               <a:rPr lang="en-US" dirty="0" err="1">
@@ -15198,7 +14830,19 @@
                 <a:latin typeface="Courier New" panose="02070309020205020404" pitchFamily="49" charset="0"/>
                 <a:cs typeface="Courier New" panose="02070309020205020404" pitchFamily="49" charset="0"/>
               </a:rPr>
-              <a:t> D nil :: nil))</a:t>
+              <a:t> D nil)::nil)</a:t>
+            </a:r>
+          </a:p>
+          <a:p>
+            <a:r>
+              <a:rPr lang="en-US" dirty="0">
+                <a:solidFill>
+                  <a:srgbClr val="0070C0"/>
+                </a:solidFill>
+                <a:latin typeface="Courier New" panose="02070309020205020404" pitchFamily="49" charset="0"/>
+                <a:cs typeface="Courier New" panose="02070309020205020404" pitchFamily="49" charset="0"/>
+              </a:rPr>
+              <a:t>    )</a:t>
             </a:r>
           </a:p>
           <a:p>
@@ -15266,12 +14910,52 @@
             <a:r>
               <a:rPr lang="en-US" sz="1400" dirty="0">
                 <a:solidFill>
+                  <a:srgbClr val="FF0000"/>
+                </a:solidFill>
+                <a:latin typeface="Courier New" panose="02070309020205020404" pitchFamily="49" charset="0"/>
+                <a:cs typeface="Courier New" panose="02070309020205020404" pitchFamily="49" charset="0"/>
+              </a:rPr>
+              <a:t>(</a:t>
+            </a:r>
+            <a:r>
+              <a:rPr lang="en-US" sz="1400" dirty="0">
+                <a:solidFill>
                   <a:srgbClr val="00B050"/>
                 </a:solidFill>
                 <a:latin typeface="Courier New" panose="02070309020205020404" pitchFamily="49" charset="0"/>
                 <a:cs typeface="Courier New" panose="02070309020205020404" pitchFamily="49" charset="0"/>
               </a:rPr>
-              <a:t>new Pair(new C(), new D())</a:t>
+              <a:t>(new Pair(new Pair(new C(), new D()), new C()))</a:t>
+            </a:r>
+            <a:r>
+              <a:rPr lang="en-US" sz="1400" dirty="0">
+                <a:solidFill>
+                  <a:srgbClr val="FF0000"/>
+                </a:solidFill>
+                <a:latin typeface="Courier New" panose="02070309020205020404" pitchFamily="49" charset="0"/>
+                <a:cs typeface="Courier New" panose="02070309020205020404" pitchFamily="49" charset="0"/>
+              </a:rPr>
+              <a:t>.</a:t>
+            </a:r>
+            <a:r>
+              <a:rPr lang="en-US" sz="1400" dirty="0" err="1">
+                <a:solidFill>
+                  <a:srgbClr val="FF0000"/>
+                </a:solidFill>
+                <a:latin typeface="Courier New" panose="02070309020205020404" pitchFamily="49" charset="0"/>
+                <a:cs typeface="Courier New" panose="02070309020205020404" pitchFamily="49" charset="0"/>
+              </a:rPr>
+              <a:t>myFst</a:t>
+            </a:r>
+            <a:r>
+              <a:rPr lang="en-US" sz="1400" dirty="0">
+                <a:solidFill>
+                  <a:srgbClr val="FF0000"/>
+                </a:solidFill>
+                <a:latin typeface="Courier New" panose="02070309020205020404" pitchFamily="49" charset="0"/>
+                <a:cs typeface="Courier New" panose="02070309020205020404" pitchFamily="49" charset="0"/>
+              </a:rPr>
+              <a:t>)</a:t>
             </a:r>
             <a:r>
               <a:rPr lang="en-US" sz="1400" dirty="0">
@@ -15327,7 +15011,7 @@
     </p:spTree>
     <p:extLst>
       <p:ext uri="{BB962C8B-B14F-4D97-AF65-F5344CB8AC3E}">
-        <p14:creationId xmlns:p14="http://schemas.microsoft.com/office/powerpoint/2010/main" val="215697035"/>
+        <p14:creationId xmlns:p14="http://schemas.microsoft.com/office/powerpoint/2010/main" val="3351805560"/>
       </p:ext>
     </p:extLst>
   </p:cSld>
@@ -15397,7 +15081,7 @@
         <p:spPr>
           <a:xfrm>
             <a:off x="104775" y="1200745"/>
-            <a:ext cx="10553700" cy="3139321"/>
+            <a:ext cx="10553700" cy="2308324"/>
           </a:xfrm>
           <a:prstGeom prst="rect">
             <a:avLst/>
@@ -15421,35 +15105,7 @@
                 <a:latin typeface="Courier New" panose="02070309020205020404" pitchFamily="49" charset="0"/>
                 <a:cs typeface="Courier New" panose="02070309020205020404" pitchFamily="49" charset="0"/>
               </a:rPr>
-              <a:t> (</a:t>
-            </a:r>
-            <a:r>
-              <a:rPr lang="en-US" dirty="0" err="1">
-                <a:latin typeface="Courier New" panose="02070309020205020404" pitchFamily="49" charset="0"/>
-                <a:cs typeface="Courier New" panose="02070309020205020404" pitchFamily="49" charset="0"/>
-              </a:rPr>
-              <a:t>feval</a:t>
-            </a:r>
-            <a:r>
-              <a:rPr lang="en-US" dirty="0">
-                <a:latin typeface="Courier New" panose="02070309020205020404" pitchFamily="49" charset="0"/>
-                <a:cs typeface="Courier New" panose="02070309020205020404" pitchFamily="49" charset="0"/>
-              </a:rPr>
               <a:t> myexp3 </a:t>
-            </a:r>
-            <a:r>
-              <a:rPr lang="en-US" dirty="0" err="1">
-                <a:latin typeface="Courier New" panose="02070309020205020404" pitchFamily="49" charset="0"/>
-                <a:cs typeface="Courier New" panose="02070309020205020404" pitchFamily="49" charset="0"/>
-              </a:rPr>
-              <a:t>ct</a:t>
-            </a:r>
-            <a:r>
-              <a:rPr lang="en-US" dirty="0">
-                <a:latin typeface="Courier New" panose="02070309020205020404" pitchFamily="49" charset="0"/>
-                <a:cs typeface="Courier New" panose="02070309020205020404" pitchFamily="49" charset="0"/>
-              </a:rPr>
-              <a:t>) </a:t>
             </a:r>
             <a:r>
               <a:rPr lang="en-US" dirty="0" err="1">
@@ -15497,7 +15153,7 @@
             <a:r>
               <a:rPr lang="en-US" dirty="0">
                 <a:solidFill>
-                  <a:srgbClr val="FF0000"/>
+                  <a:srgbClr val="0070C0"/>
                 </a:solidFill>
                 <a:latin typeface="Courier New" panose="02070309020205020404" pitchFamily="49" charset="0"/>
                 <a:cs typeface="Courier New" panose="02070309020205020404" pitchFamily="49" charset="0"/>
@@ -15507,92 +15163,12 @@
             <a:r>
               <a:rPr lang="en-US" dirty="0" err="1">
                 <a:solidFill>
-                  <a:srgbClr val="FF0000"/>
-                </a:solidFill>
-                <a:latin typeface="Courier New" panose="02070309020205020404" pitchFamily="49" charset="0"/>
-                <a:cs typeface="Courier New" panose="02070309020205020404" pitchFamily="49" charset="0"/>
-              </a:rPr>
-              <a:t>e_new</a:t>
-            </a:r>
-            <a:endParaRPr lang="en-US" dirty="0">
-              <a:solidFill>
-                <a:srgbClr val="FF0000"/>
-              </a:solidFill>
-              <a:latin typeface="Courier New" panose="02070309020205020404" pitchFamily="49" charset="0"/>
-              <a:cs typeface="Courier New" panose="02070309020205020404" pitchFamily="49" charset="0"/>
-            </a:endParaRPr>
-          </a:p>
-          <a:p>
-            <a:r>
-              <a:rPr lang="en-US" dirty="0">
-                <a:solidFill>
-                  <a:srgbClr val="FF0000"/>
-                </a:solidFill>
-                <a:latin typeface="Courier New" panose="02070309020205020404" pitchFamily="49" charset="0"/>
-                <a:cs typeface="Courier New" panose="02070309020205020404" pitchFamily="49" charset="0"/>
-              </a:rPr>
-              <a:t>      Pair</a:t>
-            </a:r>
-          </a:p>
-          <a:p>
-            <a:r>
-              <a:rPr lang="en-US" dirty="0">
-                <a:solidFill>
-                  <a:srgbClr val="FF0000"/>
-                </a:solidFill>
-                <a:latin typeface="Courier New" panose="02070309020205020404" pitchFamily="49" charset="0"/>
-                <a:cs typeface="Courier New" panose="02070309020205020404" pitchFamily="49" charset="0"/>
-              </a:rPr>
-              <a:t>      (</a:t>
-            </a:r>
-            <a:r>
-              <a:rPr lang="en-US" dirty="0" err="1">
-                <a:solidFill>
-                  <a:srgbClr val="FF0000"/>
-                </a:solidFill>
-                <a:latin typeface="Courier New" panose="02070309020205020404" pitchFamily="49" charset="0"/>
-                <a:cs typeface="Courier New" panose="02070309020205020404" pitchFamily="49" charset="0"/>
-              </a:rPr>
-              <a:t>e_new</a:t>
-            </a:r>
-            <a:r>
-              <a:rPr lang="en-US" dirty="0">
-                <a:solidFill>
-                  <a:srgbClr val="FF0000"/>
-                </a:solidFill>
-                <a:latin typeface="Courier New" panose="02070309020205020404" pitchFamily="49" charset="0"/>
-                <a:cs typeface="Courier New" panose="02070309020205020404" pitchFamily="49" charset="0"/>
-              </a:rPr>
-              <a:t> D nil</a:t>
-            </a:r>
-          </a:p>
-          <a:p>
-            <a:r>
-              <a:rPr lang="en-US" dirty="0">
-                <a:latin typeface="Courier New" panose="02070309020205020404" pitchFamily="49" charset="0"/>
-                <a:cs typeface="Courier New" panose="02070309020205020404" pitchFamily="49" charset="0"/>
-              </a:rPr>
-              <a:t>      </a:t>
-            </a:r>
-            <a:r>
-              <a:rPr lang="en-US" dirty="0">
-                <a:solidFill>
                   <a:srgbClr val="0070C0"/>
                 </a:solidFill>
                 <a:latin typeface="Courier New" panose="02070309020205020404" pitchFamily="49" charset="0"/>
                 <a:cs typeface="Courier New" panose="02070309020205020404" pitchFamily="49" charset="0"/>
               </a:rPr>
-              <a:t>:: </a:t>
-            </a:r>
-            <a:r>
-              <a:rPr lang="en-US" dirty="0" err="1">
-                <a:solidFill>
-                  <a:srgbClr val="0070C0"/>
-                </a:solidFill>
-                <a:latin typeface="Courier New" panose="02070309020205020404" pitchFamily="49" charset="0"/>
-                <a:cs typeface="Courier New" panose="02070309020205020404" pitchFamily="49" charset="0"/>
-              </a:rPr>
-              <a:t>e_field</a:t>
+              <a:t>e_meth</a:t>
             </a:r>
             <a:endParaRPr lang="en-US" dirty="0">
               <a:solidFill>
@@ -15608,7 +15184,7 @@
                 <a:latin typeface="Courier New" panose="02070309020205020404" pitchFamily="49" charset="0"/>
                 <a:cs typeface="Courier New" panose="02070309020205020404" pitchFamily="49" charset="0"/>
               </a:rPr>
-              <a:t>           </a:t>
+              <a:t>      </a:t>
             </a:r>
             <a:r>
               <a:rPr lang="en-US" dirty="0">
@@ -15687,7 +15263,7 @@
                 <a:latin typeface="Courier New" panose="02070309020205020404" pitchFamily="49" charset="0"/>
                 <a:cs typeface="Courier New" panose="02070309020205020404" pitchFamily="49" charset="0"/>
               </a:rPr>
-              <a:t>           </a:t>
+              <a:t>      </a:t>
             </a:r>
             <a:r>
               <a:rPr lang="en-US" dirty="0" err="1">
@@ -15697,7 +15273,7 @@
                 <a:latin typeface="Courier New" panose="02070309020205020404" pitchFamily="49" charset="0"/>
                 <a:cs typeface="Courier New" panose="02070309020205020404" pitchFamily="49" charset="0"/>
               </a:rPr>
-              <a:t>mySnd</a:t>
+              <a:t>setFst</a:t>
             </a:r>
             <a:endParaRPr lang="en-US" dirty="0">
               <a:solidFill>
@@ -15710,20 +15286,33 @@
           <a:p>
             <a:r>
               <a:rPr lang="en-US" dirty="0">
-                <a:latin typeface="Courier New" panose="02070309020205020404" pitchFamily="49" charset="0"/>
-                <a:cs typeface="Courier New" panose="02070309020205020404" pitchFamily="49" charset="0"/>
-              </a:rPr>
-              <a:t>      </a:t>
-            </a:r>
-            <a:r>
-              <a:rPr lang="en-US" dirty="0">
-                <a:solidFill>
-                  <a:srgbClr val="FF0000"/>
-                </a:solidFill>
-                <a:latin typeface="Courier New" panose="02070309020205020404" pitchFamily="49" charset="0"/>
-                <a:cs typeface="Courier New" panose="02070309020205020404" pitchFamily="49" charset="0"/>
-              </a:rPr>
-              <a:t>:: nil))</a:t>
+                <a:solidFill>
+                  <a:srgbClr val="0070C0"/>
+                </a:solidFill>
+                <a:latin typeface="Courier New" panose="02070309020205020404" pitchFamily="49" charset="0"/>
+                <a:cs typeface="Courier New" panose="02070309020205020404" pitchFamily="49" charset="0"/>
+              </a:rPr>
+              <a:t>      (</a:t>
+            </a:r>
+            <a:r>
+              <a:rPr lang="en-US" dirty="0" err="1">
+                <a:solidFill>
+                  <a:srgbClr val="0070C0"/>
+                </a:solidFill>
+                <a:latin typeface="Courier New" panose="02070309020205020404" pitchFamily="49" charset="0"/>
+                <a:cs typeface="Courier New" panose="02070309020205020404" pitchFamily="49" charset="0"/>
+              </a:rPr>
+              <a:t>e_new</a:t>
+            </a:r>
+            <a:r>
+              <a:rPr lang="en-US" dirty="0">
+                <a:solidFill>
+                  <a:srgbClr val="0070C0"/>
+                </a:solidFill>
+                <a:latin typeface="Courier New" panose="02070309020205020404" pitchFamily="49" charset="0"/>
+                <a:cs typeface="Courier New" panose="02070309020205020404" pitchFamily="49" charset="0"/>
+              </a:rPr>
+              <a:t> D nil :: nil))</a:t>
             </a:r>
           </a:p>
           <a:p>
@@ -15780,6 +15369,9 @@
           <a:p>
             <a:r>
               <a:rPr lang="en-US" sz="1400" dirty="0">
+                <a:solidFill>
+                  <a:srgbClr val="0070C0"/>
+                </a:solidFill>
                 <a:latin typeface="Courier New" panose="02070309020205020404" pitchFamily="49" charset="0"/>
                 <a:cs typeface="Courier New" panose="02070309020205020404" pitchFamily="49" charset="0"/>
               </a:rPr>
@@ -15788,22 +15380,32 @@
             <a:r>
               <a:rPr lang="en-US" sz="1400" dirty="0">
                 <a:solidFill>
-                  <a:srgbClr val="FF0000"/>
-                </a:solidFill>
-                <a:latin typeface="Courier New" panose="02070309020205020404" pitchFamily="49" charset="0"/>
-                <a:cs typeface="Courier New" panose="02070309020205020404" pitchFamily="49" charset="0"/>
-              </a:rPr>
-              <a:t>new Pair(new D(), </a:t>
+                  <a:srgbClr val="00B050"/>
+                </a:solidFill>
+                <a:latin typeface="Courier New" panose="02070309020205020404" pitchFamily="49" charset="0"/>
+                <a:cs typeface="Courier New" panose="02070309020205020404" pitchFamily="49" charset="0"/>
+              </a:rPr>
+              <a:t>new Pair(new C(), new D())</a:t>
             </a:r>
             <a:r>
               <a:rPr lang="en-US" sz="1400" dirty="0">
                 <a:solidFill>
-                  <a:srgbClr val="00B050"/>
-                </a:solidFill>
-                <a:latin typeface="Courier New" panose="02070309020205020404" pitchFamily="49" charset="0"/>
-                <a:cs typeface="Courier New" panose="02070309020205020404" pitchFamily="49" charset="0"/>
-              </a:rPr>
-              <a:t>new Pair(new C(), new D())</a:t>
+                  <a:srgbClr val="0070C0"/>
+                </a:solidFill>
+                <a:latin typeface="Courier New" panose="02070309020205020404" pitchFamily="49" charset="0"/>
+                <a:cs typeface="Courier New" panose="02070309020205020404" pitchFamily="49" charset="0"/>
+              </a:rPr>
+              <a:t>.</a:t>
+            </a:r>
+            <a:r>
+              <a:rPr lang="en-US" sz="1400" dirty="0" err="1">
+                <a:solidFill>
+                  <a:srgbClr val="0070C0"/>
+                </a:solidFill>
+                <a:latin typeface="Courier New" panose="02070309020205020404" pitchFamily="49" charset="0"/>
+                <a:cs typeface="Courier New" panose="02070309020205020404" pitchFamily="49" charset="0"/>
+              </a:rPr>
+              <a:t>setFst</a:t>
             </a:r>
             <a:r>
               <a:rPr lang="en-US" sz="1400" dirty="0">
@@ -15813,34 +15415,14 @@
                 <a:latin typeface="Courier New" panose="02070309020205020404" pitchFamily="49" charset="0"/>
                 <a:cs typeface="Courier New" panose="02070309020205020404" pitchFamily="49" charset="0"/>
               </a:rPr>
+              <a:t>(new D()))</a:t>
+            </a:r>
+            <a:r>
+              <a:rPr lang="en-US" sz="1400" dirty="0">
+                <a:latin typeface="Courier New" panose="02070309020205020404" pitchFamily="49" charset="0"/>
+                <a:cs typeface="Courier New" panose="02070309020205020404" pitchFamily="49" charset="0"/>
+              </a:rPr>
               <a:t>.</a:t>
-            </a:r>
-            <a:r>
-              <a:rPr lang="en-US" sz="1400" dirty="0" err="1">
-                <a:solidFill>
-                  <a:srgbClr val="0070C0"/>
-                </a:solidFill>
-                <a:latin typeface="Courier New" panose="02070309020205020404" pitchFamily="49" charset="0"/>
-                <a:cs typeface="Courier New" panose="02070309020205020404" pitchFamily="49" charset="0"/>
-              </a:rPr>
-              <a:t>mySnd</a:t>
-            </a:r>
-            <a:r>
-              <a:rPr lang="en-US" sz="1400" dirty="0">
-                <a:solidFill>
-                  <a:srgbClr val="FF0000"/>
-                </a:solidFill>
-                <a:latin typeface="Courier New" panose="02070309020205020404" pitchFamily="49" charset="0"/>
-                <a:cs typeface="Courier New" panose="02070309020205020404" pitchFamily="49" charset="0"/>
-              </a:rPr>
-              <a:t>)</a:t>
-            </a:r>
-            <a:r>
-              <a:rPr lang="en-US" sz="1400" dirty="0">
-                <a:latin typeface="Courier New" panose="02070309020205020404" pitchFamily="49" charset="0"/>
-                <a:cs typeface="Courier New" panose="02070309020205020404" pitchFamily="49" charset="0"/>
-              </a:rPr>
-              <a:t>).</a:t>
             </a:r>
             <a:r>
               <a:rPr lang="en-US" sz="1400" dirty="0" err="1">
@@ -15859,7 +15441,7 @@
     </p:spTree>
     <p:extLst>
       <p:ext uri="{BB962C8B-B14F-4D97-AF65-F5344CB8AC3E}">
-        <p14:creationId xmlns:p14="http://schemas.microsoft.com/office/powerpoint/2010/main" val="1678277036"/>
+        <p14:creationId xmlns:p14="http://schemas.microsoft.com/office/powerpoint/2010/main" val="215697035"/>
       </p:ext>
     </p:extLst>
   </p:cSld>
@@ -15929,7 +15511,7 @@
         <p:spPr>
           <a:xfrm>
             <a:off x="104775" y="1200745"/>
-            <a:ext cx="10553700" cy="2031325"/>
+            <a:ext cx="10553700" cy="3139321"/>
           </a:xfrm>
           <a:prstGeom prst="rect">
             <a:avLst/>
@@ -15967,35 +15549,7 @@
                 <a:latin typeface="Courier New" panose="02070309020205020404" pitchFamily="49" charset="0"/>
                 <a:cs typeface="Courier New" panose="02070309020205020404" pitchFamily="49" charset="0"/>
               </a:rPr>
-              <a:t> (</a:t>
-            </a:r>
-            <a:r>
-              <a:rPr lang="en-US" dirty="0" err="1">
-                <a:latin typeface="Courier New" panose="02070309020205020404" pitchFamily="49" charset="0"/>
-                <a:cs typeface="Courier New" panose="02070309020205020404" pitchFamily="49" charset="0"/>
-              </a:rPr>
-              <a:t>feval</a:t>
-            </a:r>
-            <a:r>
-              <a:rPr lang="en-US" dirty="0">
-                <a:latin typeface="Courier New" panose="02070309020205020404" pitchFamily="49" charset="0"/>
-                <a:cs typeface="Courier New" panose="02070309020205020404" pitchFamily="49" charset="0"/>
-              </a:rPr>
               <a:t> myexp3 </a:t>
-            </a:r>
-            <a:r>
-              <a:rPr lang="en-US" dirty="0" err="1">
-                <a:latin typeface="Courier New" panose="02070309020205020404" pitchFamily="49" charset="0"/>
-                <a:cs typeface="Courier New" panose="02070309020205020404" pitchFamily="49" charset="0"/>
-              </a:rPr>
-              <a:t>ct</a:t>
-            </a:r>
-            <a:r>
-              <a:rPr lang="en-US" dirty="0">
-                <a:latin typeface="Courier New" panose="02070309020205020404" pitchFamily="49" charset="0"/>
-                <a:cs typeface="Courier New" panose="02070309020205020404" pitchFamily="49" charset="0"/>
-              </a:rPr>
-              <a:t>) </a:t>
             </a:r>
             <a:r>
               <a:rPr lang="en-US" dirty="0" err="1">
@@ -16057,7 +15611,7 @@
             <a:r>
               <a:rPr lang="en-US" dirty="0">
                 <a:solidFill>
-                  <a:srgbClr val="00B050"/>
+                  <a:srgbClr val="FF0000"/>
                 </a:solidFill>
                 <a:latin typeface="Courier New" panose="02070309020205020404" pitchFamily="49" charset="0"/>
                 <a:cs typeface="Courier New" panose="02070309020205020404" pitchFamily="49" charset="0"/>
@@ -16067,7 +15621,7 @@
             <a:r>
               <a:rPr lang="en-US" dirty="0" err="1">
                 <a:solidFill>
-                  <a:srgbClr val="00B050"/>
+                  <a:srgbClr val="FF0000"/>
                 </a:solidFill>
                 <a:latin typeface="Courier New" panose="02070309020205020404" pitchFamily="49" charset="0"/>
                 <a:cs typeface="Courier New" panose="02070309020205020404" pitchFamily="49" charset="0"/>
@@ -16076,7 +15630,7 @@
             </a:r>
             <a:endParaRPr lang="en-US" dirty="0">
               <a:solidFill>
-                <a:srgbClr val="00B050"/>
+                <a:srgbClr val="FF0000"/>
               </a:solidFill>
               <a:latin typeface="Courier New" panose="02070309020205020404" pitchFamily="49" charset="0"/>
               <a:cs typeface="Courier New" panose="02070309020205020404" pitchFamily="49" charset="0"/>
@@ -16086,24 +15640,119 @@
             <a:r>
               <a:rPr lang="en-US" dirty="0">
                 <a:solidFill>
+                  <a:srgbClr val="FF0000"/>
+                </a:solidFill>
+                <a:latin typeface="Courier New" panose="02070309020205020404" pitchFamily="49" charset="0"/>
+                <a:cs typeface="Courier New" panose="02070309020205020404" pitchFamily="49" charset="0"/>
+              </a:rPr>
+              <a:t>      Pair</a:t>
+            </a:r>
+          </a:p>
+          <a:p>
+            <a:r>
+              <a:rPr lang="en-US" dirty="0">
+                <a:solidFill>
+                  <a:srgbClr val="FF0000"/>
+                </a:solidFill>
+                <a:latin typeface="Courier New" panose="02070309020205020404" pitchFamily="49" charset="0"/>
+                <a:cs typeface="Courier New" panose="02070309020205020404" pitchFamily="49" charset="0"/>
+              </a:rPr>
+              <a:t>      (</a:t>
+            </a:r>
+            <a:r>
+              <a:rPr lang="en-US" dirty="0" err="1">
+                <a:solidFill>
+                  <a:srgbClr val="FF0000"/>
+                </a:solidFill>
+                <a:latin typeface="Courier New" panose="02070309020205020404" pitchFamily="49" charset="0"/>
+                <a:cs typeface="Courier New" panose="02070309020205020404" pitchFamily="49" charset="0"/>
+              </a:rPr>
+              <a:t>e_new</a:t>
+            </a:r>
+            <a:r>
+              <a:rPr lang="en-US" dirty="0">
+                <a:solidFill>
+                  <a:srgbClr val="FF0000"/>
+                </a:solidFill>
+                <a:latin typeface="Courier New" panose="02070309020205020404" pitchFamily="49" charset="0"/>
+                <a:cs typeface="Courier New" panose="02070309020205020404" pitchFamily="49" charset="0"/>
+              </a:rPr>
+              <a:t> D nil</a:t>
+            </a:r>
+          </a:p>
+          <a:p>
+            <a:r>
+              <a:rPr lang="en-US" dirty="0">
+                <a:latin typeface="Courier New" panose="02070309020205020404" pitchFamily="49" charset="0"/>
+                <a:cs typeface="Courier New" panose="02070309020205020404" pitchFamily="49" charset="0"/>
+              </a:rPr>
+              <a:t>      </a:t>
+            </a:r>
+            <a:r>
+              <a:rPr lang="en-US" dirty="0">
+                <a:solidFill>
+                  <a:srgbClr val="0070C0"/>
+                </a:solidFill>
+                <a:latin typeface="Courier New" panose="02070309020205020404" pitchFamily="49" charset="0"/>
+                <a:cs typeface="Courier New" panose="02070309020205020404" pitchFamily="49" charset="0"/>
+              </a:rPr>
+              <a:t>:: </a:t>
+            </a:r>
+            <a:r>
+              <a:rPr lang="en-US" dirty="0" err="1">
+                <a:solidFill>
+                  <a:srgbClr val="0070C0"/>
+                </a:solidFill>
+                <a:latin typeface="Courier New" panose="02070309020205020404" pitchFamily="49" charset="0"/>
+                <a:cs typeface="Courier New" panose="02070309020205020404" pitchFamily="49" charset="0"/>
+              </a:rPr>
+              <a:t>e_field</a:t>
+            </a:r>
+            <a:endParaRPr lang="en-US" dirty="0">
+              <a:solidFill>
+                <a:srgbClr val="0070C0"/>
+              </a:solidFill>
+              <a:latin typeface="Courier New" panose="02070309020205020404" pitchFamily="49" charset="0"/>
+              <a:cs typeface="Courier New" panose="02070309020205020404" pitchFamily="49" charset="0"/>
+            </a:endParaRPr>
+          </a:p>
+          <a:p>
+            <a:r>
+              <a:rPr lang="en-US" dirty="0">
+                <a:latin typeface="Courier New" panose="02070309020205020404" pitchFamily="49" charset="0"/>
+                <a:cs typeface="Courier New" panose="02070309020205020404" pitchFamily="49" charset="0"/>
+              </a:rPr>
+              <a:t>           </a:t>
+            </a:r>
+            <a:r>
+              <a:rPr lang="en-US" dirty="0">
+                <a:solidFill>
                   <a:srgbClr val="00B050"/>
                 </a:solidFill>
                 <a:latin typeface="Courier New" panose="02070309020205020404" pitchFamily="49" charset="0"/>
                 <a:cs typeface="Courier New" panose="02070309020205020404" pitchFamily="49" charset="0"/>
               </a:rPr>
-              <a:t>      Pair</a:t>
-            </a:r>
-          </a:p>
-          <a:p>
-            <a:r>
-              <a:rPr lang="en-US" dirty="0">
+              <a:t>(</a:t>
+            </a:r>
+            <a:r>
+              <a:rPr lang="en-US" dirty="0" err="1">
                 <a:solidFill>
                   <a:srgbClr val="00B050"/>
                 </a:solidFill>
                 <a:latin typeface="Courier New" panose="02070309020205020404" pitchFamily="49" charset="0"/>
                 <a:cs typeface="Courier New" panose="02070309020205020404" pitchFamily="49" charset="0"/>
               </a:rPr>
-              <a:t>      (</a:t>
+              <a:t>e_new</a:t>
+            </a:r>
+            <a:r>
+              <a:rPr lang="en-US" dirty="0">
+                <a:solidFill>
+                  <a:srgbClr val="00B050"/>
+                </a:solidFill>
+                <a:latin typeface="Courier New" panose="02070309020205020404" pitchFamily="49" charset="0"/>
+                <a:cs typeface="Courier New" panose="02070309020205020404" pitchFamily="49" charset="0"/>
+              </a:rPr>
+              <a:t> Pair (</a:t>
             </a:r>
             <a:r>
               <a:rPr lang="en-US" dirty="0" err="1">
@@ -16144,6 +15793,51 @@
                 <a:cs typeface="Courier New" panose="02070309020205020404" pitchFamily="49" charset="0"/>
               </a:rPr>
               <a:t> D nil :: nil))</a:t>
+            </a:r>
+          </a:p>
+          <a:p>
+            <a:r>
+              <a:rPr lang="en-US" dirty="0">
+                <a:latin typeface="Courier New" panose="02070309020205020404" pitchFamily="49" charset="0"/>
+                <a:cs typeface="Courier New" panose="02070309020205020404" pitchFamily="49" charset="0"/>
+              </a:rPr>
+              <a:t>           </a:t>
+            </a:r>
+            <a:r>
+              <a:rPr lang="en-US" dirty="0" err="1">
+                <a:solidFill>
+                  <a:srgbClr val="0070C0"/>
+                </a:solidFill>
+                <a:latin typeface="Courier New" panose="02070309020205020404" pitchFamily="49" charset="0"/>
+                <a:cs typeface="Courier New" panose="02070309020205020404" pitchFamily="49" charset="0"/>
+              </a:rPr>
+              <a:t>mySnd</a:t>
+            </a:r>
+            <a:endParaRPr lang="en-US" dirty="0">
+              <a:solidFill>
+                <a:srgbClr val="0070C0"/>
+              </a:solidFill>
+              <a:latin typeface="Courier New" panose="02070309020205020404" pitchFamily="49" charset="0"/>
+              <a:cs typeface="Courier New" panose="02070309020205020404" pitchFamily="49" charset="0"/>
+            </a:endParaRPr>
+          </a:p>
+          <a:p>
+            <a:r>
+              <a:rPr lang="en-US" dirty="0">
+                <a:latin typeface="Courier New" panose="02070309020205020404" pitchFamily="49" charset="0"/>
+                <a:cs typeface="Courier New" panose="02070309020205020404" pitchFamily="49" charset="0"/>
+              </a:rPr>
+              <a:t>      </a:t>
+            </a:r>
+            <a:r>
+              <a:rPr lang="en-US" dirty="0">
+                <a:solidFill>
+                  <a:srgbClr val="FF0000"/>
+                </a:solidFill>
+                <a:latin typeface="Courier New" panose="02070309020205020404" pitchFamily="49" charset="0"/>
+                <a:cs typeface="Courier New" panose="02070309020205020404" pitchFamily="49" charset="0"/>
+              </a:rPr>
+              <a:t>:: nil))</a:t>
             </a:r>
           </a:p>
           <a:p>
@@ -16200,6 +15894,23 @@
           <a:p>
             <a:r>
               <a:rPr lang="en-US" sz="1400" dirty="0">
+                <a:latin typeface="Courier New" panose="02070309020205020404" pitchFamily="49" charset="0"/>
+                <a:cs typeface="Courier New" panose="02070309020205020404" pitchFamily="49" charset="0"/>
+              </a:rPr>
+              <a:t>(</a:t>
+            </a:r>
+            <a:r>
+              <a:rPr lang="en-US" sz="1400" dirty="0">
+                <a:solidFill>
+                  <a:srgbClr val="FF0000"/>
+                </a:solidFill>
+                <a:latin typeface="Courier New" panose="02070309020205020404" pitchFamily="49" charset="0"/>
+                <a:cs typeface="Courier New" panose="02070309020205020404" pitchFamily="49" charset="0"/>
+              </a:rPr>
+              <a:t>new Pair(new D(), </a:t>
+            </a:r>
+            <a:r>
+              <a:rPr lang="en-US" sz="1400" dirty="0">
                 <a:solidFill>
                   <a:srgbClr val="00B050"/>
                 </a:solidFill>
@@ -16210,10 +15921,40 @@
             </a:r>
             <a:r>
               <a:rPr lang="en-US" sz="1400" dirty="0">
+                <a:solidFill>
+                  <a:srgbClr val="0070C0"/>
+                </a:solidFill>
                 <a:latin typeface="Courier New" panose="02070309020205020404" pitchFamily="49" charset="0"/>
                 <a:cs typeface="Courier New" panose="02070309020205020404" pitchFamily="49" charset="0"/>
               </a:rPr>
               <a:t>.</a:t>
+            </a:r>
+            <a:r>
+              <a:rPr lang="en-US" sz="1400" dirty="0" err="1">
+                <a:solidFill>
+                  <a:srgbClr val="0070C0"/>
+                </a:solidFill>
+                <a:latin typeface="Courier New" panose="02070309020205020404" pitchFamily="49" charset="0"/>
+                <a:cs typeface="Courier New" panose="02070309020205020404" pitchFamily="49" charset="0"/>
+              </a:rPr>
+              <a:t>mySnd</a:t>
+            </a:r>
+            <a:r>
+              <a:rPr lang="en-US" sz="1400" dirty="0">
+                <a:solidFill>
+                  <a:srgbClr val="FF0000"/>
+                </a:solidFill>
+                <a:latin typeface="Courier New" panose="02070309020205020404" pitchFamily="49" charset="0"/>
+                <a:cs typeface="Courier New" panose="02070309020205020404" pitchFamily="49" charset="0"/>
+              </a:rPr>
+              <a:t>)</a:t>
+            </a:r>
+            <a:r>
+              <a:rPr lang="en-US" sz="1400" dirty="0">
+                <a:latin typeface="Courier New" panose="02070309020205020404" pitchFamily="49" charset="0"/>
+                <a:cs typeface="Courier New" panose="02070309020205020404" pitchFamily="49" charset="0"/>
+              </a:rPr>
+              <a:t>).</a:t>
             </a:r>
             <a:r>
               <a:rPr lang="en-US" sz="1400" dirty="0" err="1">
@@ -16232,7 +15973,7 @@
     </p:spTree>
     <p:extLst>
       <p:ext uri="{BB962C8B-B14F-4D97-AF65-F5344CB8AC3E}">
-        <p14:creationId xmlns:p14="http://schemas.microsoft.com/office/powerpoint/2010/main" val="478876108"/>
+        <p14:creationId xmlns:p14="http://schemas.microsoft.com/office/powerpoint/2010/main" val="1678277036"/>
       </p:ext>
     </p:extLst>
   </p:cSld>
@@ -16302,7 +16043,7 @@
         <p:spPr>
           <a:xfrm>
             <a:off x="104775" y="1200745"/>
-            <a:ext cx="10553700" cy="369332"/>
+            <a:ext cx="10553700" cy="2031325"/>
           </a:xfrm>
           <a:prstGeom prst="rect">
             <a:avLst/>
@@ -16354,21 +16095,21 @@
                 <a:latin typeface="Courier New" panose="02070309020205020404" pitchFamily="49" charset="0"/>
                 <a:cs typeface="Courier New" panose="02070309020205020404" pitchFamily="49" charset="0"/>
               </a:rPr>
-              <a:t> (</a:t>
+              <a:t> myexp3 </a:t>
             </a:r>
             <a:r>
               <a:rPr lang="en-US" dirty="0" err="1">
                 <a:latin typeface="Courier New" panose="02070309020205020404" pitchFamily="49" charset="0"/>
                 <a:cs typeface="Courier New" panose="02070309020205020404" pitchFamily="49" charset="0"/>
               </a:rPr>
-              <a:t>feval</a:t>
-            </a:r>
-            <a:r>
-              <a:rPr lang="en-US" dirty="0">
-                <a:latin typeface="Courier New" panose="02070309020205020404" pitchFamily="49" charset="0"/>
-                <a:cs typeface="Courier New" panose="02070309020205020404" pitchFamily="49" charset="0"/>
-              </a:rPr>
-              <a:t> myexp3 </a:t>
+              <a:t>ct</a:t>
+            </a:r>
+            <a:r>
+              <a:rPr lang="en-US" dirty="0">
+                <a:latin typeface="Courier New" panose="02070309020205020404" pitchFamily="49" charset="0"/>
+                <a:cs typeface="Courier New" panose="02070309020205020404" pitchFamily="49" charset="0"/>
+              </a:rPr>
+              <a:t>) </a:t>
             </a:r>
             <a:r>
               <a:rPr lang="en-US" dirty="0" err="1">
@@ -16396,38 +16137,93 @@
                 <a:latin typeface="Courier New" panose="02070309020205020404" pitchFamily="49" charset="0"/>
                 <a:cs typeface="Courier New" panose="02070309020205020404" pitchFamily="49" charset="0"/>
               </a:rPr>
-              <a:t>) </a:t>
+              <a:t> = (</a:t>
+            </a:r>
+          </a:p>
+          <a:p>
+            <a:r>
+              <a:rPr lang="en-US" dirty="0">
+                <a:latin typeface="Courier New" panose="02070309020205020404" pitchFamily="49" charset="0"/>
+                <a:cs typeface="Courier New" panose="02070309020205020404" pitchFamily="49" charset="0"/>
+              </a:rPr>
+              <a:t>  </a:t>
             </a:r>
             <a:r>
               <a:rPr lang="en-US" dirty="0" err="1">
                 <a:latin typeface="Courier New" panose="02070309020205020404" pitchFamily="49" charset="0"/>
                 <a:cs typeface="Courier New" panose="02070309020205020404" pitchFamily="49" charset="0"/>
               </a:rPr>
-              <a:t>ct</a:t>
-            </a:r>
-            <a:r>
-              <a:rPr lang="en-US" dirty="0">
-                <a:latin typeface="Courier New" panose="02070309020205020404" pitchFamily="49" charset="0"/>
-                <a:cs typeface="Courier New" panose="02070309020205020404" pitchFamily="49" charset="0"/>
-              </a:rPr>
-              <a:t>) </a:t>
+              <a:t>e_field</a:t>
+            </a:r>
+            <a:endParaRPr lang="en-US" dirty="0">
+              <a:latin typeface="Courier New" panose="02070309020205020404" pitchFamily="49" charset="0"/>
+              <a:cs typeface="Courier New" panose="02070309020205020404" pitchFamily="49" charset="0"/>
+            </a:endParaRPr>
+          </a:p>
+          <a:p>
+            <a:r>
+              <a:rPr lang="en-US" dirty="0">
+                <a:latin typeface="Courier New" panose="02070309020205020404" pitchFamily="49" charset="0"/>
+                <a:cs typeface="Courier New" panose="02070309020205020404" pitchFamily="49" charset="0"/>
+              </a:rPr>
+              <a:t>    </a:t>
+            </a:r>
+            <a:r>
+              <a:rPr lang="en-US" dirty="0">
+                <a:solidFill>
+                  <a:srgbClr val="00B050"/>
+                </a:solidFill>
+                <a:latin typeface="Courier New" panose="02070309020205020404" pitchFamily="49" charset="0"/>
+                <a:cs typeface="Courier New" panose="02070309020205020404" pitchFamily="49" charset="0"/>
+              </a:rPr>
+              <a:t>(</a:t>
             </a:r>
             <a:r>
               <a:rPr lang="en-US" dirty="0" err="1">
-                <a:latin typeface="Courier New" panose="02070309020205020404" pitchFamily="49" charset="0"/>
-                <a:cs typeface="Courier New" panose="02070309020205020404" pitchFamily="49" charset="0"/>
-              </a:rPr>
-              <a:t>ct</a:t>
-            </a:r>
-            <a:r>
-              <a:rPr lang="en-US" dirty="0">
-                <a:latin typeface="Courier New" panose="02070309020205020404" pitchFamily="49" charset="0"/>
-                <a:cs typeface="Courier New" panose="02070309020205020404" pitchFamily="49" charset="0"/>
-              </a:rPr>
-              <a:t> = </a:t>
+                <a:solidFill>
+                  <a:srgbClr val="00B050"/>
+                </a:solidFill>
+                <a:latin typeface="Courier New" panose="02070309020205020404" pitchFamily="49" charset="0"/>
+                <a:cs typeface="Courier New" panose="02070309020205020404" pitchFamily="49" charset="0"/>
+              </a:rPr>
+              <a:t>e_new</a:t>
+            </a:r>
+            <a:endParaRPr lang="en-US" dirty="0">
+              <a:solidFill>
+                <a:srgbClr val="00B050"/>
+              </a:solidFill>
+              <a:latin typeface="Courier New" panose="02070309020205020404" pitchFamily="49" charset="0"/>
+              <a:cs typeface="Courier New" panose="02070309020205020404" pitchFamily="49" charset="0"/>
+            </a:endParaRPr>
+          </a:p>
+          <a:p>
+            <a:r>
+              <a:rPr lang="en-US" dirty="0">
+                <a:solidFill>
+                  <a:srgbClr val="00B050"/>
+                </a:solidFill>
+                <a:latin typeface="Courier New" panose="02070309020205020404" pitchFamily="49" charset="0"/>
+                <a:cs typeface="Courier New" panose="02070309020205020404" pitchFamily="49" charset="0"/>
+              </a:rPr>
+              <a:t>      Pair</a:t>
+            </a:r>
+          </a:p>
+          <a:p>
+            <a:r>
+              <a:rPr lang="en-US" dirty="0">
+                <a:solidFill>
+                  <a:srgbClr val="00B050"/>
+                </a:solidFill>
+                <a:latin typeface="Courier New" panose="02070309020205020404" pitchFamily="49" charset="0"/>
+                <a:cs typeface="Courier New" panose="02070309020205020404" pitchFamily="49" charset="0"/>
+              </a:rPr>
+              <a:t>      (</a:t>
             </a:r>
             <a:r>
               <a:rPr lang="en-US" dirty="0" err="1">
+                <a:solidFill>
+                  <a:srgbClr val="00B050"/>
+                </a:solidFill>
                 <a:latin typeface="Courier New" panose="02070309020205020404" pitchFamily="49" charset="0"/>
                 <a:cs typeface="Courier New" panose="02070309020205020404" pitchFamily="49" charset="0"/>
               </a:rPr>
@@ -16435,10 +16231,62 @@
             </a:r>
             <a:r>
               <a:rPr lang="en-US" dirty="0">
-                <a:latin typeface="Courier New" panose="02070309020205020404" pitchFamily="49" charset="0"/>
-                <a:cs typeface="Courier New" panose="02070309020205020404" pitchFamily="49" charset="0"/>
-              </a:rPr>
-              <a:t> D nil.</a:t>
+                <a:solidFill>
+                  <a:srgbClr val="00B050"/>
+                </a:solidFill>
+                <a:latin typeface="Courier New" panose="02070309020205020404" pitchFamily="49" charset="0"/>
+                <a:cs typeface="Courier New" panose="02070309020205020404" pitchFamily="49" charset="0"/>
+              </a:rPr>
+              <a:t> C nil :: </a:t>
+            </a:r>
+            <a:r>
+              <a:rPr lang="en-US" dirty="0" err="1">
+                <a:solidFill>
+                  <a:srgbClr val="00B050"/>
+                </a:solidFill>
+                <a:latin typeface="Courier New" panose="02070309020205020404" pitchFamily="49" charset="0"/>
+                <a:cs typeface="Courier New" panose="02070309020205020404" pitchFamily="49" charset="0"/>
+              </a:rPr>
+              <a:t>e_new</a:t>
+            </a:r>
+            <a:r>
+              <a:rPr lang="en-US" dirty="0">
+                <a:solidFill>
+                  <a:srgbClr val="00B050"/>
+                </a:solidFill>
+                <a:latin typeface="Courier New" panose="02070309020205020404" pitchFamily="49" charset="0"/>
+                <a:cs typeface="Courier New" panose="02070309020205020404" pitchFamily="49" charset="0"/>
+              </a:rPr>
+              <a:t> D nil :: nil))</a:t>
+            </a:r>
+          </a:p>
+          <a:p>
+            <a:r>
+              <a:rPr lang="en-US" dirty="0">
+                <a:latin typeface="Courier New" panose="02070309020205020404" pitchFamily="49" charset="0"/>
+                <a:cs typeface="Courier New" panose="02070309020205020404" pitchFamily="49" charset="0"/>
+              </a:rPr>
+              <a:t>  </a:t>
+            </a:r>
+            <a:r>
+              <a:rPr lang="en-US" dirty="0" err="1">
+                <a:latin typeface="Courier New" panose="02070309020205020404" pitchFamily="49" charset="0"/>
+                <a:cs typeface="Courier New" panose="02070309020205020404" pitchFamily="49" charset="0"/>
+              </a:rPr>
+              <a:t>mySnd</a:t>
+            </a:r>
+            <a:endParaRPr lang="en-US" dirty="0">
+              <a:latin typeface="Courier New" panose="02070309020205020404" pitchFamily="49" charset="0"/>
+              <a:cs typeface="Courier New" panose="02070309020205020404" pitchFamily="49" charset="0"/>
+            </a:endParaRPr>
+          </a:p>
+          <a:p>
+            <a:r>
+              <a:rPr lang="en-US" dirty="0">
+                <a:latin typeface="Courier New" panose="02070309020205020404" pitchFamily="49" charset="0"/>
+                <a:cs typeface="Courier New" panose="02070309020205020404" pitchFamily="49" charset="0"/>
+              </a:rPr>
+              <a:t>).</a:t>
             </a:r>
           </a:p>
         </p:txBody>
@@ -16466,18 +16314,39 @@
           <a:p>
             <a:r>
               <a:rPr lang="en-US" sz="1400" dirty="0">
-                <a:latin typeface="Courier New" panose="02070309020205020404" pitchFamily="49" charset="0"/>
-                <a:cs typeface="Courier New" panose="02070309020205020404" pitchFamily="49" charset="0"/>
-              </a:rPr>
-              <a:t>new D()</a:t>
-            </a:r>
+                <a:solidFill>
+                  <a:srgbClr val="00B050"/>
+                </a:solidFill>
+                <a:latin typeface="Courier New" panose="02070309020205020404" pitchFamily="49" charset="0"/>
+                <a:cs typeface="Courier New" panose="02070309020205020404" pitchFamily="49" charset="0"/>
+              </a:rPr>
+              <a:t>new Pair(new C(), new D())</a:t>
+            </a:r>
+            <a:r>
+              <a:rPr lang="en-US" sz="1400" dirty="0">
+                <a:latin typeface="Courier New" panose="02070309020205020404" pitchFamily="49" charset="0"/>
+                <a:cs typeface="Courier New" panose="02070309020205020404" pitchFamily="49" charset="0"/>
+              </a:rPr>
+              <a:t>.</a:t>
+            </a:r>
+            <a:r>
+              <a:rPr lang="en-US" sz="1400" dirty="0" err="1">
+                <a:latin typeface="Courier New" panose="02070309020205020404" pitchFamily="49" charset="0"/>
+                <a:cs typeface="Courier New" panose="02070309020205020404" pitchFamily="49" charset="0"/>
+              </a:rPr>
+              <a:t>mySnd</a:t>
+            </a:r>
+            <a:endParaRPr lang="en-US" sz="1400" dirty="0">
+              <a:latin typeface="Courier New" panose="02070309020205020404" pitchFamily="49" charset="0"/>
+              <a:cs typeface="Courier New" panose="02070309020205020404" pitchFamily="49" charset="0"/>
+            </a:endParaRPr>
           </a:p>
         </p:txBody>
       </p:sp>
     </p:spTree>
     <p:extLst>
       <p:ext uri="{BB962C8B-B14F-4D97-AF65-F5344CB8AC3E}">
-        <p14:creationId xmlns:p14="http://schemas.microsoft.com/office/powerpoint/2010/main" val="1941617515"/>
+        <p14:creationId xmlns:p14="http://schemas.microsoft.com/office/powerpoint/2010/main" val="478876108"/>
       </p:ext>
     </p:extLst>
   </p:cSld>
@@ -16533,6 +16402,251 @@
                   <a:schemeClr val="bg1"/>
                 </a:solidFill>
               </a:rPr>
+              <a:t>Example</a:t>
+            </a:r>
+          </a:p>
+        </p:txBody>
+      </p:sp>
+      <p:sp>
+        <p:nvSpPr>
+          <p:cNvPr id="6" name="Rectangle 5"/>
+          <p:cNvSpPr/>
+          <p:nvPr/>
+        </p:nvSpPr>
+        <p:spPr>
+          <a:xfrm>
+            <a:off x="104775" y="1200745"/>
+            <a:ext cx="10553700" cy="369332"/>
+          </a:xfrm>
+          <a:prstGeom prst="rect">
+            <a:avLst/>
+          </a:prstGeom>
+        </p:spPr>
+        <p:txBody>
+          <a:bodyPr wrap="square">
+            <a:spAutoFit/>
+          </a:bodyPr>
+          <a:lstStyle/>
+          <a:p>
+            <a:r>
+              <a:rPr lang="en-US" dirty="0" err="1">
+                <a:latin typeface="Courier New" panose="02070309020205020404" pitchFamily="49" charset="0"/>
+                <a:cs typeface="Courier New" panose="02070309020205020404" pitchFamily="49" charset="0"/>
+              </a:rPr>
+              <a:t>feval</a:t>
+            </a:r>
+            <a:r>
+              <a:rPr lang="en-US" dirty="0">
+                <a:latin typeface="Courier New" panose="02070309020205020404" pitchFamily="49" charset="0"/>
+                <a:cs typeface="Courier New" panose="02070309020205020404" pitchFamily="49" charset="0"/>
+              </a:rPr>
+              <a:t> (</a:t>
+            </a:r>
+            <a:r>
+              <a:rPr lang="en-US" dirty="0" err="1">
+                <a:latin typeface="Courier New" panose="02070309020205020404" pitchFamily="49" charset="0"/>
+                <a:cs typeface="Courier New" panose="02070309020205020404" pitchFamily="49" charset="0"/>
+              </a:rPr>
+              <a:t>feval</a:t>
+            </a:r>
+            <a:r>
+              <a:rPr lang="en-US" dirty="0">
+                <a:latin typeface="Courier New" panose="02070309020205020404" pitchFamily="49" charset="0"/>
+                <a:cs typeface="Courier New" panose="02070309020205020404" pitchFamily="49" charset="0"/>
+              </a:rPr>
+              <a:t> (</a:t>
+            </a:r>
+            <a:r>
+              <a:rPr lang="en-US" dirty="0" err="1">
+                <a:latin typeface="Courier New" panose="02070309020205020404" pitchFamily="49" charset="0"/>
+                <a:cs typeface="Courier New" panose="02070309020205020404" pitchFamily="49" charset="0"/>
+              </a:rPr>
+              <a:t>feval</a:t>
+            </a:r>
+            <a:r>
+              <a:rPr lang="en-US" dirty="0">
+                <a:latin typeface="Courier New" panose="02070309020205020404" pitchFamily="49" charset="0"/>
+                <a:cs typeface="Courier New" panose="02070309020205020404" pitchFamily="49" charset="0"/>
+              </a:rPr>
+              <a:t> (</a:t>
+            </a:r>
+            <a:r>
+              <a:rPr lang="en-US" dirty="0" err="1">
+                <a:latin typeface="Courier New" panose="02070309020205020404" pitchFamily="49" charset="0"/>
+                <a:cs typeface="Courier New" panose="02070309020205020404" pitchFamily="49" charset="0"/>
+              </a:rPr>
+              <a:t>feval</a:t>
+            </a:r>
+            <a:r>
+              <a:rPr lang="en-US" dirty="0">
+                <a:latin typeface="Courier New" panose="02070309020205020404" pitchFamily="49" charset="0"/>
+                <a:cs typeface="Courier New" panose="02070309020205020404" pitchFamily="49" charset="0"/>
+              </a:rPr>
+              <a:t> myexp3 </a:t>
+            </a:r>
+            <a:r>
+              <a:rPr lang="en-US" dirty="0" err="1">
+                <a:latin typeface="Courier New" panose="02070309020205020404" pitchFamily="49" charset="0"/>
+                <a:cs typeface="Courier New" panose="02070309020205020404" pitchFamily="49" charset="0"/>
+              </a:rPr>
+              <a:t>ct</a:t>
+            </a:r>
+            <a:r>
+              <a:rPr lang="en-US" dirty="0">
+                <a:latin typeface="Courier New" panose="02070309020205020404" pitchFamily="49" charset="0"/>
+                <a:cs typeface="Courier New" panose="02070309020205020404" pitchFamily="49" charset="0"/>
+              </a:rPr>
+              <a:t>) </a:t>
+            </a:r>
+            <a:r>
+              <a:rPr lang="en-US" dirty="0" err="1">
+                <a:latin typeface="Courier New" panose="02070309020205020404" pitchFamily="49" charset="0"/>
+                <a:cs typeface="Courier New" panose="02070309020205020404" pitchFamily="49" charset="0"/>
+              </a:rPr>
+              <a:t>ct</a:t>
+            </a:r>
+            <a:r>
+              <a:rPr lang="en-US" dirty="0">
+                <a:latin typeface="Courier New" panose="02070309020205020404" pitchFamily="49" charset="0"/>
+                <a:cs typeface="Courier New" panose="02070309020205020404" pitchFamily="49" charset="0"/>
+              </a:rPr>
+              <a:t>) </a:t>
+            </a:r>
+            <a:r>
+              <a:rPr lang="en-US" dirty="0" err="1">
+                <a:latin typeface="Courier New" panose="02070309020205020404" pitchFamily="49" charset="0"/>
+                <a:cs typeface="Courier New" panose="02070309020205020404" pitchFamily="49" charset="0"/>
+              </a:rPr>
+              <a:t>ct</a:t>
+            </a:r>
+            <a:r>
+              <a:rPr lang="en-US" dirty="0">
+                <a:latin typeface="Courier New" panose="02070309020205020404" pitchFamily="49" charset="0"/>
+                <a:cs typeface="Courier New" panose="02070309020205020404" pitchFamily="49" charset="0"/>
+              </a:rPr>
+              <a:t>) </a:t>
+            </a:r>
+            <a:r>
+              <a:rPr lang="en-US" dirty="0" err="1">
+                <a:latin typeface="Courier New" panose="02070309020205020404" pitchFamily="49" charset="0"/>
+                <a:cs typeface="Courier New" panose="02070309020205020404" pitchFamily="49" charset="0"/>
+              </a:rPr>
+              <a:t>ct</a:t>
+            </a:r>
+            <a:r>
+              <a:rPr lang="en-US" dirty="0">
+                <a:latin typeface="Courier New" panose="02070309020205020404" pitchFamily="49" charset="0"/>
+                <a:cs typeface="Courier New" panose="02070309020205020404" pitchFamily="49" charset="0"/>
+              </a:rPr>
+              <a:t> = </a:t>
+            </a:r>
+            <a:r>
+              <a:rPr lang="en-US" dirty="0" err="1">
+                <a:latin typeface="Courier New" panose="02070309020205020404" pitchFamily="49" charset="0"/>
+                <a:cs typeface="Courier New" panose="02070309020205020404" pitchFamily="49" charset="0"/>
+              </a:rPr>
+              <a:t>e_new</a:t>
+            </a:r>
+            <a:r>
+              <a:rPr lang="en-US" dirty="0">
+                <a:latin typeface="Courier New" panose="02070309020205020404" pitchFamily="49" charset="0"/>
+                <a:cs typeface="Courier New" panose="02070309020205020404" pitchFamily="49" charset="0"/>
+              </a:rPr>
+              <a:t> D nil.</a:t>
+            </a:r>
+          </a:p>
+        </p:txBody>
+      </p:sp>
+      <p:sp>
+        <p:nvSpPr>
+          <p:cNvPr id="7" name="Rectangle 6"/>
+          <p:cNvSpPr/>
+          <p:nvPr/>
+        </p:nvSpPr>
+        <p:spPr>
+          <a:xfrm>
+            <a:off x="104775" y="6157908"/>
+            <a:ext cx="11639550" cy="307777"/>
+          </a:xfrm>
+          <a:prstGeom prst="rect">
+            <a:avLst/>
+          </a:prstGeom>
+        </p:spPr>
+        <p:txBody>
+          <a:bodyPr wrap="square">
+            <a:spAutoFit/>
+          </a:bodyPr>
+          <a:lstStyle/>
+          <a:p>
+            <a:r>
+              <a:rPr lang="en-US" sz="1400" dirty="0">
+                <a:latin typeface="Courier New" panose="02070309020205020404" pitchFamily="49" charset="0"/>
+                <a:cs typeface="Courier New" panose="02070309020205020404" pitchFamily="49" charset="0"/>
+              </a:rPr>
+              <a:t>new D()</a:t>
+            </a:r>
+          </a:p>
+        </p:txBody>
+      </p:sp>
+    </p:spTree>
+    <p:extLst>
+      <p:ext uri="{BB962C8B-B14F-4D97-AF65-F5344CB8AC3E}">
+        <p14:creationId xmlns:p14="http://schemas.microsoft.com/office/powerpoint/2010/main" val="1941617515"/>
+      </p:ext>
+    </p:extLst>
+  </p:cSld>
+  <p:clrMapOvr>
+    <a:masterClrMapping/>
+  </p:clrMapOvr>
+</p:sld>
+</file>
+
+<file path=ppt/slides/slide27.xml><?xml version="1.0" encoding="utf-8"?>
+<p:sld xmlns:a="http://schemas.openxmlformats.org/drawingml/2006/main" xmlns:r="http://schemas.openxmlformats.org/officeDocument/2006/relationships" xmlns:p="http://schemas.openxmlformats.org/presentationml/2006/main">
+  <p:cSld>
+    <p:spTree>
+      <p:nvGrpSpPr>
+        <p:cNvPr id="1" name=""/>
+        <p:cNvGrpSpPr/>
+        <p:nvPr/>
+      </p:nvGrpSpPr>
+      <p:grpSpPr>
+        <a:xfrm>
+          <a:off x="0" y="0"/>
+          <a:ext cx="0" cy="0"/>
+          <a:chOff x="0" y="0"/>
+          <a:chExt cx="0" cy="0"/>
+        </a:xfrm>
+      </p:grpSpPr>
+      <p:sp>
+        <p:nvSpPr>
+          <p:cNvPr id="2" name="Title 1"/>
+          <p:cNvSpPr>
+            <a:spLocks noGrp="1"/>
+          </p:cNvSpPr>
+          <p:nvPr>
+            <p:ph type="title"/>
+          </p:nvPr>
+        </p:nvSpPr>
+        <p:spPr>
+          <a:xfrm>
+            <a:off x="2024743" y="97357"/>
+            <a:ext cx="5262464" cy="639762"/>
+          </a:xfrm>
+        </p:spPr>
+        <p:txBody>
+          <a:bodyPr>
+            <a:normAutofit fontScale="90000"/>
+          </a:bodyPr>
+          <a:lstStyle/>
+          <a:p>
+            <a:pPr algn="l"/>
+            <a:r>
+              <a:rPr lang="en-US" dirty="0">
+                <a:solidFill>
+                  <a:schemeClr val="bg1"/>
+                </a:solidFill>
+              </a:rPr>
               <a:t>Difficulties</a:t>
             </a:r>
           </a:p>
@@ -16576,6 +16690,143 @@
               <a:rPr lang="en-US" dirty="0"/>
               <a:t>Determining what fields are inherited from the class table</a:t>
             </a:r>
+          </a:p>
+        </p:txBody>
+      </p:sp>
+      <p:sp>
+        <p:nvSpPr>
+          <p:cNvPr id="5" name="Rectangle 4"/>
+          <p:cNvSpPr/>
+          <p:nvPr/>
+        </p:nvSpPr>
+        <p:spPr>
+          <a:xfrm>
+            <a:off x="304799" y="4770517"/>
+            <a:ext cx="8839201" cy="1200329"/>
+          </a:xfrm>
+          <a:prstGeom prst="rect">
+            <a:avLst/>
+          </a:prstGeom>
+        </p:spPr>
+        <p:txBody>
+          <a:bodyPr wrap="square">
+            <a:spAutoFit/>
+          </a:bodyPr>
+          <a:lstStyle/>
+          <a:p>
+            <a:r>
+              <a:rPr lang="en-US" sz="2400" dirty="0">
+                <a:latin typeface="Courier New" panose="02070309020205020404" pitchFamily="49" charset="0"/>
+                <a:cs typeface="Courier New" panose="02070309020205020404" pitchFamily="49" charset="0"/>
+              </a:rPr>
+              <a:t>Theorem </a:t>
+            </a:r>
+            <a:r>
+              <a:rPr lang="en-US" sz="2400" dirty="0" err="1">
+                <a:latin typeface="Courier New" panose="02070309020205020404" pitchFamily="49" charset="0"/>
+                <a:cs typeface="Courier New" panose="02070309020205020404" pitchFamily="49" charset="0"/>
+              </a:rPr>
+              <a:t>feval_correct</a:t>
+            </a:r>
+            <a:r>
+              <a:rPr lang="en-US" sz="2400" dirty="0">
+                <a:latin typeface="Courier New" panose="02070309020205020404" pitchFamily="49" charset="0"/>
+                <a:cs typeface="Courier New" panose="02070309020205020404" pitchFamily="49" charset="0"/>
+              </a:rPr>
+              <a:t>:</a:t>
+            </a:r>
+          </a:p>
+          <a:p>
+            <a:r>
+              <a:rPr lang="en-US" sz="2400" dirty="0">
+                <a:latin typeface="Courier New" panose="02070309020205020404" pitchFamily="49" charset="0"/>
+                <a:cs typeface="Courier New" panose="02070309020205020404" pitchFamily="49" charset="0"/>
+              </a:rPr>
+              <a:t>  </a:t>
+            </a:r>
+            <a:r>
+              <a:rPr lang="en-US" sz="2400" dirty="0" err="1">
+                <a:latin typeface="Courier New" panose="02070309020205020404" pitchFamily="49" charset="0"/>
+                <a:cs typeface="Courier New" panose="02070309020205020404" pitchFamily="49" charset="0"/>
+              </a:rPr>
+              <a:t>forall</a:t>
+            </a:r>
+            <a:r>
+              <a:rPr lang="en-US" sz="2400" dirty="0">
+                <a:latin typeface="Courier New" panose="02070309020205020404" pitchFamily="49" charset="0"/>
+                <a:cs typeface="Courier New" panose="02070309020205020404" pitchFamily="49" charset="0"/>
+              </a:rPr>
+              <a:t> (e1 e2:exp) (</a:t>
+            </a:r>
+            <a:r>
+              <a:rPr lang="en-US" sz="2400" dirty="0" err="1">
+                <a:latin typeface="Courier New" panose="02070309020205020404" pitchFamily="49" charset="0"/>
+                <a:cs typeface="Courier New" panose="02070309020205020404" pitchFamily="49" charset="0"/>
+              </a:rPr>
+              <a:t>ct:ctable</a:t>
+            </a:r>
+            <a:r>
+              <a:rPr lang="en-US" sz="2400" dirty="0">
+                <a:latin typeface="Courier New" panose="02070309020205020404" pitchFamily="49" charset="0"/>
+                <a:cs typeface="Courier New" panose="02070309020205020404" pitchFamily="49" charset="0"/>
+              </a:rPr>
+              <a:t>),</a:t>
+            </a:r>
+          </a:p>
+          <a:p>
+            <a:r>
+              <a:rPr lang="en-US" sz="2400" dirty="0">
+                <a:latin typeface="Courier New" panose="02070309020205020404" pitchFamily="49" charset="0"/>
+                <a:cs typeface="Courier New" panose="02070309020205020404" pitchFamily="49" charset="0"/>
+              </a:rPr>
+              <a:t>    </a:t>
+            </a:r>
+            <a:r>
+              <a:rPr lang="en-US" sz="2400" dirty="0" err="1">
+                <a:latin typeface="Courier New" panose="02070309020205020404" pitchFamily="49" charset="0"/>
+                <a:cs typeface="Courier New" panose="02070309020205020404" pitchFamily="49" charset="0"/>
+              </a:rPr>
+              <a:t>feval</a:t>
+            </a:r>
+            <a:r>
+              <a:rPr lang="en-US" sz="2400" dirty="0">
+                <a:latin typeface="Courier New" panose="02070309020205020404" pitchFamily="49" charset="0"/>
+                <a:cs typeface="Courier New" panose="02070309020205020404" pitchFamily="49" charset="0"/>
+              </a:rPr>
+              <a:t> e1 </a:t>
+            </a:r>
+            <a:r>
+              <a:rPr lang="en-US" sz="2400" dirty="0" err="1">
+                <a:latin typeface="Courier New" panose="02070309020205020404" pitchFamily="49" charset="0"/>
+                <a:cs typeface="Courier New" panose="02070309020205020404" pitchFamily="49" charset="0"/>
+              </a:rPr>
+              <a:t>ct</a:t>
+            </a:r>
+            <a:r>
+              <a:rPr lang="en-US" sz="2400" dirty="0">
+                <a:latin typeface="Courier New" panose="02070309020205020404" pitchFamily="49" charset="0"/>
+                <a:cs typeface="Courier New" panose="02070309020205020404" pitchFamily="49" charset="0"/>
+              </a:rPr>
+              <a:t> = Some e2 -&gt; </a:t>
+            </a:r>
+            <a:r>
+              <a:rPr lang="en-US" sz="2400" dirty="0" err="1">
+                <a:latin typeface="Courier New" panose="02070309020205020404" pitchFamily="49" charset="0"/>
+                <a:cs typeface="Courier New" panose="02070309020205020404" pitchFamily="49" charset="0"/>
+              </a:rPr>
+              <a:t>eval</a:t>
+            </a:r>
+            <a:r>
+              <a:rPr lang="en-US" sz="2400" dirty="0">
+                <a:latin typeface="Courier New" panose="02070309020205020404" pitchFamily="49" charset="0"/>
+                <a:cs typeface="Courier New" panose="02070309020205020404" pitchFamily="49" charset="0"/>
+              </a:rPr>
+              <a:t> e1 e2.</a:t>
+            </a:r>
+            <a:endParaRPr lang="en-US" sz="2400" dirty="0">
+              <a:latin typeface="Courier New" panose="02070309020205020404" pitchFamily="49" charset="0"/>
+              <a:cs typeface="Courier New" panose="02070309020205020404" pitchFamily="49" charset="0"/>
+            </a:endParaRPr>
           </a:p>
         </p:txBody>
       </p:sp>
@@ -16592,7 +16843,7 @@
 </p:sld>
 </file>
 
-<file path=ppt/slides/slide27.xml><?xml version="1.0" encoding="utf-8"?>
+<file path=ppt/slides/slide28.xml><?xml version="1.0" encoding="utf-8"?>
 <p:sld xmlns:a="http://schemas.openxmlformats.org/drawingml/2006/main" xmlns:r="http://schemas.openxmlformats.org/officeDocument/2006/relationships" xmlns:p="http://schemas.openxmlformats.org/presentationml/2006/main">
   <p:cSld>
     <p:spTree>
@@ -16894,89 +17145,101 @@
         <p:spPr/>
         <p:txBody>
           <a:bodyPr>
-            <a:normAutofit/>
+            <a:normAutofit fontScale="92500"/>
           </a:bodyPr>
           <a:lstStyle/>
           <a:p>
             <a:r>
               <a:rPr lang="en-US" dirty="0"/>
-              <a:t>Featherweight Java </a:t>
-            </a:r>
-            <a:r>
-              <a:rPr lang="en-US" dirty="0"/>
-              <a:t>(Igarashi 2001)</a:t>
+              <a:t>Featherweight Java</a:t>
             </a:r>
           </a:p>
           <a:p>
             <a:pPr lvl="1"/>
             <a:r>
               <a:rPr lang="en-US" dirty="0"/>
-              <a:t>“A minimal core calculus for Java and GJ”</a:t>
+              <a:t>Omits: assignment, interfaces, overloading, messages to </a:t>
+            </a:r>
+            <a:r>
+              <a:rPr lang="en-US" dirty="0">
+                <a:latin typeface="Courier New" panose="02070309020205020404" pitchFamily="49" charset="0"/>
+                <a:cs typeface="Courier New" panose="02070309020205020404" pitchFamily="49" charset="0"/>
+              </a:rPr>
+              <a:t>super</a:t>
+            </a:r>
+            <a:r>
+              <a:rPr lang="en-US" dirty="0"/>
+              <a:t>, null pointers, base types (</a:t>
+            </a:r>
+            <a:r>
+              <a:rPr lang="en-US" dirty="0" err="1">
+                <a:latin typeface="Courier New" panose="02070309020205020404" pitchFamily="49" charset="0"/>
+                <a:cs typeface="Courier New" panose="02070309020205020404" pitchFamily="49" charset="0"/>
+              </a:rPr>
+              <a:t>int</a:t>
+            </a:r>
+            <a:r>
+              <a:rPr lang="en-US" dirty="0"/>
+              <a:t>, </a:t>
+            </a:r>
+            <a:r>
+              <a:rPr lang="en-US" dirty="0">
+                <a:latin typeface="Courier New" panose="02070309020205020404" pitchFamily="49" charset="0"/>
+                <a:cs typeface="Courier New" panose="02070309020205020404" pitchFamily="49" charset="0"/>
+              </a:rPr>
+              <a:t>bool</a:t>
+            </a:r>
+            <a:r>
+              <a:rPr lang="en-US" dirty="0"/>
+              <a:t>, etc.), abstract method declarations, shadowing of superclass fields by subclass fields, access control (</a:t>
+            </a:r>
+            <a:r>
+              <a:rPr lang="en-US" dirty="0">
+                <a:latin typeface="Courier New" panose="02070309020205020404" pitchFamily="49" charset="0"/>
+                <a:cs typeface="Courier New" panose="02070309020205020404" pitchFamily="49" charset="0"/>
+              </a:rPr>
+              <a:t>public</a:t>
+            </a:r>
+            <a:r>
+              <a:rPr lang="en-US" dirty="0"/>
+              <a:t>, </a:t>
+            </a:r>
+            <a:r>
+              <a:rPr lang="en-US" dirty="0">
+                <a:latin typeface="Courier New" panose="02070309020205020404" pitchFamily="49" charset="0"/>
+                <a:cs typeface="Courier New" panose="02070309020205020404" pitchFamily="49" charset="0"/>
+              </a:rPr>
+              <a:t>private</a:t>
+            </a:r>
+            <a:r>
+              <a:rPr lang="en-US" dirty="0"/>
+              <a:t>, etc.), and exceptions</a:t>
             </a:r>
           </a:p>
           <a:p>
             <a:pPr lvl="1"/>
             <a:r>
               <a:rPr lang="en-US" dirty="0"/>
-              <a:t>Three computational rules: field access, method invocation, casts</a:t>
-            </a:r>
-          </a:p>
-          <a:p>
-            <a:pPr lvl="1"/>
-            <a:r>
-              <a:rPr lang="en-US" dirty="0"/>
-              <a:t>“just as the slogan for the lambda calculus is ‘everything is a function,’ here the slogan is ‘everything is an object.’”</a:t>
-            </a:r>
-            <a:br>
-              <a:rPr lang="en-US" dirty="0"/>
-            </a:br>
-            <a:endParaRPr lang="en-US" dirty="0"/>
-          </a:p>
-        </p:txBody>
-      </p:sp>
-      <p:sp>
-        <p:nvSpPr>
-          <p:cNvPr id="4" name="Rectangle 3"/>
-          <p:cNvSpPr/>
-          <p:nvPr/>
-        </p:nvSpPr>
-        <p:spPr>
-          <a:xfrm>
-            <a:off x="0" y="5562898"/>
-            <a:ext cx="9143999" cy="523220"/>
-          </a:xfrm>
-          <a:prstGeom prst="rect">
-            <a:avLst/>
-          </a:prstGeom>
-        </p:spPr>
-        <p:txBody>
-          <a:bodyPr wrap="square">
-            <a:spAutoFit/>
-          </a:bodyPr>
-          <a:lstStyle/>
-          <a:p>
-            <a:pPr algn="ctr"/>
-            <a:r>
-              <a:rPr lang="en-US" sz="2800" dirty="0">
-                <a:solidFill>
-                  <a:srgbClr val="000000"/>
-                </a:solidFill>
-                <a:latin typeface="Courier New" panose="02070309020205020404" pitchFamily="49" charset="0"/>
-                <a:cs typeface="Courier New" panose="02070309020205020404" pitchFamily="49" charset="0"/>
-              </a:rPr>
-              <a:t>new Pair(new A(), new B()).snd → new B()</a:t>
-            </a:r>
-            <a:endParaRPr lang="en-US" sz="2800" dirty="0">
-              <a:latin typeface="Courier New" panose="02070309020205020404" pitchFamily="49" charset="0"/>
-              <a:cs typeface="Courier New" panose="02070309020205020404" pitchFamily="49" charset="0"/>
-            </a:endParaRPr>
+              <a:t>Includes: mutually recursive class definitions, object creation, field access, method invocation, method override, method recursion through </a:t>
+            </a:r>
+            <a:r>
+              <a:rPr lang="en-US" dirty="0">
+                <a:latin typeface="Courier New" panose="02070309020205020404" pitchFamily="49" charset="0"/>
+                <a:cs typeface="Courier New" panose="02070309020205020404" pitchFamily="49" charset="0"/>
+              </a:rPr>
+              <a:t>this</a:t>
+            </a:r>
+            <a:r>
+              <a:rPr lang="en-US" dirty="0"/>
+              <a:t>, subtyping, and casting</a:t>
+            </a:r>
           </a:p>
         </p:txBody>
       </p:sp>
     </p:spTree>
     <p:extLst>
       <p:ext uri="{BB962C8B-B14F-4D97-AF65-F5344CB8AC3E}">
-        <p14:creationId xmlns:p14="http://schemas.microsoft.com/office/powerpoint/2010/main" val="4171731091"/>
+        <p14:creationId xmlns:p14="http://schemas.microsoft.com/office/powerpoint/2010/main" val="3566154295"/>
       </p:ext>
     </p:extLst>
   </p:cSld>
@@ -17056,7 +17319,15 @@
           <a:p>
             <a:r>
               <a:rPr lang="en-US" dirty="0"/>
-              <a:t>Featherweight Java</a:t>
+              <a:t>Featherweight Java </a:t>
+            </a:r>
+            <a:r>
+              <a:rPr lang="en-US" dirty="0">
+                <a:solidFill>
+                  <a:srgbClr val="FF0000"/>
+                </a:solidFill>
+              </a:rPr>
+              <a:t>(no casting)</a:t>
             </a:r>
           </a:p>
           <a:p>
@@ -17125,7 +17396,19 @@
             <a:pPr lvl="1"/>
             <a:r>
               <a:rPr lang="en-US" dirty="0"/>
-              <a:t>Includes: mutually recursive class definitions, object creation, field access, method invocation, method override, method recursion through </a:t>
+              <a:t>Includes: mutually recursive class definitions, object creation, field access, method invocation, method override,</a:t>
+            </a:r>
+            <a:r>
+              <a:rPr lang="en-US" dirty="0">
+                <a:solidFill>
+                  <a:srgbClr val="FF0000"/>
+                </a:solidFill>
+              </a:rPr>
+              <a:t> </a:t>
+            </a:r>
+            <a:r>
+              <a:rPr lang="en-US" dirty="0"/>
+              <a:t>method recursion through </a:t>
             </a:r>
             <a:r>
               <a:rPr lang="en-US" dirty="0">
@@ -17136,15 +17419,24 @@
             </a:r>
             <a:r>
               <a:rPr lang="en-US" dirty="0"/>
-              <a:t>, subtyping, and casting</a:t>
-            </a:r>
+              <a:t>, subtyping</a:t>
+            </a:r>
+            <a:r>
+              <a:rPr lang="en-US" strike="sngStrike" dirty="0">
+                <a:solidFill>
+                  <a:srgbClr val="FF0000"/>
+                </a:solidFill>
+              </a:rPr>
+              <a:t>, and casting</a:t>
+            </a:r>
+            <a:endParaRPr lang="en-US" dirty="0"/>
           </a:p>
         </p:txBody>
       </p:sp>
     </p:spTree>
     <p:extLst>
       <p:ext uri="{BB962C8B-B14F-4D97-AF65-F5344CB8AC3E}">
-        <p14:creationId xmlns:p14="http://schemas.microsoft.com/office/powerpoint/2010/main" val="3566154295"/>
+        <p14:creationId xmlns:p14="http://schemas.microsoft.com/office/powerpoint/2010/main" val="64831200"/>
       </p:ext>
     </p:extLst>
   </p:cSld>
@@ -17218,130 +17510,85 @@
         <p:spPr/>
         <p:txBody>
           <a:bodyPr>
-            <a:normAutofit fontScale="92500"/>
+            <a:normAutofit/>
           </a:bodyPr>
           <a:lstStyle/>
           <a:p>
             <a:r>
               <a:rPr lang="en-US" dirty="0"/>
-              <a:t>Featherweight Java </a:t>
-            </a:r>
-            <a:r>
-              <a:rPr lang="en-US" dirty="0">
-                <a:solidFill>
-                  <a:srgbClr val="FF0000"/>
-                </a:solidFill>
-              </a:rPr>
-              <a:t>(no casting)</a:t>
+              <a:t>Featherweight Java (Igarashi 2001)</a:t>
             </a:r>
           </a:p>
           <a:p>
             <a:pPr lvl="1"/>
             <a:r>
               <a:rPr lang="en-US" dirty="0"/>
-              <a:t>Omits: assignment, interfaces, overloading, messages to </a:t>
-            </a:r>
-            <a:r>
-              <a:rPr lang="en-US" dirty="0">
-                <a:latin typeface="Courier New" panose="02070309020205020404" pitchFamily="49" charset="0"/>
-                <a:cs typeface="Courier New" panose="02070309020205020404" pitchFamily="49" charset="0"/>
-              </a:rPr>
-              <a:t>super</a:t>
-            </a:r>
-            <a:r>
-              <a:rPr lang="en-US" dirty="0"/>
-              <a:t>, null pointers, base types (</a:t>
-            </a:r>
-            <a:r>
-              <a:rPr lang="en-US" dirty="0" err="1">
-                <a:latin typeface="Courier New" panose="02070309020205020404" pitchFamily="49" charset="0"/>
-                <a:cs typeface="Courier New" panose="02070309020205020404" pitchFamily="49" charset="0"/>
-              </a:rPr>
-              <a:t>int</a:t>
-            </a:r>
-            <a:r>
-              <a:rPr lang="en-US" dirty="0"/>
-              <a:t>, </a:t>
-            </a:r>
-            <a:r>
-              <a:rPr lang="en-US" dirty="0">
-                <a:latin typeface="Courier New" panose="02070309020205020404" pitchFamily="49" charset="0"/>
-                <a:cs typeface="Courier New" panose="02070309020205020404" pitchFamily="49" charset="0"/>
-              </a:rPr>
-              <a:t>bool</a:t>
-            </a:r>
-            <a:r>
-              <a:rPr lang="en-US" dirty="0"/>
-              <a:t>, etc.), abstract method declarations, shadowing of superclass fields by subclass fields, access control (</a:t>
-            </a:r>
-            <a:r>
-              <a:rPr lang="en-US" dirty="0">
-                <a:latin typeface="Courier New" panose="02070309020205020404" pitchFamily="49" charset="0"/>
-                <a:cs typeface="Courier New" panose="02070309020205020404" pitchFamily="49" charset="0"/>
-              </a:rPr>
-              <a:t>public</a:t>
-            </a:r>
-            <a:r>
-              <a:rPr lang="en-US" dirty="0"/>
-              <a:t>, </a:t>
-            </a:r>
-            <a:r>
-              <a:rPr lang="en-US" dirty="0">
-                <a:latin typeface="Courier New" panose="02070309020205020404" pitchFamily="49" charset="0"/>
-                <a:cs typeface="Courier New" panose="02070309020205020404" pitchFamily="49" charset="0"/>
-              </a:rPr>
-              <a:t>private</a:t>
-            </a:r>
-            <a:r>
-              <a:rPr lang="en-US" dirty="0"/>
-              <a:t>, etc.), and exceptions</a:t>
+              <a:t>“A minimal core calculus for Java and GJ”</a:t>
             </a:r>
           </a:p>
           <a:p>
             <a:pPr lvl="1"/>
             <a:r>
               <a:rPr lang="en-US" dirty="0"/>
-              <a:t>Includes: mutually recursive class definitions, object creation, field access, method invocation, method override,</a:t>
-            </a:r>
-            <a:r>
-              <a:rPr lang="en-US" dirty="0">
-                <a:solidFill>
-                  <a:srgbClr val="FF0000"/>
-                </a:solidFill>
-              </a:rPr>
-              <a:t> </a:t>
-            </a:r>
-            <a:r>
-              <a:rPr lang="en-US" dirty="0"/>
-              <a:t>method recursion through </a:t>
-            </a:r>
-            <a:r>
-              <a:rPr lang="en-US" dirty="0">
-                <a:latin typeface="Courier New" panose="02070309020205020404" pitchFamily="49" charset="0"/>
-                <a:cs typeface="Courier New" panose="02070309020205020404" pitchFamily="49" charset="0"/>
-              </a:rPr>
-              <a:t>this</a:t>
-            </a:r>
-            <a:r>
-              <a:rPr lang="en-US" dirty="0"/>
-              <a:t>, subtyping</a:t>
-            </a:r>
-            <a:r>
-              <a:rPr lang="en-US" strike="sngStrike" dirty="0">
-                <a:solidFill>
-                  <a:srgbClr val="FF0000"/>
-                </a:solidFill>
-              </a:rPr>
-              <a:t>, and casting</a:t>
-            </a:r>
+              <a:t>Three computational rules: field access, method invocation, casts</a:t>
+            </a:r>
+          </a:p>
+          <a:p>
+            <a:pPr lvl="1"/>
+            <a:r>
+              <a:rPr lang="en-US" dirty="0"/>
+              <a:t>“just as the slogan for the lambda calculus is ‘everything is a function,’ here the slogan is ‘everything is an object.’”</a:t>
+            </a:r>
+            <a:br>
+              <a:rPr lang="en-US" dirty="0"/>
+            </a:br>
             <a:endParaRPr lang="en-US" dirty="0"/>
+          </a:p>
+        </p:txBody>
+      </p:sp>
+      <p:sp>
+        <p:nvSpPr>
+          <p:cNvPr id="4" name="Rectangle 3"/>
+          <p:cNvSpPr/>
+          <p:nvPr/>
+        </p:nvSpPr>
+        <p:spPr>
+          <a:xfrm>
+            <a:off x="0" y="5562898"/>
+            <a:ext cx="9143999" cy="523220"/>
+          </a:xfrm>
+          <a:prstGeom prst="rect">
+            <a:avLst/>
+          </a:prstGeom>
+        </p:spPr>
+        <p:txBody>
+          <a:bodyPr wrap="square">
+            <a:spAutoFit/>
+          </a:bodyPr>
+          <a:lstStyle/>
+          <a:p>
+            <a:pPr algn="ctr"/>
+            <a:r>
+              <a:rPr lang="en-US" sz="2800" dirty="0">
+                <a:solidFill>
+                  <a:srgbClr val="000000"/>
+                </a:solidFill>
+                <a:latin typeface="Courier New" panose="02070309020205020404" pitchFamily="49" charset="0"/>
+                <a:cs typeface="Courier New" panose="02070309020205020404" pitchFamily="49" charset="0"/>
+              </a:rPr>
+              <a:t>new Pair(new A(), new B()).snd → new B()</a:t>
+            </a:r>
+            <a:endParaRPr lang="en-US" sz="2800" dirty="0">
+              <a:latin typeface="Courier New" panose="02070309020205020404" pitchFamily="49" charset="0"/>
+              <a:cs typeface="Courier New" panose="02070309020205020404" pitchFamily="49" charset="0"/>
+            </a:endParaRPr>
           </a:p>
         </p:txBody>
       </p:sp>
     </p:spTree>
     <p:extLst>
       <p:ext uri="{BB962C8B-B14F-4D97-AF65-F5344CB8AC3E}">
-        <p14:creationId xmlns:p14="http://schemas.microsoft.com/office/powerpoint/2010/main" val="64831200"/>
+        <p14:creationId xmlns:p14="http://schemas.microsoft.com/office/powerpoint/2010/main" val="4171731091"/>
       </p:ext>
     </p:extLst>
   </p:cSld>
@@ -17576,11 +17823,7 @@
             <a:pPr lvl="1"/>
             <a:r>
               <a:rPr lang="en-US" dirty="0"/>
-              <a:t>Cast-free Coq implementation by </a:t>
-            </a:r>
-            <a:r>
-              <a:rPr lang="en-US" dirty="0"/>
-              <a:t>Bruno de </a:t>
+              <a:t>Cast-free Coq implementation by Bruno de </a:t>
             </a:r>
             <a:r>
               <a:rPr lang="en-US" dirty="0" err="1"/>
@@ -17621,7 +17864,6 @@
               <a:rPr lang="en-US" dirty="0"/>
               <a:t> 2008)</a:t>
             </a:r>
-            <a:endParaRPr lang="en-US" dirty="0"/>
           </a:p>
         </p:txBody>
       </p:sp>
@@ -17740,15 +17982,7 @@
                   <a:srgbClr val="00B050"/>
                 </a:solidFill>
               </a:rPr>
-              <a:t>Cast-free Coq implementation by </a:t>
-            </a:r>
-            <a:r>
-              <a:rPr lang="en-US" dirty="0">
-                <a:solidFill>
-                  <a:srgbClr val="00B050"/>
-                </a:solidFill>
-              </a:rPr>
-              <a:t>Bruno de </a:t>
+              <a:t>Cast-free Coq implementation by Bruno de </a:t>
             </a:r>
             <a:r>
               <a:rPr lang="en-US" dirty="0" err="1">
@@ -17805,7 +18039,6 @@
               <a:rPr lang="en-US" dirty="0"/>
               <a:t> 2008)</a:t>
             </a:r>
-            <a:endParaRPr lang="en-US" dirty="0"/>
           </a:p>
         </p:txBody>
       </p:sp>

--- a/Document/Presentation.pptx
+++ b/Document/Presentation.pptx
@@ -6450,14 +6450,14 @@
       </p:sp>
       <p:sp>
         <p:nvSpPr>
-          <p:cNvPr id="4" name="Rectangle 3"/>
+          <p:cNvPr id="3" name="Rectangle 2"/>
           <p:cNvSpPr/>
           <p:nvPr/>
         </p:nvSpPr>
         <p:spPr>
           <a:xfrm>
-            <a:off x="314324" y="2532519"/>
-            <a:ext cx="10839451" cy="2308324"/>
+            <a:off x="314324" y="2014061"/>
+            <a:ext cx="8696326" cy="3416320"/>
           </a:xfrm>
           <a:prstGeom prst="rect">
             <a:avLst/>
@@ -6468,6 +6468,283 @@
             <a:spAutoFit/>
           </a:bodyPr>
           <a:lstStyle/>
+          <a:p>
+            <a:r>
+              <a:rPr lang="en-US" sz="1200" dirty="0">
+                <a:latin typeface="Courier New" panose="02070309020205020404" pitchFamily="49" charset="0"/>
+                <a:cs typeface="Courier New" panose="02070309020205020404" pitchFamily="49" charset="0"/>
+              </a:rPr>
+              <a:t>Inductive </a:t>
+            </a:r>
+            <a:r>
+              <a:rPr lang="en-US" sz="1200" dirty="0" err="1">
+                <a:latin typeface="Courier New" panose="02070309020205020404" pitchFamily="49" charset="0"/>
+                <a:cs typeface="Courier New" panose="02070309020205020404" pitchFamily="49" charset="0"/>
+              </a:rPr>
+              <a:t>exp</a:t>
+            </a:r>
+            <a:r>
+              <a:rPr lang="en-US" sz="1200" dirty="0">
+                <a:latin typeface="Courier New" panose="02070309020205020404" pitchFamily="49" charset="0"/>
+                <a:cs typeface="Courier New" panose="02070309020205020404" pitchFamily="49" charset="0"/>
+              </a:rPr>
+              <a:t> : Set :=</a:t>
+            </a:r>
+          </a:p>
+          <a:p>
+            <a:r>
+              <a:rPr lang="en-US" sz="1200" dirty="0">
+                <a:latin typeface="Courier New" panose="02070309020205020404" pitchFamily="49" charset="0"/>
+                <a:cs typeface="Courier New" panose="02070309020205020404" pitchFamily="49" charset="0"/>
+              </a:rPr>
+              <a:t>    </a:t>
+            </a:r>
+            <a:r>
+              <a:rPr lang="en-US" sz="1200" dirty="0" err="1">
+                <a:latin typeface="Courier New" panose="02070309020205020404" pitchFamily="49" charset="0"/>
+                <a:cs typeface="Courier New" panose="02070309020205020404" pitchFamily="49" charset="0"/>
+              </a:rPr>
+              <a:t>e_var</a:t>
+            </a:r>
+            <a:r>
+              <a:rPr lang="en-US" sz="1200" dirty="0">
+                <a:latin typeface="Courier New" panose="02070309020205020404" pitchFamily="49" charset="0"/>
+                <a:cs typeface="Courier New" panose="02070309020205020404" pitchFamily="49" charset="0"/>
+              </a:rPr>
+              <a:t> : </a:t>
+            </a:r>
+            <a:r>
+              <a:rPr lang="en-US" sz="1200" dirty="0" err="1">
+                <a:latin typeface="Courier New" panose="02070309020205020404" pitchFamily="49" charset="0"/>
+                <a:cs typeface="Courier New" panose="02070309020205020404" pitchFamily="49" charset="0"/>
+              </a:rPr>
+              <a:t>var</a:t>
+            </a:r>
+            <a:r>
+              <a:rPr lang="en-US" sz="1200" dirty="0">
+                <a:latin typeface="Courier New" panose="02070309020205020404" pitchFamily="49" charset="0"/>
+                <a:cs typeface="Courier New" panose="02070309020205020404" pitchFamily="49" charset="0"/>
+              </a:rPr>
+              <a:t> -&gt; </a:t>
+            </a:r>
+            <a:r>
+              <a:rPr lang="en-US" sz="1200" dirty="0" err="1">
+                <a:latin typeface="Courier New" panose="02070309020205020404" pitchFamily="49" charset="0"/>
+                <a:cs typeface="Courier New" panose="02070309020205020404" pitchFamily="49" charset="0"/>
+              </a:rPr>
+              <a:t>exp</a:t>
+            </a:r>
+            <a:endParaRPr lang="en-US" sz="1200" dirty="0">
+              <a:latin typeface="Courier New" panose="02070309020205020404" pitchFamily="49" charset="0"/>
+              <a:cs typeface="Courier New" panose="02070309020205020404" pitchFamily="49" charset="0"/>
+            </a:endParaRPr>
+          </a:p>
+          <a:p>
+            <a:r>
+              <a:rPr lang="en-US" sz="1200" dirty="0">
+                <a:latin typeface="Courier New" panose="02070309020205020404" pitchFamily="49" charset="0"/>
+                <a:cs typeface="Courier New" panose="02070309020205020404" pitchFamily="49" charset="0"/>
+              </a:rPr>
+              <a:t>  | </a:t>
+            </a:r>
+            <a:r>
+              <a:rPr lang="en-US" sz="1200" dirty="0" err="1">
+                <a:latin typeface="Courier New" panose="02070309020205020404" pitchFamily="49" charset="0"/>
+                <a:cs typeface="Courier New" panose="02070309020205020404" pitchFamily="49" charset="0"/>
+              </a:rPr>
+              <a:t>e_field</a:t>
+            </a:r>
+            <a:r>
+              <a:rPr lang="en-US" sz="1200" dirty="0">
+                <a:latin typeface="Courier New" panose="02070309020205020404" pitchFamily="49" charset="0"/>
+                <a:cs typeface="Courier New" panose="02070309020205020404" pitchFamily="49" charset="0"/>
+              </a:rPr>
+              <a:t> : </a:t>
+            </a:r>
+            <a:r>
+              <a:rPr lang="en-US" sz="1200" dirty="0" err="1">
+                <a:latin typeface="Courier New" panose="02070309020205020404" pitchFamily="49" charset="0"/>
+                <a:cs typeface="Courier New" panose="02070309020205020404" pitchFamily="49" charset="0"/>
+              </a:rPr>
+              <a:t>exp</a:t>
+            </a:r>
+            <a:r>
+              <a:rPr lang="en-US" sz="1200" dirty="0">
+                <a:latin typeface="Courier New" panose="02070309020205020404" pitchFamily="49" charset="0"/>
+                <a:cs typeface="Courier New" panose="02070309020205020404" pitchFamily="49" charset="0"/>
+              </a:rPr>
+              <a:t> -&gt; </a:t>
+            </a:r>
+            <a:r>
+              <a:rPr lang="en-US" sz="1200" dirty="0" err="1">
+                <a:latin typeface="Courier New" panose="02070309020205020404" pitchFamily="49" charset="0"/>
+                <a:cs typeface="Courier New" panose="02070309020205020404" pitchFamily="49" charset="0"/>
+              </a:rPr>
+              <a:t>fname</a:t>
+            </a:r>
+            <a:r>
+              <a:rPr lang="en-US" sz="1200" dirty="0">
+                <a:latin typeface="Courier New" panose="02070309020205020404" pitchFamily="49" charset="0"/>
+                <a:cs typeface="Courier New" panose="02070309020205020404" pitchFamily="49" charset="0"/>
+              </a:rPr>
+              <a:t> -&gt; </a:t>
+            </a:r>
+            <a:r>
+              <a:rPr lang="en-US" sz="1200" dirty="0" err="1">
+                <a:latin typeface="Courier New" panose="02070309020205020404" pitchFamily="49" charset="0"/>
+                <a:cs typeface="Courier New" panose="02070309020205020404" pitchFamily="49" charset="0"/>
+              </a:rPr>
+              <a:t>exp</a:t>
+            </a:r>
+            <a:endParaRPr lang="en-US" sz="1200" dirty="0">
+              <a:latin typeface="Courier New" panose="02070309020205020404" pitchFamily="49" charset="0"/>
+              <a:cs typeface="Courier New" panose="02070309020205020404" pitchFamily="49" charset="0"/>
+            </a:endParaRPr>
+          </a:p>
+          <a:p>
+            <a:r>
+              <a:rPr lang="en-US" sz="1200" dirty="0">
+                <a:latin typeface="Courier New" panose="02070309020205020404" pitchFamily="49" charset="0"/>
+                <a:cs typeface="Courier New" panose="02070309020205020404" pitchFamily="49" charset="0"/>
+              </a:rPr>
+              <a:t>  | </a:t>
+            </a:r>
+            <a:r>
+              <a:rPr lang="en-US" sz="1200" dirty="0" err="1">
+                <a:latin typeface="Courier New" panose="02070309020205020404" pitchFamily="49" charset="0"/>
+                <a:cs typeface="Courier New" panose="02070309020205020404" pitchFamily="49" charset="0"/>
+              </a:rPr>
+              <a:t>e_meth</a:t>
+            </a:r>
+            <a:r>
+              <a:rPr lang="en-US" sz="1200" dirty="0">
+                <a:latin typeface="Courier New" panose="02070309020205020404" pitchFamily="49" charset="0"/>
+                <a:cs typeface="Courier New" panose="02070309020205020404" pitchFamily="49" charset="0"/>
+              </a:rPr>
+              <a:t> : </a:t>
+            </a:r>
+            <a:r>
+              <a:rPr lang="en-US" sz="1200" dirty="0" err="1">
+                <a:latin typeface="Courier New" panose="02070309020205020404" pitchFamily="49" charset="0"/>
+                <a:cs typeface="Courier New" panose="02070309020205020404" pitchFamily="49" charset="0"/>
+              </a:rPr>
+              <a:t>exp</a:t>
+            </a:r>
+            <a:r>
+              <a:rPr lang="en-US" sz="1200" dirty="0">
+                <a:latin typeface="Courier New" panose="02070309020205020404" pitchFamily="49" charset="0"/>
+                <a:cs typeface="Courier New" panose="02070309020205020404" pitchFamily="49" charset="0"/>
+              </a:rPr>
+              <a:t> -&gt; </a:t>
+            </a:r>
+            <a:r>
+              <a:rPr lang="en-US" sz="1200" dirty="0" err="1">
+                <a:latin typeface="Courier New" panose="02070309020205020404" pitchFamily="49" charset="0"/>
+                <a:cs typeface="Courier New" panose="02070309020205020404" pitchFamily="49" charset="0"/>
+              </a:rPr>
+              <a:t>mname</a:t>
+            </a:r>
+            <a:r>
+              <a:rPr lang="en-US" sz="1200" dirty="0">
+                <a:latin typeface="Courier New" panose="02070309020205020404" pitchFamily="49" charset="0"/>
+                <a:cs typeface="Courier New" panose="02070309020205020404" pitchFamily="49" charset="0"/>
+              </a:rPr>
+              <a:t> -&gt; list </a:t>
+            </a:r>
+            <a:r>
+              <a:rPr lang="en-US" sz="1200" dirty="0" err="1">
+                <a:latin typeface="Courier New" panose="02070309020205020404" pitchFamily="49" charset="0"/>
+                <a:cs typeface="Courier New" panose="02070309020205020404" pitchFamily="49" charset="0"/>
+              </a:rPr>
+              <a:t>exp</a:t>
+            </a:r>
+            <a:r>
+              <a:rPr lang="en-US" sz="1200" dirty="0">
+                <a:latin typeface="Courier New" panose="02070309020205020404" pitchFamily="49" charset="0"/>
+                <a:cs typeface="Courier New" panose="02070309020205020404" pitchFamily="49" charset="0"/>
+              </a:rPr>
+              <a:t> -&gt; </a:t>
+            </a:r>
+            <a:r>
+              <a:rPr lang="en-US" sz="1200" dirty="0" err="1">
+                <a:latin typeface="Courier New" panose="02070309020205020404" pitchFamily="49" charset="0"/>
+                <a:cs typeface="Courier New" panose="02070309020205020404" pitchFamily="49" charset="0"/>
+              </a:rPr>
+              <a:t>exp</a:t>
+            </a:r>
+            <a:endParaRPr lang="en-US" sz="1200" dirty="0">
+              <a:latin typeface="Courier New" panose="02070309020205020404" pitchFamily="49" charset="0"/>
+              <a:cs typeface="Courier New" panose="02070309020205020404" pitchFamily="49" charset="0"/>
+            </a:endParaRPr>
+          </a:p>
+          <a:p>
+            <a:r>
+              <a:rPr lang="en-US" sz="1200" dirty="0">
+                <a:latin typeface="Courier New" panose="02070309020205020404" pitchFamily="49" charset="0"/>
+                <a:cs typeface="Courier New" panose="02070309020205020404" pitchFamily="49" charset="0"/>
+              </a:rPr>
+              <a:t>  | </a:t>
+            </a:r>
+            <a:r>
+              <a:rPr lang="en-US" sz="1200" dirty="0" err="1">
+                <a:latin typeface="Courier New" panose="02070309020205020404" pitchFamily="49" charset="0"/>
+                <a:cs typeface="Courier New" panose="02070309020205020404" pitchFamily="49" charset="0"/>
+              </a:rPr>
+              <a:t>e_new</a:t>
+            </a:r>
+            <a:r>
+              <a:rPr lang="en-US" sz="1200" dirty="0">
+                <a:latin typeface="Courier New" panose="02070309020205020404" pitchFamily="49" charset="0"/>
+                <a:cs typeface="Courier New" panose="02070309020205020404" pitchFamily="49" charset="0"/>
+              </a:rPr>
+              <a:t> : </a:t>
+            </a:r>
+            <a:r>
+              <a:rPr lang="en-US" sz="1200" dirty="0" err="1">
+                <a:latin typeface="Courier New" panose="02070309020205020404" pitchFamily="49" charset="0"/>
+                <a:cs typeface="Courier New" panose="02070309020205020404" pitchFamily="49" charset="0"/>
+              </a:rPr>
+              <a:t>cname</a:t>
+            </a:r>
+            <a:r>
+              <a:rPr lang="en-US" sz="1200" dirty="0">
+                <a:latin typeface="Courier New" panose="02070309020205020404" pitchFamily="49" charset="0"/>
+                <a:cs typeface="Courier New" panose="02070309020205020404" pitchFamily="49" charset="0"/>
+              </a:rPr>
+              <a:t> -&gt; list </a:t>
+            </a:r>
+            <a:r>
+              <a:rPr lang="en-US" sz="1200" dirty="0" err="1">
+                <a:latin typeface="Courier New" panose="02070309020205020404" pitchFamily="49" charset="0"/>
+                <a:cs typeface="Courier New" panose="02070309020205020404" pitchFamily="49" charset="0"/>
+              </a:rPr>
+              <a:t>exp</a:t>
+            </a:r>
+            <a:r>
+              <a:rPr lang="en-US" sz="1200" dirty="0">
+                <a:latin typeface="Courier New" panose="02070309020205020404" pitchFamily="49" charset="0"/>
+                <a:cs typeface="Courier New" panose="02070309020205020404" pitchFamily="49" charset="0"/>
+              </a:rPr>
+              <a:t> -&gt; </a:t>
+            </a:r>
+            <a:r>
+              <a:rPr lang="en-US" sz="1200" dirty="0" err="1">
+                <a:latin typeface="Courier New" panose="02070309020205020404" pitchFamily="49" charset="0"/>
+                <a:cs typeface="Courier New" panose="02070309020205020404" pitchFamily="49" charset="0"/>
+              </a:rPr>
+              <a:t>exp</a:t>
+            </a:r>
+            <a:endParaRPr lang="en-US" sz="1200" dirty="0">
+              <a:latin typeface="Courier New" panose="02070309020205020404" pitchFamily="49" charset="0"/>
+              <a:cs typeface="Courier New" panose="02070309020205020404" pitchFamily="49" charset="0"/>
+            </a:endParaRPr>
+          </a:p>
+          <a:p>
+            <a:endParaRPr lang="en-US" sz="1200" dirty="0">
+              <a:latin typeface="Courier New" panose="02070309020205020404" pitchFamily="49" charset="0"/>
+              <a:cs typeface="Courier New" panose="02070309020205020404" pitchFamily="49" charset="0"/>
+            </a:endParaRPr>
+          </a:p>
           <a:p>
             <a:r>
               <a:rPr lang="en-US" sz="1200" dirty="0">
@@ -8379,10 +8656,6 @@
               </a:rPr>
               <a:t> e1 e2.</a:t>
             </a:r>
-            <a:endParaRPr lang="en-US" sz="2400" dirty="0">
-              <a:latin typeface="Courier New" panose="02070309020205020404" pitchFamily="49" charset="0"/>
-              <a:cs typeface="Courier New" panose="02070309020205020404" pitchFamily="49" charset="0"/>
-            </a:endParaRPr>
           </a:p>
         </p:txBody>
       </p:sp>
@@ -16823,10 +17096,6 @@
               </a:rPr>
               <a:t> e1 e2.</a:t>
             </a:r>
-            <a:endParaRPr lang="en-US" sz="2400" dirty="0">
-              <a:latin typeface="Courier New" panose="02070309020205020404" pitchFamily="49" charset="0"/>
-              <a:cs typeface="Courier New" panose="02070309020205020404" pitchFamily="49" charset="0"/>
-            </a:endParaRPr>
           </a:p>
         </p:txBody>
       </p:sp>
